--- a/SWOT_template.pptx
+++ b/SWOT_template.pptx
@@ -1934,8 +1934,12 @@
           <a:lstStyle/>
           <a:p>
             <a:r>
-              <a:rPr lang="en-GB" dirty="0" err="1"/>
-              <a:t>Slide_subtitle</a:t>
+              <a:rPr lang="en-GB" err="1"/>
+              <a:t>Slide</a:t>
+            </a:r>
+            <a:r>
+              <a:rPr lang="en-GB"/>
+              <a:t>_title</a:t>
             </a:r>
             <a:endParaRPr lang="en-GB" dirty="0"/>
           </a:p>
@@ -2823,12 +2827,14 @@
 </file>
 
 <file path=customXml/item1.xml><?xml version="1.0" encoding="utf-8"?>
-<?mso-contentType ?>
-<FormTemplates xmlns="http://schemas.microsoft.com/sharepoint/v3/contenttype/forms">
-  <Display>DocumentLibraryForm</Display>
-  <Edit>DocumentLibraryForm</Edit>
-  <New>DocumentLibraryForm</New>
-</FormTemplates>
+<p:properties xmlns:p="http://schemas.microsoft.com/office/2006/metadata/properties" xmlns:xsi="http://www.w3.org/2001/XMLSchema-instance" xmlns:pc="http://schemas.microsoft.com/office/infopath/2007/PartnerControls">
+  <documentManagement>
+    <TaxCatchAll xmlns="9bea065c-4598-471b-a0d8-b208471d6a41" xsi:nil="true"/>
+    <lcf76f155ced4ddcb4097134ff3c332f xmlns="737cdb0d-9f15-48ec-9529-975a91239bb1">
+      <Terms xmlns="http://schemas.microsoft.com/office/infopath/2007/PartnerControls"/>
+    </lcf76f155ced4ddcb4097134ff3c332f>
+  </documentManagement>
+</p:properties>
 </file>
 
 <file path=customXml/item2.xml><?xml version="1.0" encoding="utf-8"?>
@@ -3067,20 +3073,27 @@
 </file>
 
 <file path=customXml/item3.xml><?xml version="1.0" encoding="utf-8"?>
-<p:properties xmlns:p="http://schemas.microsoft.com/office/2006/metadata/properties" xmlns:xsi="http://www.w3.org/2001/XMLSchema-instance" xmlns:pc="http://schemas.microsoft.com/office/infopath/2007/PartnerControls">
-  <documentManagement>
-    <TaxCatchAll xmlns="9bea065c-4598-471b-a0d8-b208471d6a41" xsi:nil="true"/>
-    <lcf76f155ced4ddcb4097134ff3c332f xmlns="737cdb0d-9f15-48ec-9529-975a91239bb1">
-      <Terms xmlns="http://schemas.microsoft.com/office/infopath/2007/PartnerControls"/>
-    </lcf76f155ced4ddcb4097134ff3c332f>
-  </documentManagement>
-</p:properties>
+<?mso-contentType ?>
+<FormTemplates xmlns="http://schemas.microsoft.com/sharepoint/v3/contenttype/forms">
+  <Display>DocumentLibraryForm</Display>
+  <Edit>DocumentLibraryForm</Edit>
+  <New>DocumentLibraryForm</New>
+</FormTemplates>
 </file>
 
 <file path=customXml/itemProps1.xml><?xml version="1.0" encoding="utf-8"?>
-<ds:datastoreItem xmlns:ds="http://schemas.openxmlformats.org/officeDocument/2006/customXml" ds:itemID="{3BB299B6-1159-4940-B296-E198453C8E80}">
+<ds:datastoreItem xmlns:ds="http://schemas.openxmlformats.org/officeDocument/2006/customXml" ds:itemID="{9674E985-4D59-45AB-8970-AD8E2C92CE21}">
   <ds:schemaRefs>
-    <ds:schemaRef ds:uri="http://schemas.microsoft.com/sharepoint/v3/contenttype/forms"/>
+    <ds:schemaRef ds:uri="http://schemas.openxmlformats.org/package/2006/metadata/core-properties"/>
+    <ds:schemaRef ds:uri="http://www.w3.org/XML/1998/namespace"/>
+    <ds:schemaRef ds:uri="http://schemas.microsoft.com/office/2006/documentManagement/types"/>
+    <ds:schemaRef ds:uri="http://purl.org/dc/dcmitype/"/>
+    <ds:schemaRef ds:uri="http://schemas.microsoft.com/office/infopath/2007/PartnerControls"/>
+    <ds:schemaRef ds:uri="http://purl.org/dc/terms/"/>
+    <ds:schemaRef ds:uri="http://purl.org/dc/elements/1.1/"/>
+    <ds:schemaRef ds:uri="9bea065c-4598-471b-a0d8-b208471d6a41"/>
+    <ds:schemaRef ds:uri="737cdb0d-9f15-48ec-9529-975a91239bb1"/>
+    <ds:schemaRef ds:uri="http://schemas.microsoft.com/office/2006/metadata/properties"/>
   </ds:schemaRefs>
 </ds:datastoreItem>
 </file>
@@ -3105,18 +3118,9 @@
 </file>
 
 <file path=customXml/itemProps3.xml><?xml version="1.0" encoding="utf-8"?>
-<ds:datastoreItem xmlns:ds="http://schemas.openxmlformats.org/officeDocument/2006/customXml" ds:itemID="{9674E985-4D59-45AB-8970-AD8E2C92CE21}">
+<ds:datastoreItem xmlns:ds="http://schemas.openxmlformats.org/officeDocument/2006/customXml" ds:itemID="{3BB299B6-1159-4940-B296-E198453C8E80}">
   <ds:schemaRefs>
-    <ds:schemaRef ds:uri="http://schemas.openxmlformats.org/package/2006/metadata/core-properties"/>
-    <ds:schemaRef ds:uri="http://www.w3.org/XML/1998/namespace"/>
-    <ds:schemaRef ds:uri="http://schemas.microsoft.com/office/2006/documentManagement/types"/>
-    <ds:schemaRef ds:uri="http://purl.org/dc/dcmitype/"/>
-    <ds:schemaRef ds:uri="http://schemas.microsoft.com/office/infopath/2007/PartnerControls"/>
-    <ds:schemaRef ds:uri="http://purl.org/dc/terms/"/>
-    <ds:schemaRef ds:uri="http://purl.org/dc/elements/1.1/"/>
-    <ds:schemaRef ds:uri="9bea065c-4598-471b-a0d8-b208471d6a41"/>
-    <ds:schemaRef ds:uri="737cdb0d-9f15-48ec-9529-975a91239bb1"/>
-    <ds:schemaRef ds:uri="http://schemas.microsoft.com/office/2006/metadata/properties"/>
+    <ds:schemaRef ds:uri="http://schemas.microsoft.com/sharepoint/v3/contenttype/forms"/>
   </ds:schemaRefs>
 </ds:datastoreItem>
 </file>
--- a/SWOT_template.pptx
+++ b/SWOT_template.pptx
@@ -1995,7 +1995,7 @@
         </p:nvSpPr>
         <p:spPr>
           <a:xfrm>
-            <a:off x="728870" y="1403989"/>
+            <a:off x="728870" y="1271469"/>
             <a:ext cx="2531165" cy="138499"/>
           </a:xfrm>
           <a:prstGeom prst="rect">
@@ -2031,7 +2031,7 @@
         </p:nvSpPr>
         <p:spPr>
           <a:xfrm>
-            <a:off x="3412435" y="1403989"/>
+            <a:off x="3412435" y="1271469"/>
             <a:ext cx="2531165" cy="138499"/>
           </a:xfrm>
           <a:prstGeom prst="rect">
@@ -2067,7 +2067,7 @@
         </p:nvSpPr>
         <p:spPr>
           <a:xfrm>
-            <a:off x="728869" y="4114059"/>
+            <a:off x="728869" y="3981539"/>
             <a:ext cx="2531165" cy="138499"/>
           </a:xfrm>
           <a:prstGeom prst="rect">
@@ -2103,7 +2103,7 @@
         </p:nvSpPr>
         <p:spPr>
           <a:xfrm>
-            <a:off x="3412434" y="4114059"/>
+            <a:off x="3412434" y="3981539"/>
             <a:ext cx="2531165" cy="138499"/>
           </a:xfrm>
           <a:prstGeom prst="rect">
@@ -2827,14 +2827,12 @@
 </file>
 
 <file path=customXml/item1.xml><?xml version="1.0" encoding="utf-8"?>
-<p:properties xmlns:p="http://schemas.microsoft.com/office/2006/metadata/properties" xmlns:xsi="http://www.w3.org/2001/XMLSchema-instance" xmlns:pc="http://schemas.microsoft.com/office/infopath/2007/PartnerControls">
-  <documentManagement>
-    <TaxCatchAll xmlns="9bea065c-4598-471b-a0d8-b208471d6a41" xsi:nil="true"/>
-    <lcf76f155ced4ddcb4097134ff3c332f xmlns="737cdb0d-9f15-48ec-9529-975a91239bb1">
-      <Terms xmlns="http://schemas.microsoft.com/office/infopath/2007/PartnerControls"/>
-    </lcf76f155ced4ddcb4097134ff3c332f>
-  </documentManagement>
-</p:properties>
+<?mso-contentType ?>
+<FormTemplates xmlns="http://schemas.microsoft.com/sharepoint/v3/contenttype/forms">
+  <Display>DocumentLibraryForm</Display>
+  <Edit>DocumentLibraryForm</Edit>
+  <New>DocumentLibraryForm</New>
+</FormTemplates>
 </file>
 
 <file path=customXml/item2.xml><?xml version="1.0" encoding="utf-8"?>
@@ -3073,27 +3071,20 @@
 </file>
 
 <file path=customXml/item3.xml><?xml version="1.0" encoding="utf-8"?>
-<?mso-contentType ?>
-<FormTemplates xmlns="http://schemas.microsoft.com/sharepoint/v3/contenttype/forms">
-  <Display>DocumentLibraryForm</Display>
-  <Edit>DocumentLibraryForm</Edit>
-  <New>DocumentLibraryForm</New>
-</FormTemplates>
+<p:properties xmlns:p="http://schemas.microsoft.com/office/2006/metadata/properties" xmlns:xsi="http://www.w3.org/2001/XMLSchema-instance" xmlns:pc="http://schemas.microsoft.com/office/infopath/2007/PartnerControls">
+  <documentManagement>
+    <TaxCatchAll xmlns="9bea065c-4598-471b-a0d8-b208471d6a41" xsi:nil="true"/>
+    <lcf76f155ced4ddcb4097134ff3c332f xmlns="737cdb0d-9f15-48ec-9529-975a91239bb1">
+      <Terms xmlns="http://schemas.microsoft.com/office/infopath/2007/PartnerControls"/>
+    </lcf76f155ced4ddcb4097134ff3c332f>
+  </documentManagement>
+</p:properties>
 </file>
 
 <file path=customXml/itemProps1.xml><?xml version="1.0" encoding="utf-8"?>
-<ds:datastoreItem xmlns:ds="http://schemas.openxmlformats.org/officeDocument/2006/customXml" ds:itemID="{9674E985-4D59-45AB-8970-AD8E2C92CE21}">
+<ds:datastoreItem xmlns:ds="http://schemas.openxmlformats.org/officeDocument/2006/customXml" ds:itemID="{3BB299B6-1159-4940-B296-E198453C8E80}">
   <ds:schemaRefs>
-    <ds:schemaRef ds:uri="http://schemas.openxmlformats.org/package/2006/metadata/core-properties"/>
-    <ds:schemaRef ds:uri="http://www.w3.org/XML/1998/namespace"/>
-    <ds:schemaRef ds:uri="http://schemas.microsoft.com/office/2006/documentManagement/types"/>
-    <ds:schemaRef ds:uri="http://purl.org/dc/dcmitype/"/>
-    <ds:schemaRef ds:uri="http://schemas.microsoft.com/office/infopath/2007/PartnerControls"/>
-    <ds:schemaRef ds:uri="http://purl.org/dc/terms/"/>
-    <ds:schemaRef ds:uri="http://purl.org/dc/elements/1.1/"/>
-    <ds:schemaRef ds:uri="9bea065c-4598-471b-a0d8-b208471d6a41"/>
-    <ds:schemaRef ds:uri="737cdb0d-9f15-48ec-9529-975a91239bb1"/>
-    <ds:schemaRef ds:uri="http://schemas.microsoft.com/office/2006/metadata/properties"/>
+    <ds:schemaRef ds:uri="http://schemas.microsoft.com/sharepoint/v3/contenttype/forms"/>
   </ds:schemaRefs>
 </ds:datastoreItem>
 </file>
@@ -3118,9 +3109,18 @@
 </file>
 
 <file path=customXml/itemProps3.xml><?xml version="1.0" encoding="utf-8"?>
-<ds:datastoreItem xmlns:ds="http://schemas.openxmlformats.org/officeDocument/2006/customXml" ds:itemID="{3BB299B6-1159-4940-B296-E198453C8E80}">
+<ds:datastoreItem xmlns:ds="http://schemas.openxmlformats.org/officeDocument/2006/customXml" ds:itemID="{9674E985-4D59-45AB-8970-AD8E2C92CE21}">
   <ds:schemaRefs>
-    <ds:schemaRef ds:uri="http://schemas.microsoft.com/sharepoint/v3/contenttype/forms"/>
+    <ds:schemaRef ds:uri="http://schemas.openxmlformats.org/package/2006/metadata/core-properties"/>
+    <ds:schemaRef ds:uri="http://www.w3.org/XML/1998/namespace"/>
+    <ds:schemaRef ds:uri="http://schemas.microsoft.com/office/2006/documentManagement/types"/>
+    <ds:schemaRef ds:uri="http://purl.org/dc/dcmitype/"/>
+    <ds:schemaRef ds:uri="http://schemas.microsoft.com/office/infopath/2007/PartnerControls"/>
+    <ds:schemaRef ds:uri="http://purl.org/dc/terms/"/>
+    <ds:schemaRef ds:uri="http://purl.org/dc/elements/1.1/"/>
+    <ds:schemaRef ds:uri="9bea065c-4598-471b-a0d8-b208471d6a41"/>
+    <ds:schemaRef ds:uri="737cdb0d-9f15-48ec-9529-975a91239bb1"/>
+    <ds:schemaRef ds:uri="http://schemas.microsoft.com/office/2006/metadata/properties"/>
   </ds:schemaRefs>
 </ds:datastoreItem>
 </file>
--- a/SWOT_template.pptx
+++ b/SWOT_template.pptx
@@ -463,6 +463,102 @@
     </a:lvl9pPr>
   </p:notesStyle>
 </p:notesMaster>
+</file>
+
+<file path=ppt/notesSlides/notesSlide1.xml><?xml version="1.0" encoding="utf-8"?>
+<p:notes xmlns:a="http://schemas.openxmlformats.org/drawingml/2006/main" xmlns:r="http://schemas.openxmlformats.org/officeDocument/2006/relationships" xmlns:p="http://schemas.openxmlformats.org/presentationml/2006/main">
+  <p:cSld>
+    <p:spTree>
+      <p:nvGrpSpPr>
+        <p:cNvPr id="1" name=""/>
+        <p:cNvGrpSpPr/>
+        <p:nvPr/>
+      </p:nvGrpSpPr>
+      <p:grpSpPr>
+        <a:xfrm>
+          <a:off x="0" y="0"/>
+          <a:ext cx="0" cy="0"/>
+          <a:chOff x="0" y="0"/>
+          <a:chExt cx="0" cy="0"/>
+        </a:xfrm>
+      </p:grpSpPr>
+      <p:sp>
+        <p:nvSpPr>
+          <p:cNvPr id="2" name="Slide Image Placeholder 1"/>
+          <p:cNvSpPr>
+            <a:spLocks noGrp="1" noRot="1" noChangeAspect="1"/>
+          </p:cNvSpPr>
+          <p:nvPr>
+            <p:ph type="sldImg"/>
+          </p:nvPr>
+        </p:nvSpPr>
+        <p:spPr/>
+      </p:sp>
+      <p:sp>
+        <p:nvSpPr>
+          <p:cNvPr id="3" name="Notes Placeholder 2"/>
+          <p:cNvSpPr>
+            <a:spLocks noGrp="1"/>
+          </p:cNvSpPr>
+          <p:nvPr>
+            <p:ph type="body" idx="1"/>
+          </p:nvPr>
+        </p:nvSpPr>
+        <p:spPr/>
+        <p:txBody>
+          <a:bodyPr/>
+          <a:lstStyle/>
+          <a:p>
+            <a:r>
+              <a:rPr lang="en-GB" dirty="0"/>
+              <a:t>Please note – any references that say they are from “Knowledge Base” should be checked. </a:t>
+            </a:r>
+          </a:p>
+          <a:p>
+            <a:endParaRPr lang="en-GB" dirty="0"/>
+          </a:p>
+          <a:p>
+            <a:r>
+              <a:rPr lang="en-GB" dirty="0"/>
+              <a:t>This means that GPT has either extrapolated directly from its knowledge base (vs. a source), or made a leap from a source. Basically, if it says “Knowledge Base” it’s a red flag for a potential hallucination and has to be checked manually. </a:t>
+            </a:r>
+          </a:p>
+        </p:txBody>
+      </p:sp>
+      <p:sp>
+        <p:nvSpPr>
+          <p:cNvPr id="4" name="Slide Number Placeholder 3"/>
+          <p:cNvSpPr>
+            <a:spLocks noGrp="1"/>
+          </p:cNvSpPr>
+          <p:nvPr>
+            <p:ph type="sldNum" sz="quarter" idx="5"/>
+          </p:nvPr>
+        </p:nvSpPr>
+        <p:spPr/>
+        <p:txBody>
+          <a:bodyPr/>
+          <a:lstStyle/>
+          <a:p>
+            <a:fld id="{763931CF-879D-C24C-B4FC-A16B88D776C8}" type="slidenum">
+              <a:rPr lang="en-US" smtClean="0"/>
+              <a:t>1</a:t>
+            </a:fld>
+            <a:endParaRPr lang="en-US"/>
+          </a:p>
+        </p:txBody>
+      </p:sp>
+    </p:spTree>
+    <p:extLst>
+      <p:ext uri="{BB962C8B-B14F-4D97-AF65-F5344CB8AC3E}">
+        <p14:creationId xmlns:p14="http://schemas.microsoft.com/office/powerpoint/2010/main" val="453948710"/>
+      </p:ext>
+    </p:extLst>
+  </p:cSld>
+  <p:clrMapOvr>
+    <a:masterClrMapping/>
+  </p:clrMapOvr>
+</p:notes>
 </file>
 
 <file path=ppt/slideLayouts/slideLayout1.xml><?xml version="1.0" encoding="utf-8"?>
@@ -2827,15 +2923,6 @@
 </file>
 
 <file path=customXml/item1.xml><?xml version="1.0" encoding="utf-8"?>
-<?mso-contentType ?>
-<FormTemplates xmlns="http://schemas.microsoft.com/sharepoint/v3/contenttype/forms">
-  <Display>DocumentLibraryForm</Display>
-  <Edit>DocumentLibraryForm</Edit>
-  <New>DocumentLibraryForm</New>
-</FormTemplates>
-</file>
-
-<file path=customXml/item2.xml><?xml version="1.0" encoding="utf-8"?>
 <ct:contentTypeSchema xmlns:ct="http://schemas.microsoft.com/office/2006/metadata/contentType" xmlns:ma="http://schemas.microsoft.com/office/2006/metadata/properties/metaAttributes" ct:_="" ma:_="" ma:contentTypeName="Document" ma:contentTypeID="0x010100A2CD2B7DD7D5E348A4B5B847AD49C1E4" ma:contentTypeVersion="15" ma:contentTypeDescription="Create a new document." ma:contentTypeScope="" ma:versionID="8e0e392dcf65750e3ad704a59f705fb3">
   <xsd:schema xmlns:xsd="http://www.w3.org/2001/XMLSchema" xmlns:xs="http://www.w3.org/2001/XMLSchema" xmlns:p="http://schemas.microsoft.com/office/2006/metadata/properties" xmlns:ns2="737cdb0d-9f15-48ec-9529-975a91239bb1" xmlns:ns3="9bea065c-4598-471b-a0d8-b208471d6a41" targetNamespace="http://schemas.microsoft.com/office/2006/metadata/properties" ma:root="true" ma:fieldsID="16d7d9ff6e2e2d483fddd166083c89fa" ns2:_="" ns3:_="">
     <xsd:import namespace="737cdb0d-9f15-48ec-9529-975a91239bb1"/>
@@ -3070,6 +3157,15 @@
 </ct:contentTypeSchema>
 </file>
 
+<file path=customXml/item2.xml><?xml version="1.0" encoding="utf-8"?>
+<?mso-contentType ?>
+<FormTemplates xmlns="http://schemas.microsoft.com/sharepoint/v3/contenttype/forms">
+  <Display>DocumentLibraryForm</Display>
+  <Edit>DocumentLibraryForm</Edit>
+  <New>DocumentLibraryForm</New>
+</FormTemplates>
+</file>
+
 <file path=customXml/item3.xml><?xml version="1.0" encoding="utf-8"?>
 <p:properties xmlns:p="http://schemas.microsoft.com/office/2006/metadata/properties" xmlns:xsi="http://www.w3.org/2001/XMLSchema-instance" xmlns:pc="http://schemas.microsoft.com/office/infopath/2007/PartnerControls">
   <documentManagement>
@@ -3082,14 +3178,6 @@
 </file>
 
 <file path=customXml/itemProps1.xml><?xml version="1.0" encoding="utf-8"?>
-<ds:datastoreItem xmlns:ds="http://schemas.openxmlformats.org/officeDocument/2006/customXml" ds:itemID="{3BB299B6-1159-4940-B296-E198453C8E80}">
-  <ds:schemaRefs>
-    <ds:schemaRef ds:uri="http://schemas.microsoft.com/sharepoint/v3/contenttype/forms"/>
-  </ds:schemaRefs>
-</ds:datastoreItem>
-</file>
-
-<file path=customXml/itemProps2.xml><?xml version="1.0" encoding="utf-8"?>
 <ds:datastoreItem xmlns:ds="http://schemas.openxmlformats.org/officeDocument/2006/customXml" ds:itemID="{C4D443D4-D2BB-47D9-93BA-F264F5B47780}">
   <ds:schemaRefs>
     <ds:schemaRef ds:uri="737cdb0d-9f15-48ec-9529-975a91239bb1"/>
@@ -3104,6 +3192,14 @@
     <ds:schemaRef ds:uri="http://schemas.microsoft.com/office/infopath/2007/PartnerControls"/>
     <ds:schemaRef ds:uri="http://schemas.openxmlformats.org/package/2006/metadata/core-properties"/>
     <ds:schemaRef ds:uri="http://www.w3.org/2001/XMLSchema"/>
+  </ds:schemaRefs>
+</ds:datastoreItem>
+</file>
+
+<file path=customXml/itemProps2.xml><?xml version="1.0" encoding="utf-8"?>
+<ds:datastoreItem xmlns:ds="http://schemas.openxmlformats.org/officeDocument/2006/customXml" ds:itemID="{3BB299B6-1159-4940-B296-E198453C8E80}">
+  <ds:schemaRefs>
+    <ds:schemaRef ds:uri="http://schemas.microsoft.com/sharepoint/v3/contenttype/forms"/>
   </ds:schemaRefs>
 </ds:datastoreItem>
 </file>

--- a/SWOT_template.pptx
+++ b/SWOT_template.pptx
@@ -8,7 +8,7 @@
     <p:notesMasterId r:id="rId6"/>
   </p:notesMasterIdLst>
   <p:sldIdLst>
-    <p:sldId id="260" r:id="rId5"/>
+    <p:sldId id="261" r:id="rId5"/>
   </p:sldIdLst>
   <p:sldSz cx="12192000" cy="6858000"/>
   <p:notesSz cx="6858000" cy="9144000"/>
@@ -197,7 +197,7 @@
           <a:p>
             <a:fld id="{77AB6CFA-8C06-A742-9C67-9EB8DDEC067B}" type="datetimeFigureOut">
               <a:rPr lang="en-US" smtClean="0"/>
-              <a:t>9/2/24</a:t>
+              <a:t>9/8/24</a:t>
             </a:fld>
             <a:endParaRPr lang="en-US"/>
           </a:p>
@@ -523,6 +523,9 @@
               <a:t>This means that GPT has either extrapolated directly from its knowledge base (vs. a source), or made a leap from a source. Basically, if it says “Knowledge Base” it’s a red flag for a potential hallucination and has to be checked manually. </a:t>
             </a:r>
           </a:p>
+          <a:p>
+            <a:endParaRPr lang="en-US" dirty="0"/>
+          </a:p>
         </p:txBody>
       </p:sp>
       <p:sp>
@@ -551,7 +554,7 @@
     </p:spTree>
     <p:extLst>
       <p:ext uri="{BB962C8B-B14F-4D97-AF65-F5344CB8AC3E}">
-        <p14:creationId xmlns:p14="http://schemas.microsoft.com/office/powerpoint/2010/main" val="453948710"/>
+        <p14:creationId xmlns:p14="http://schemas.microsoft.com/office/powerpoint/2010/main" val="4242615524"/>
       </p:ext>
     </p:extLst>
   </p:cSld>
@@ -562,7 +565,7 @@
 </file>
 
 <file path=ppt/slideLayouts/slideLayout1.xml><?xml version="1.0" encoding="utf-8"?>
-<p:sldLayout xmlns:a="http://schemas.openxmlformats.org/drawingml/2006/main" xmlns:r="http://schemas.openxmlformats.org/officeDocument/2006/relationships" xmlns:p="http://schemas.openxmlformats.org/presentationml/2006/main" preserve="1">
+<p:sldLayout xmlns:a="http://schemas.openxmlformats.org/drawingml/2006/main" xmlns:r="http://schemas.openxmlformats.org/officeDocument/2006/relationships" xmlns:p="http://schemas.openxmlformats.org/presentationml/2006/main" preserve="1" userDrawn="1">
   <p:cSld name="Surtitle, Title Only">
     <p:spTree>
       <p:nvGrpSpPr>
@@ -604,7 +607,9 @@
           </a:prstGeom>
         </p:spPr>
         <p:txBody>
-          <a:bodyPr anchor="b"/>
+          <a:bodyPr anchor="b">
+            <a:normAutofit/>
+          </a:bodyPr>
           <a:lstStyle>
             <a:lvl1pPr algn="l">
               <a:lnSpc>
@@ -658,7 +663,7 @@
         </p:spPr>
         <p:txBody>
           <a:bodyPr lIns="0" tIns="0" rIns="0" bIns="0" anchor="t" anchorCtr="0">
-            <a:noAutofit/>
+            <a:normAutofit/>
           </a:bodyPr>
           <a:lstStyle>
             <a:lvl1pPr algn="l" defTabSz="609555" rtl="0" eaLnBrk="1" latinLnBrk="0" hangingPunct="1">
@@ -1220,6 +1225,196 @@
               </a:rPr>
               <a:t>Threats</a:t>
             </a:r>
+          </a:p>
+        </p:txBody>
+      </p:sp>
+      <p:sp>
+        <p:nvSpPr>
+          <p:cNvPr id="14" name="Content Placeholder 13">
+            <a:extLst>
+              <a:ext uri="{FF2B5EF4-FFF2-40B4-BE49-F238E27FC236}">
+                <a16:creationId xmlns:a16="http://schemas.microsoft.com/office/drawing/2014/main" id="{FD35CBB0-0F5A-EE1A-718C-4981A8EF22FD}"/>
+              </a:ext>
+            </a:extLst>
+          </p:cNvPr>
+          <p:cNvSpPr>
+            <a:spLocks noGrp="1"/>
+          </p:cNvSpPr>
+          <p:nvPr>
+            <p:ph sz="quarter" idx="11"/>
+          </p:nvPr>
+        </p:nvSpPr>
+        <p:spPr>
+          <a:xfrm>
+            <a:off x="705677" y="1373188"/>
+            <a:ext cx="2544419" cy="2433499"/>
+          </a:xfrm>
+        </p:spPr>
+        <p:txBody>
+          <a:bodyPr>
+            <a:normAutofit/>
+          </a:bodyPr>
+          <a:lstStyle>
+            <a:lvl1pPr marL="0" indent="0">
+              <a:buNone/>
+              <a:defRPr/>
+            </a:lvl1pPr>
+          </a:lstStyle>
+          <a:p>
+            <a:pPr lvl="0"/>
+            <a:endParaRPr lang="en-US" dirty="0"/>
+          </a:p>
+        </p:txBody>
+      </p:sp>
+      <p:sp>
+        <p:nvSpPr>
+          <p:cNvPr id="15" name="Content Placeholder 13">
+            <a:extLst>
+              <a:ext uri="{FF2B5EF4-FFF2-40B4-BE49-F238E27FC236}">
+                <a16:creationId xmlns:a16="http://schemas.microsoft.com/office/drawing/2014/main" id="{802A14D2-E6B4-7C98-C542-146D9FED9C71}"/>
+              </a:ext>
+            </a:extLst>
+          </p:cNvPr>
+          <p:cNvSpPr>
+            <a:spLocks noGrp="1"/>
+          </p:cNvSpPr>
+          <p:nvPr>
+            <p:ph sz="quarter" idx="12"/>
+          </p:nvPr>
+        </p:nvSpPr>
+        <p:spPr>
+          <a:xfrm>
+            <a:off x="3405675" y="1373188"/>
+            <a:ext cx="2544419" cy="2433499"/>
+          </a:xfrm>
+        </p:spPr>
+        <p:txBody>
+          <a:bodyPr>
+            <a:normAutofit/>
+          </a:bodyPr>
+          <a:lstStyle>
+            <a:lvl1pPr marL="0" indent="0">
+              <a:buNone/>
+              <a:defRPr/>
+            </a:lvl1pPr>
+          </a:lstStyle>
+          <a:p>
+            <a:pPr lvl="0"/>
+            <a:endParaRPr lang="en-US" dirty="0"/>
+          </a:p>
+        </p:txBody>
+      </p:sp>
+      <p:sp>
+        <p:nvSpPr>
+          <p:cNvPr id="16" name="Content Placeholder 13">
+            <a:extLst>
+              <a:ext uri="{FF2B5EF4-FFF2-40B4-BE49-F238E27FC236}">
+                <a16:creationId xmlns:a16="http://schemas.microsoft.com/office/drawing/2014/main" id="{E1A07067-214B-3457-A082-B3DF9183F95C}"/>
+              </a:ext>
+            </a:extLst>
+          </p:cNvPr>
+          <p:cNvSpPr>
+            <a:spLocks noGrp="1"/>
+          </p:cNvSpPr>
+          <p:nvPr>
+            <p:ph sz="quarter" idx="13"/>
+          </p:nvPr>
+        </p:nvSpPr>
+        <p:spPr>
+          <a:xfrm>
+            <a:off x="705677" y="4091188"/>
+            <a:ext cx="2544419" cy="2433499"/>
+          </a:xfrm>
+        </p:spPr>
+        <p:txBody>
+          <a:bodyPr>
+            <a:normAutofit/>
+          </a:bodyPr>
+          <a:lstStyle>
+            <a:lvl1pPr marL="0" indent="0">
+              <a:buNone/>
+              <a:defRPr/>
+            </a:lvl1pPr>
+          </a:lstStyle>
+          <a:p>
+            <a:pPr lvl="0"/>
+            <a:endParaRPr lang="en-US" dirty="0"/>
+          </a:p>
+        </p:txBody>
+      </p:sp>
+      <p:sp>
+        <p:nvSpPr>
+          <p:cNvPr id="17" name="Content Placeholder 13">
+            <a:extLst>
+              <a:ext uri="{FF2B5EF4-FFF2-40B4-BE49-F238E27FC236}">
+                <a16:creationId xmlns:a16="http://schemas.microsoft.com/office/drawing/2014/main" id="{F096E02C-B09E-24F6-112C-B6F9C2C1835E}"/>
+              </a:ext>
+            </a:extLst>
+          </p:cNvPr>
+          <p:cNvSpPr>
+            <a:spLocks noGrp="1"/>
+          </p:cNvSpPr>
+          <p:nvPr>
+            <p:ph sz="quarter" idx="14"/>
+          </p:nvPr>
+        </p:nvSpPr>
+        <p:spPr>
+          <a:xfrm>
+            <a:off x="3405675" y="4091188"/>
+            <a:ext cx="2544419" cy="2433499"/>
+          </a:xfrm>
+        </p:spPr>
+        <p:txBody>
+          <a:bodyPr>
+            <a:normAutofit/>
+          </a:bodyPr>
+          <a:lstStyle>
+            <a:lvl1pPr marL="0" indent="0">
+              <a:buNone/>
+              <a:defRPr/>
+            </a:lvl1pPr>
+          </a:lstStyle>
+          <a:p>
+            <a:pPr lvl="0"/>
+            <a:endParaRPr lang="en-US" dirty="0"/>
+          </a:p>
+        </p:txBody>
+      </p:sp>
+      <p:sp>
+        <p:nvSpPr>
+          <p:cNvPr id="18" name="Content Placeholder 13">
+            <a:extLst>
+              <a:ext uri="{FF2B5EF4-FFF2-40B4-BE49-F238E27FC236}">
+                <a16:creationId xmlns:a16="http://schemas.microsoft.com/office/drawing/2014/main" id="{6CCA6951-1A5F-83F4-108A-6D50820E82F1}"/>
+              </a:ext>
+            </a:extLst>
+          </p:cNvPr>
+          <p:cNvSpPr>
+            <a:spLocks noGrp="1"/>
+          </p:cNvSpPr>
+          <p:nvPr>
+            <p:ph sz="quarter" idx="15"/>
+          </p:nvPr>
+        </p:nvSpPr>
+        <p:spPr>
+          <a:xfrm>
+            <a:off x="6828184" y="1276574"/>
+            <a:ext cx="4658140" cy="2957496"/>
+          </a:xfrm>
+        </p:spPr>
+        <p:txBody>
+          <a:bodyPr>
+            <a:normAutofit/>
+          </a:bodyPr>
+          <a:lstStyle>
+            <a:lvl1pPr marL="0" indent="0">
+              <a:buNone/>
+              <a:defRPr/>
+            </a:lvl1pPr>
+          </a:lstStyle>
+          <a:p>
+            <a:pPr lvl="0"/>
+            <a:endParaRPr lang="en-US" dirty="0"/>
           </a:p>
         </p:txBody>
       </p:sp>
@@ -1984,7 +2179,7 @@
           <p:cNvPr id="2" name="Text Placeholder 1">
             <a:extLst>
               <a:ext uri="{FF2B5EF4-FFF2-40B4-BE49-F238E27FC236}">
-                <a16:creationId xmlns:a16="http://schemas.microsoft.com/office/drawing/2014/main" id="{092F5FBA-1672-867A-B19E-5C3044593CE0}"/>
+                <a16:creationId xmlns:a16="http://schemas.microsoft.com/office/drawing/2014/main" id="{D38A4D0C-69A8-4C8A-EBA1-12DA6B6E0E05}"/>
               </a:ext>
             </a:extLst>
           </p:cNvPr>
@@ -2001,10 +2196,10 @@
           <a:lstStyle/>
           <a:p>
             <a:r>
-              <a:rPr lang="en-GB" dirty="0" err="1"/>
+              <a:rPr lang="en-US" dirty="0" err="1"/>
               <a:t>Slide_subtitle</a:t>
             </a:r>
-            <a:endParaRPr lang="en-GB" dirty="0"/>
+            <a:endParaRPr lang="en-US" dirty="0"/>
           </a:p>
         </p:txBody>
       </p:sp>
@@ -2013,7 +2208,7 @@
           <p:cNvPr id="3" name="Title 2">
             <a:extLst>
               <a:ext uri="{FF2B5EF4-FFF2-40B4-BE49-F238E27FC236}">
-                <a16:creationId xmlns:a16="http://schemas.microsoft.com/office/drawing/2014/main" id="{971C58F7-83C4-D72A-D300-B97FB137D6FC}"/>
+                <a16:creationId xmlns:a16="http://schemas.microsoft.com/office/drawing/2014/main" id="{3A84B30E-0060-57A9-C0DA-E8B790120942}"/>
               </a:ext>
             </a:extLst>
           </p:cNvPr>
@@ -2030,201 +2225,162 @@
           <a:lstStyle/>
           <a:p>
             <a:r>
-              <a:rPr lang="en-GB" err="1"/>
-              <a:t>Slide</a:t>
+              <a:rPr lang="en-US" dirty="0" err="1"/>
+              <a:t>Slide_title</a:t>
             </a:r>
-            <a:r>
-              <a:rPr lang="en-GB"/>
-              <a:t>_title</a:t>
-            </a:r>
-            <a:endParaRPr lang="en-GB" dirty="0"/>
-          </a:p>
-        </p:txBody>
-      </p:sp>
-      <p:sp>
-        <p:nvSpPr>
-          <p:cNvPr id="4" name="TextBox 3">
+            <a:endParaRPr lang="en-US" dirty="0"/>
+          </a:p>
+        </p:txBody>
+      </p:sp>
+      <p:sp>
+        <p:nvSpPr>
+          <p:cNvPr id="4" name="Content Placeholder 3">
             <a:extLst>
               <a:ext uri="{FF2B5EF4-FFF2-40B4-BE49-F238E27FC236}">
-                <a16:creationId xmlns:a16="http://schemas.microsoft.com/office/drawing/2014/main" id="{4BCDC113-C669-A246-64D9-5832EDEEDA7F}"/>
+                <a16:creationId xmlns:a16="http://schemas.microsoft.com/office/drawing/2014/main" id="{AD191D05-FFC2-F4A5-EEC1-EFCF46D4CC37}"/>
               </a:ext>
             </a:extLst>
           </p:cNvPr>
-          <p:cNvSpPr txBox="1"/>
-          <p:nvPr/>
-        </p:nvSpPr>
-        <p:spPr>
-          <a:xfrm>
-            <a:off x="6851374" y="1311656"/>
-            <a:ext cx="4585252" cy="184666"/>
-          </a:xfrm>
-          <a:prstGeom prst="rect">
-            <a:avLst/>
-          </a:prstGeom>
-        </p:spPr>
-        <p:txBody>
-          <a:bodyPr wrap="square" lIns="0" tIns="0" rIns="0" bIns="0" rtlCol="0" anchor="t" anchorCtr="0">
-            <a:spAutoFit/>
-          </a:bodyPr>
+          <p:cNvSpPr>
+            <a:spLocks noGrp="1"/>
+          </p:cNvSpPr>
+          <p:nvPr>
+            <p:ph sz="quarter" idx="11"/>
+          </p:nvPr>
+        </p:nvSpPr>
+        <p:spPr/>
+        <p:txBody>
+          <a:bodyPr/>
           <a:lstStyle/>
           <a:p>
-            <a:pPr algn="l"/>
             <a:r>
-              <a:rPr lang="en-GB" sz="1200" b="0" dirty="0" err="1"/>
-              <a:t>SWOT_narrative</a:t>
+              <a:rPr lang="en-US" dirty="0" err="1"/>
+              <a:t>Strength_bullets</a:t>
             </a:r>
-            <a:endParaRPr lang="en-GB" sz="1200" b="0" dirty="0"/>
-          </a:p>
-        </p:txBody>
-      </p:sp>
-      <p:sp>
-        <p:nvSpPr>
-          <p:cNvPr id="5" name="TextBox 4">
+            <a:endParaRPr lang="en-US" dirty="0"/>
+          </a:p>
+        </p:txBody>
+      </p:sp>
+      <p:sp>
+        <p:nvSpPr>
+          <p:cNvPr id="5" name="Content Placeholder 4">
             <a:extLst>
               <a:ext uri="{FF2B5EF4-FFF2-40B4-BE49-F238E27FC236}">
-                <a16:creationId xmlns:a16="http://schemas.microsoft.com/office/drawing/2014/main" id="{4E58CBF1-C3C6-FEFD-79F7-6BD75CD42987}"/>
+                <a16:creationId xmlns:a16="http://schemas.microsoft.com/office/drawing/2014/main" id="{0A382F7B-1A27-2028-5A4F-D0B4686084A4}"/>
               </a:ext>
             </a:extLst>
           </p:cNvPr>
-          <p:cNvSpPr txBox="1"/>
-          <p:nvPr/>
-        </p:nvSpPr>
-        <p:spPr>
-          <a:xfrm>
-            <a:off x="728870" y="1271469"/>
-            <a:ext cx="2531165" cy="138499"/>
-          </a:xfrm>
-          <a:prstGeom prst="rect">
-            <a:avLst/>
-          </a:prstGeom>
-        </p:spPr>
-        <p:txBody>
-          <a:bodyPr wrap="square" lIns="0" tIns="0" rIns="0" bIns="0" rtlCol="0" anchor="t" anchorCtr="0">
-            <a:spAutoFit/>
-          </a:bodyPr>
+          <p:cNvSpPr>
+            <a:spLocks noGrp="1"/>
+          </p:cNvSpPr>
+          <p:nvPr>
+            <p:ph sz="quarter" idx="12"/>
+          </p:nvPr>
+        </p:nvSpPr>
+        <p:spPr/>
+        <p:txBody>
+          <a:bodyPr/>
           <a:lstStyle/>
           <a:p>
-            <a:pPr algn="l"/>
             <a:r>
-              <a:rPr lang="en-GB" sz="900" b="0" dirty="0" err="1"/>
-              <a:t>Strength_bullets</a:t>
+              <a:rPr lang="en-US" dirty="0" err="1"/>
+              <a:t>Weakness_bullets</a:t>
             </a:r>
-            <a:endParaRPr lang="en-GB" sz="900" b="0" dirty="0"/>
-          </a:p>
-        </p:txBody>
-      </p:sp>
-      <p:sp>
-        <p:nvSpPr>
-          <p:cNvPr id="6" name="TextBox 5">
+            <a:endParaRPr lang="en-US" dirty="0"/>
+          </a:p>
+        </p:txBody>
+      </p:sp>
+      <p:sp>
+        <p:nvSpPr>
+          <p:cNvPr id="6" name="Content Placeholder 5">
             <a:extLst>
               <a:ext uri="{FF2B5EF4-FFF2-40B4-BE49-F238E27FC236}">
-                <a16:creationId xmlns:a16="http://schemas.microsoft.com/office/drawing/2014/main" id="{CDCE0404-057A-20C1-7BB9-B1BBF01A5D8E}"/>
+                <a16:creationId xmlns:a16="http://schemas.microsoft.com/office/drawing/2014/main" id="{91F35C67-1D78-420B-EEF2-457D06276C74}"/>
               </a:ext>
             </a:extLst>
           </p:cNvPr>
-          <p:cNvSpPr txBox="1"/>
-          <p:nvPr/>
-        </p:nvSpPr>
-        <p:spPr>
-          <a:xfrm>
-            <a:off x="3412435" y="1271469"/>
-            <a:ext cx="2531165" cy="138499"/>
-          </a:xfrm>
-          <a:prstGeom prst="rect">
-            <a:avLst/>
-          </a:prstGeom>
-        </p:spPr>
-        <p:txBody>
-          <a:bodyPr wrap="square" lIns="0" tIns="0" rIns="0" bIns="0" rtlCol="0" anchor="t" anchorCtr="0">
-            <a:spAutoFit/>
-          </a:bodyPr>
+          <p:cNvSpPr>
+            <a:spLocks noGrp="1"/>
+          </p:cNvSpPr>
+          <p:nvPr>
+            <p:ph sz="quarter" idx="13"/>
+          </p:nvPr>
+        </p:nvSpPr>
+        <p:spPr/>
+        <p:txBody>
+          <a:bodyPr/>
           <a:lstStyle/>
           <a:p>
-            <a:pPr algn="l"/>
             <a:r>
-              <a:rPr lang="en-GB" sz="900" b="0" dirty="0" err="1"/>
-              <a:t>Weakness_bullets</a:t>
+              <a:rPr lang="en-US" dirty="0" err="1"/>
+              <a:t>Opportunity_bullets</a:t>
             </a:r>
-            <a:endParaRPr lang="en-GB" sz="900" b="0" dirty="0"/>
-          </a:p>
-        </p:txBody>
-      </p:sp>
-      <p:sp>
-        <p:nvSpPr>
-          <p:cNvPr id="7" name="TextBox 6">
+            <a:endParaRPr lang="en-US" dirty="0"/>
+          </a:p>
+        </p:txBody>
+      </p:sp>
+      <p:sp>
+        <p:nvSpPr>
+          <p:cNvPr id="7" name="Content Placeholder 6">
             <a:extLst>
               <a:ext uri="{FF2B5EF4-FFF2-40B4-BE49-F238E27FC236}">
-                <a16:creationId xmlns:a16="http://schemas.microsoft.com/office/drawing/2014/main" id="{8384843E-C35A-4D4F-4C33-5A1060B1CE01}"/>
+                <a16:creationId xmlns:a16="http://schemas.microsoft.com/office/drawing/2014/main" id="{9CFC9583-252A-2D3B-56B3-355A0A926163}"/>
               </a:ext>
             </a:extLst>
           </p:cNvPr>
-          <p:cNvSpPr txBox="1"/>
-          <p:nvPr/>
-        </p:nvSpPr>
-        <p:spPr>
-          <a:xfrm>
-            <a:off x="728869" y="3981539"/>
-            <a:ext cx="2531165" cy="138499"/>
-          </a:xfrm>
-          <a:prstGeom prst="rect">
-            <a:avLst/>
-          </a:prstGeom>
-        </p:spPr>
-        <p:txBody>
-          <a:bodyPr wrap="square" lIns="0" tIns="0" rIns="0" bIns="0" rtlCol="0" anchor="t" anchorCtr="0">
-            <a:spAutoFit/>
-          </a:bodyPr>
+          <p:cNvSpPr>
+            <a:spLocks noGrp="1"/>
+          </p:cNvSpPr>
+          <p:nvPr>
+            <p:ph sz="quarter" idx="14"/>
+          </p:nvPr>
+        </p:nvSpPr>
+        <p:spPr/>
+        <p:txBody>
+          <a:bodyPr/>
           <a:lstStyle/>
           <a:p>
-            <a:pPr algn="l"/>
             <a:r>
-              <a:rPr lang="en-GB" sz="900" b="0" dirty="0" err="1"/>
-              <a:t>Opportunity_bullets</a:t>
+              <a:rPr lang="en-US" dirty="0" err="1"/>
+              <a:t>Threat_bullets</a:t>
             </a:r>
-            <a:endParaRPr lang="en-GB" sz="900" b="0" dirty="0"/>
-          </a:p>
-        </p:txBody>
-      </p:sp>
-      <p:sp>
-        <p:nvSpPr>
-          <p:cNvPr id="8" name="TextBox 7">
+            <a:endParaRPr lang="en-US" dirty="0"/>
+          </a:p>
+        </p:txBody>
+      </p:sp>
+      <p:sp>
+        <p:nvSpPr>
+          <p:cNvPr id="8" name="Content Placeholder 7">
             <a:extLst>
               <a:ext uri="{FF2B5EF4-FFF2-40B4-BE49-F238E27FC236}">
-                <a16:creationId xmlns:a16="http://schemas.microsoft.com/office/drawing/2014/main" id="{3CF1A9EE-7E5B-993F-0B30-5AD880043837}"/>
+                <a16:creationId xmlns:a16="http://schemas.microsoft.com/office/drawing/2014/main" id="{747D33A8-1E40-D8C3-79D3-9F70A38F028B}"/>
               </a:ext>
             </a:extLst>
           </p:cNvPr>
-          <p:cNvSpPr txBox="1"/>
-          <p:nvPr/>
-        </p:nvSpPr>
-        <p:spPr>
-          <a:xfrm>
-            <a:off x="3412434" y="3981539"/>
-            <a:ext cx="2531165" cy="138499"/>
-          </a:xfrm>
-          <a:prstGeom prst="rect">
-            <a:avLst/>
-          </a:prstGeom>
-        </p:spPr>
-        <p:txBody>
-          <a:bodyPr wrap="square" lIns="0" tIns="0" rIns="0" bIns="0" rtlCol="0" anchor="t" anchorCtr="0">
-            <a:spAutoFit/>
-          </a:bodyPr>
+          <p:cNvSpPr>
+            <a:spLocks noGrp="1"/>
+          </p:cNvSpPr>
+          <p:nvPr>
+            <p:ph sz="quarter" idx="15"/>
+          </p:nvPr>
+        </p:nvSpPr>
+        <p:spPr/>
+        <p:txBody>
+          <a:bodyPr/>
           <a:lstStyle/>
           <a:p>
-            <a:pPr algn="l"/>
             <a:r>
-              <a:rPr lang="en-GB" sz="900" b="0" dirty="0" err="1"/>
-              <a:t>Weakness_bullets</a:t>
+              <a:rPr lang="en-US" dirty="0" err="1"/>
+              <a:t>SWOT_narrative</a:t>
             </a:r>
-            <a:endParaRPr lang="en-GB" sz="900" b="0" dirty="0"/>
+            <a:endParaRPr lang="en-US" dirty="0"/>
           </a:p>
         </p:txBody>
       </p:sp>
     </p:spTree>
     <p:extLst>
       <p:ext uri="{BB962C8B-B14F-4D97-AF65-F5344CB8AC3E}">
-        <p14:creationId xmlns:p14="http://schemas.microsoft.com/office/powerpoint/2010/main" val="4005655261"/>
+        <p14:creationId xmlns:p14="http://schemas.microsoft.com/office/powerpoint/2010/main" val="2009517341"/>
       </p:ext>
     </p:extLst>
   </p:cSld>
@@ -2923,6 +3079,15 @@
 </file>
 
 <file path=customXml/item1.xml><?xml version="1.0" encoding="utf-8"?>
+<?mso-contentType ?>
+<FormTemplates xmlns="http://schemas.microsoft.com/sharepoint/v3/contenttype/forms">
+  <Display>DocumentLibraryForm</Display>
+  <Edit>DocumentLibraryForm</Edit>
+  <New>DocumentLibraryForm</New>
+</FormTemplates>
+</file>
+
+<file path=customXml/item2.xml><?xml version="1.0" encoding="utf-8"?>
 <ct:contentTypeSchema xmlns:ct="http://schemas.microsoft.com/office/2006/metadata/contentType" xmlns:ma="http://schemas.microsoft.com/office/2006/metadata/properties/metaAttributes" ct:_="" ma:_="" ma:contentTypeName="Document" ma:contentTypeID="0x010100A2CD2B7DD7D5E348A4B5B847AD49C1E4" ma:contentTypeVersion="15" ma:contentTypeDescription="Create a new document." ma:contentTypeScope="" ma:versionID="8e0e392dcf65750e3ad704a59f705fb3">
   <xsd:schema xmlns:xsd="http://www.w3.org/2001/XMLSchema" xmlns:xs="http://www.w3.org/2001/XMLSchema" xmlns:p="http://schemas.microsoft.com/office/2006/metadata/properties" xmlns:ns2="737cdb0d-9f15-48ec-9529-975a91239bb1" xmlns:ns3="9bea065c-4598-471b-a0d8-b208471d6a41" targetNamespace="http://schemas.microsoft.com/office/2006/metadata/properties" ma:root="true" ma:fieldsID="16d7d9ff6e2e2d483fddd166083c89fa" ns2:_="" ns3:_="">
     <xsd:import namespace="737cdb0d-9f15-48ec-9529-975a91239bb1"/>
@@ -3157,15 +3322,6 @@
 </ct:contentTypeSchema>
 </file>
 
-<file path=customXml/item2.xml><?xml version="1.0" encoding="utf-8"?>
-<?mso-contentType ?>
-<FormTemplates xmlns="http://schemas.microsoft.com/sharepoint/v3/contenttype/forms">
-  <Display>DocumentLibraryForm</Display>
-  <Edit>DocumentLibraryForm</Edit>
-  <New>DocumentLibraryForm</New>
-</FormTemplates>
-</file>
-
 <file path=customXml/item3.xml><?xml version="1.0" encoding="utf-8"?>
 <p:properties xmlns:p="http://schemas.microsoft.com/office/2006/metadata/properties" xmlns:xsi="http://www.w3.org/2001/XMLSchema-instance" xmlns:pc="http://schemas.microsoft.com/office/infopath/2007/PartnerControls">
   <documentManagement>
@@ -3178,6 +3334,14 @@
 </file>
 
 <file path=customXml/itemProps1.xml><?xml version="1.0" encoding="utf-8"?>
+<ds:datastoreItem xmlns:ds="http://schemas.openxmlformats.org/officeDocument/2006/customXml" ds:itemID="{3BB299B6-1159-4940-B296-E198453C8E80}">
+  <ds:schemaRefs>
+    <ds:schemaRef ds:uri="http://schemas.microsoft.com/sharepoint/v3/contenttype/forms"/>
+  </ds:schemaRefs>
+</ds:datastoreItem>
+</file>
+
+<file path=customXml/itemProps2.xml><?xml version="1.0" encoding="utf-8"?>
 <ds:datastoreItem xmlns:ds="http://schemas.openxmlformats.org/officeDocument/2006/customXml" ds:itemID="{C4D443D4-D2BB-47D9-93BA-F264F5B47780}">
   <ds:schemaRefs>
     <ds:schemaRef ds:uri="737cdb0d-9f15-48ec-9529-975a91239bb1"/>
@@ -3192,14 +3356,6 @@
     <ds:schemaRef ds:uri="http://schemas.microsoft.com/office/infopath/2007/PartnerControls"/>
     <ds:schemaRef ds:uri="http://schemas.openxmlformats.org/package/2006/metadata/core-properties"/>
     <ds:schemaRef ds:uri="http://www.w3.org/2001/XMLSchema"/>
-  </ds:schemaRefs>
-</ds:datastoreItem>
-</file>
-
-<file path=customXml/itemProps2.xml><?xml version="1.0" encoding="utf-8"?>
-<ds:datastoreItem xmlns:ds="http://schemas.openxmlformats.org/officeDocument/2006/customXml" ds:itemID="{3BB299B6-1159-4940-B296-E198453C8E80}">
-  <ds:schemaRefs>
-    <ds:schemaRef ds:uri="http://schemas.microsoft.com/sharepoint/v3/contenttype/forms"/>
   </ds:schemaRefs>
 </ds:datastoreItem>
 </file>

--- a/SWOT_template.pptx
+++ b/SWOT_template.pptx
@@ -5,10 +5,19 @@
     <p:sldMasterId id="2147483660" r:id="rId4"/>
   </p:sldMasterIdLst>
   <p:notesMasterIdLst>
-    <p:notesMasterId r:id="rId6"/>
+    <p:notesMasterId r:id="rId15"/>
   </p:notesMasterIdLst>
   <p:sldIdLst>
     <p:sldId id="261" r:id="rId5"/>
+    <p:sldId id="262" r:id="rId6"/>
+    <p:sldId id="263" r:id="rId7"/>
+    <p:sldId id="264" r:id="rId8"/>
+    <p:sldId id="265" r:id="rId9"/>
+    <p:sldId id="266" r:id="rId10"/>
+    <p:sldId id="267" r:id="rId11"/>
+    <p:sldId id="268" r:id="rId12"/>
+    <p:sldId id="269" r:id="rId13"/>
+    <p:sldId id="270" r:id="rId14"/>
   </p:sldIdLst>
   <p:sldSz cx="12192000" cy="6858000"/>
   <p:notesSz cx="6858000" cy="9144000"/>
@@ -555,6 +564,897 @@
     <p:extLst>
       <p:ext uri="{BB962C8B-B14F-4D97-AF65-F5344CB8AC3E}">
         <p14:creationId xmlns:p14="http://schemas.microsoft.com/office/powerpoint/2010/main" val="4242615524"/>
+      </p:ext>
+    </p:extLst>
+  </p:cSld>
+  <p:clrMapOvr>
+    <a:masterClrMapping/>
+  </p:clrMapOvr>
+</p:notes>
+</file>
+
+<file path=ppt/notesSlides/notesSlide10.xml><?xml version="1.0" encoding="utf-8"?>
+<p:notes xmlns:a="http://schemas.openxmlformats.org/drawingml/2006/main" xmlns:r="http://schemas.openxmlformats.org/officeDocument/2006/relationships" xmlns:p="http://schemas.openxmlformats.org/presentationml/2006/main">
+  <p:cSld>
+    <p:spTree>
+      <p:nvGrpSpPr>
+        <p:cNvPr id="1" name=""/>
+        <p:cNvGrpSpPr/>
+        <p:nvPr/>
+      </p:nvGrpSpPr>
+      <p:grpSpPr>
+        <a:xfrm>
+          <a:off x="0" y="0"/>
+          <a:ext cx="0" cy="0"/>
+          <a:chOff x="0" y="0"/>
+          <a:chExt cx="0" cy="0"/>
+        </a:xfrm>
+      </p:grpSpPr>
+      <p:sp>
+        <p:nvSpPr>
+          <p:cNvPr id="2" name="Slide Image Placeholder 1"/>
+          <p:cNvSpPr>
+            <a:spLocks noGrp="1" noRot="1" noChangeAspect="1"/>
+          </p:cNvSpPr>
+          <p:nvPr>
+            <p:ph type="sldImg"/>
+          </p:nvPr>
+        </p:nvSpPr>
+        <p:spPr/>
+      </p:sp>
+      <p:sp>
+        <p:nvSpPr>
+          <p:cNvPr id="3" name="Notes Placeholder 2"/>
+          <p:cNvSpPr>
+            <a:spLocks noGrp="1"/>
+          </p:cNvSpPr>
+          <p:nvPr>
+            <p:ph type="body" idx="1"/>
+          </p:nvPr>
+        </p:nvSpPr>
+        <p:spPr/>
+        <p:txBody>
+          <a:bodyPr/>
+          <a:lstStyle/>
+          <a:p>
+            <a:r>
+              <a:rPr lang="en-GB" dirty="0"/>
+              <a:t>Please note – any references that say they are from “Knowledge Base” should be checked. </a:t>
+            </a:r>
+          </a:p>
+          <a:p>
+            <a:endParaRPr lang="en-GB" dirty="0"/>
+          </a:p>
+          <a:p>
+            <a:r>
+              <a:rPr lang="en-GB" dirty="0"/>
+              <a:t>This means that GPT has either extrapolated directly from its knowledge base (vs. a source), or made a leap from a source. Basically, if it says “Knowledge Base” it’s a red flag for a potential hallucination and has to be checked manually. </a:t>
+            </a:r>
+          </a:p>
+          <a:p>
+            <a:endParaRPr lang="en-US" dirty="0"/>
+          </a:p>
+        </p:txBody>
+      </p:sp>
+      <p:sp>
+        <p:nvSpPr>
+          <p:cNvPr id="4" name="Slide Number Placeholder 3"/>
+          <p:cNvSpPr>
+            <a:spLocks noGrp="1"/>
+          </p:cNvSpPr>
+          <p:nvPr>
+            <p:ph type="sldNum" sz="quarter" idx="5"/>
+          </p:nvPr>
+        </p:nvSpPr>
+        <p:spPr/>
+        <p:txBody>
+          <a:bodyPr/>
+          <a:lstStyle/>
+          <a:p>
+            <a:fld id="{763931CF-879D-C24C-B4FC-A16B88D776C8}" type="slidenum">
+              <a:rPr lang="en-US" smtClean="0"/>
+              <a:t>10</a:t>
+            </a:fld>
+            <a:endParaRPr lang="en-US"/>
+          </a:p>
+        </p:txBody>
+      </p:sp>
+    </p:spTree>
+    <p:extLst>
+      <p:ext uri="{BB962C8B-B14F-4D97-AF65-F5344CB8AC3E}">
+        <p14:creationId xmlns:p14="http://schemas.microsoft.com/office/powerpoint/2010/main" val="1440830517"/>
+      </p:ext>
+    </p:extLst>
+  </p:cSld>
+  <p:clrMapOvr>
+    <a:masterClrMapping/>
+  </p:clrMapOvr>
+</p:notes>
+</file>
+
+<file path=ppt/notesSlides/notesSlide2.xml><?xml version="1.0" encoding="utf-8"?>
+<p:notes xmlns:a="http://schemas.openxmlformats.org/drawingml/2006/main" xmlns:r="http://schemas.openxmlformats.org/officeDocument/2006/relationships" xmlns:p="http://schemas.openxmlformats.org/presentationml/2006/main">
+  <p:cSld>
+    <p:spTree>
+      <p:nvGrpSpPr>
+        <p:cNvPr id="1" name=""/>
+        <p:cNvGrpSpPr/>
+        <p:nvPr/>
+      </p:nvGrpSpPr>
+      <p:grpSpPr>
+        <a:xfrm>
+          <a:off x="0" y="0"/>
+          <a:ext cx="0" cy="0"/>
+          <a:chOff x="0" y="0"/>
+          <a:chExt cx="0" cy="0"/>
+        </a:xfrm>
+      </p:grpSpPr>
+      <p:sp>
+        <p:nvSpPr>
+          <p:cNvPr id="2" name="Slide Image Placeholder 1"/>
+          <p:cNvSpPr>
+            <a:spLocks noGrp="1" noRot="1" noChangeAspect="1"/>
+          </p:cNvSpPr>
+          <p:nvPr>
+            <p:ph type="sldImg"/>
+          </p:nvPr>
+        </p:nvSpPr>
+        <p:spPr/>
+      </p:sp>
+      <p:sp>
+        <p:nvSpPr>
+          <p:cNvPr id="3" name="Notes Placeholder 2"/>
+          <p:cNvSpPr>
+            <a:spLocks noGrp="1"/>
+          </p:cNvSpPr>
+          <p:nvPr>
+            <p:ph type="body" idx="1"/>
+          </p:nvPr>
+        </p:nvSpPr>
+        <p:spPr/>
+        <p:txBody>
+          <a:bodyPr/>
+          <a:lstStyle/>
+          <a:p>
+            <a:r>
+              <a:rPr lang="en-GB" dirty="0"/>
+              <a:t>Please note – any references that say they are from “Knowledge Base” should be checked. </a:t>
+            </a:r>
+          </a:p>
+          <a:p>
+            <a:endParaRPr lang="en-GB" dirty="0"/>
+          </a:p>
+          <a:p>
+            <a:r>
+              <a:rPr lang="en-GB" dirty="0"/>
+              <a:t>This means that GPT has either extrapolated directly from its knowledge base (vs. a source), or made a leap from a source. Basically, if it says “Knowledge Base” it’s a red flag for a potential hallucination and has to be checked manually. </a:t>
+            </a:r>
+          </a:p>
+          <a:p>
+            <a:endParaRPr lang="en-US" dirty="0"/>
+          </a:p>
+        </p:txBody>
+      </p:sp>
+      <p:sp>
+        <p:nvSpPr>
+          <p:cNvPr id="4" name="Slide Number Placeholder 3"/>
+          <p:cNvSpPr>
+            <a:spLocks noGrp="1"/>
+          </p:cNvSpPr>
+          <p:nvPr>
+            <p:ph type="sldNum" sz="quarter" idx="5"/>
+          </p:nvPr>
+        </p:nvSpPr>
+        <p:spPr/>
+        <p:txBody>
+          <a:bodyPr/>
+          <a:lstStyle/>
+          <a:p>
+            <a:fld id="{763931CF-879D-C24C-B4FC-A16B88D776C8}" type="slidenum">
+              <a:rPr lang="en-US" smtClean="0"/>
+              <a:t>2</a:t>
+            </a:fld>
+            <a:endParaRPr lang="en-US"/>
+          </a:p>
+        </p:txBody>
+      </p:sp>
+    </p:spTree>
+    <p:extLst>
+      <p:ext uri="{BB962C8B-B14F-4D97-AF65-F5344CB8AC3E}">
+        <p14:creationId xmlns:p14="http://schemas.microsoft.com/office/powerpoint/2010/main" val="1076395790"/>
+      </p:ext>
+    </p:extLst>
+  </p:cSld>
+  <p:clrMapOvr>
+    <a:masterClrMapping/>
+  </p:clrMapOvr>
+</p:notes>
+</file>
+
+<file path=ppt/notesSlides/notesSlide3.xml><?xml version="1.0" encoding="utf-8"?>
+<p:notes xmlns:a="http://schemas.openxmlformats.org/drawingml/2006/main" xmlns:r="http://schemas.openxmlformats.org/officeDocument/2006/relationships" xmlns:p="http://schemas.openxmlformats.org/presentationml/2006/main">
+  <p:cSld>
+    <p:spTree>
+      <p:nvGrpSpPr>
+        <p:cNvPr id="1" name=""/>
+        <p:cNvGrpSpPr/>
+        <p:nvPr/>
+      </p:nvGrpSpPr>
+      <p:grpSpPr>
+        <a:xfrm>
+          <a:off x="0" y="0"/>
+          <a:ext cx="0" cy="0"/>
+          <a:chOff x="0" y="0"/>
+          <a:chExt cx="0" cy="0"/>
+        </a:xfrm>
+      </p:grpSpPr>
+      <p:sp>
+        <p:nvSpPr>
+          <p:cNvPr id="2" name="Slide Image Placeholder 1"/>
+          <p:cNvSpPr>
+            <a:spLocks noGrp="1" noRot="1" noChangeAspect="1"/>
+          </p:cNvSpPr>
+          <p:nvPr>
+            <p:ph type="sldImg"/>
+          </p:nvPr>
+        </p:nvSpPr>
+        <p:spPr/>
+      </p:sp>
+      <p:sp>
+        <p:nvSpPr>
+          <p:cNvPr id="3" name="Notes Placeholder 2"/>
+          <p:cNvSpPr>
+            <a:spLocks noGrp="1"/>
+          </p:cNvSpPr>
+          <p:nvPr>
+            <p:ph type="body" idx="1"/>
+          </p:nvPr>
+        </p:nvSpPr>
+        <p:spPr/>
+        <p:txBody>
+          <a:bodyPr/>
+          <a:lstStyle/>
+          <a:p>
+            <a:r>
+              <a:rPr lang="en-GB" dirty="0"/>
+              <a:t>Please note – any references that say they are from “Knowledge Base” should be checked. </a:t>
+            </a:r>
+          </a:p>
+          <a:p>
+            <a:endParaRPr lang="en-GB" dirty="0"/>
+          </a:p>
+          <a:p>
+            <a:r>
+              <a:rPr lang="en-GB" dirty="0"/>
+              <a:t>This means that GPT has either extrapolated directly from its knowledge base (vs. a source), or made a leap from a source. Basically, if it says “Knowledge Base” it’s a red flag for a potential hallucination and has to be checked manually. </a:t>
+            </a:r>
+          </a:p>
+          <a:p>
+            <a:endParaRPr lang="en-US" dirty="0"/>
+          </a:p>
+        </p:txBody>
+      </p:sp>
+      <p:sp>
+        <p:nvSpPr>
+          <p:cNvPr id="4" name="Slide Number Placeholder 3"/>
+          <p:cNvSpPr>
+            <a:spLocks noGrp="1"/>
+          </p:cNvSpPr>
+          <p:nvPr>
+            <p:ph type="sldNum" sz="quarter" idx="5"/>
+          </p:nvPr>
+        </p:nvSpPr>
+        <p:spPr/>
+        <p:txBody>
+          <a:bodyPr/>
+          <a:lstStyle/>
+          <a:p>
+            <a:fld id="{763931CF-879D-C24C-B4FC-A16B88D776C8}" type="slidenum">
+              <a:rPr lang="en-US" smtClean="0"/>
+              <a:t>3</a:t>
+            </a:fld>
+            <a:endParaRPr lang="en-US"/>
+          </a:p>
+        </p:txBody>
+      </p:sp>
+    </p:spTree>
+    <p:extLst>
+      <p:ext uri="{BB962C8B-B14F-4D97-AF65-F5344CB8AC3E}">
+        <p14:creationId xmlns:p14="http://schemas.microsoft.com/office/powerpoint/2010/main" val="1357551793"/>
+      </p:ext>
+    </p:extLst>
+  </p:cSld>
+  <p:clrMapOvr>
+    <a:masterClrMapping/>
+  </p:clrMapOvr>
+</p:notes>
+</file>
+
+<file path=ppt/notesSlides/notesSlide4.xml><?xml version="1.0" encoding="utf-8"?>
+<p:notes xmlns:a="http://schemas.openxmlformats.org/drawingml/2006/main" xmlns:r="http://schemas.openxmlformats.org/officeDocument/2006/relationships" xmlns:p="http://schemas.openxmlformats.org/presentationml/2006/main">
+  <p:cSld>
+    <p:spTree>
+      <p:nvGrpSpPr>
+        <p:cNvPr id="1" name=""/>
+        <p:cNvGrpSpPr/>
+        <p:nvPr/>
+      </p:nvGrpSpPr>
+      <p:grpSpPr>
+        <a:xfrm>
+          <a:off x="0" y="0"/>
+          <a:ext cx="0" cy="0"/>
+          <a:chOff x="0" y="0"/>
+          <a:chExt cx="0" cy="0"/>
+        </a:xfrm>
+      </p:grpSpPr>
+      <p:sp>
+        <p:nvSpPr>
+          <p:cNvPr id="2" name="Slide Image Placeholder 1"/>
+          <p:cNvSpPr>
+            <a:spLocks noGrp="1" noRot="1" noChangeAspect="1"/>
+          </p:cNvSpPr>
+          <p:nvPr>
+            <p:ph type="sldImg"/>
+          </p:nvPr>
+        </p:nvSpPr>
+        <p:spPr/>
+      </p:sp>
+      <p:sp>
+        <p:nvSpPr>
+          <p:cNvPr id="3" name="Notes Placeholder 2"/>
+          <p:cNvSpPr>
+            <a:spLocks noGrp="1"/>
+          </p:cNvSpPr>
+          <p:nvPr>
+            <p:ph type="body" idx="1"/>
+          </p:nvPr>
+        </p:nvSpPr>
+        <p:spPr/>
+        <p:txBody>
+          <a:bodyPr/>
+          <a:lstStyle/>
+          <a:p>
+            <a:r>
+              <a:rPr lang="en-GB" dirty="0"/>
+              <a:t>Please note – any references that say they are from “Knowledge Base” should be checked. </a:t>
+            </a:r>
+          </a:p>
+          <a:p>
+            <a:endParaRPr lang="en-GB" dirty="0"/>
+          </a:p>
+          <a:p>
+            <a:r>
+              <a:rPr lang="en-GB" dirty="0"/>
+              <a:t>This means that GPT has either extrapolated directly from its knowledge base (vs. a source), or made a leap from a source. Basically, if it says “Knowledge Base” it’s a red flag for a potential hallucination and has to be checked manually. </a:t>
+            </a:r>
+          </a:p>
+          <a:p>
+            <a:endParaRPr lang="en-US" dirty="0"/>
+          </a:p>
+        </p:txBody>
+      </p:sp>
+      <p:sp>
+        <p:nvSpPr>
+          <p:cNvPr id="4" name="Slide Number Placeholder 3"/>
+          <p:cNvSpPr>
+            <a:spLocks noGrp="1"/>
+          </p:cNvSpPr>
+          <p:nvPr>
+            <p:ph type="sldNum" sz="quarter" idx="5"/>
+          </p:nvPr>
+        </p:nvSpPr>
+        <p:spPr/>
+        <p:txBody>
+          <a:bodyPr/>
+          <a:lstStyle/>
+          <a:p>
+            <a:fld id="{763931CF-879D-C24C-B4FC-A16B88D776C8}" type="slidenum">
+              <a:rPr lang="en-US" smtClean="0"/>
+              <a:t>4</a:t>
+            </a:fld>
+            <a:endParaRPr lang="en-US"/>
+          </a:p>
+        </p:txBody>
+      </p:sp>
+    </p:spTree>
+    <p:extLst>
+      <p:ext uri="{BB962C8B-B14F-4D97-AF65-F5344CB8AC3E}">
+        <p14:creationId xmlns:p14="http://schemas.microsoft.com/office/powerpoint/2010/main" val="1733253991"/>
+      </p:ext>
+    </p:extLst>
+  </p:cSld>
+  <p:clrMapOvr>
+    <a:masterClrMapping/>
+  </p:clrMapOvr>
+</p:notes>
+</file>
+
+<file path=ppt/notesSlides/notesSlide5.xml><?xml version="1.0" encoding="utf-8"?>
+<p:notes xmlns:a="http://schemas.openxmlformats.org/drawingml/2006/main" xmlns:r="http://schemas.openxmlformats.org/officeDocument/2006/relationships" xmlns:p="http://schemas.openxmlformats.org/presentationml/2006/main">
+  <p:cSld>
+    <p:spTree>
+      <p:nvGrpSpPr>
+        <p:cNvPr id="1" name=""/>
+        <p:cNvGrpSpPr/>
+        <p:nvPr/>
+      </p:nvGrpSpPr>
+      <p:grpSpPr>
+        <a:xfrm>
+          <a:off x="0" y="0"/>
+          <a:ext cx="0" cy="0"/>
+          <a:chOff x="0" y="0"/>
+          <a:chExt cx="0" cy="0"/>
+        </a:xfrm>
+      </p:grpSpPr>
+      <p:sp>
+        <p:nvSpPr>
+          <p:cNvPr id="2" name="Slide Image Placeholder 1"/>
+          <p:cNvSpPr>
+            <a:spLocks noGrp="1" noRot="1" noChangeAspect="1"/>
+          </p:cNvSpPr>
+          <p:nvPr>
+            <p:ph type="sldImg"/>
+          </p:nvPr>
+        </p:nvSpPr>
+        <p:spPr/>
+      </p:sp>
+      <p:sp>
+        <p:nvSpPr>
+          <p:cNvPr id="3" name="Notes Placeholder 2"/>
+          <p:cNvSpPr>
+            <a:spLocks noGrp="1"/>
+          </p:cNvSpPr>
+          <p:nvPr>
+            <p:ph type="body" idx="1"/>
+          </p:nvPr>
+        </p:nvSpPr>
+        <p:spPr/>
+        <p:txBody>
+          <a:bodyPr/>
+          <a:lstStyle/>
+          <a:p>
+            <a:r>
+              <a:rPr lang="en-GB" dirty="0"/>
+              <a:t>Please note – any references that say they are from “Knowledge Base” should be checked. </a:t>
+            </a:r>
+          </a:p>
+          <a:p>
+            <a:endParaRPr lang="en-GB" dirty="0"/>
+          </a:p>
+          <a:p>
+            <a:r>
+              <a:rPr lang="en-GB" dirty="0"/>
+              <a:t>This means that GPT has either extrapolated directly from its knowledge base (vs. a source), or made a leap from a source. Basically, if it says “Knowledge Base” it’s a red flag for a potential hallucination and has to be checked manually. </a:t>
+            </a:r>
+          </a:p>
+          <a:p>
+            <a:endParaRPr lang="en-US" dirty="0"/>
+          </a:p>
+        </p:txBody>
+      </p:sp>
+      <p:sp>
+        <p:nvSpPr>
+          <p:cNvPr id="4" name="Slide Number Placeholder 3"/>
+          <p:cNvSpPr>
+            <a:spLocks noGrp="1"/>
+          </p:cNvSpPr>
+          <p:nvPr>
+            <p:ph type="sldNum" sz="quarter" idx="5"/>
+          </p:nvPr>
+        </p:nvSpPr>
+        <p:spPr/>
+        <p:txBody>
+          <a:bodyPr/>
+          <a:lstStyle/>
+          <a:p>
+            <a:fld id="{763931CF-879D-C24C-B4FC-A16B88D776C8}" type="slidenum">
+              <a:rPr lang="en-US" smtClean="0"/>
+              <a:t>5</a:t>
+            </a:fld>
+            <a:endParaRPr lang="en-US"/>
+          </a:p>
+        </p:txBody>
+      </p:sp>
+    </p:spTree>
+    <p:extLst>
+      <p:ext uri="{BB962C8B-B14F-4D97-AF65-F5344CB8AC3E}">
+        <p14:creationId xmlns:p14="http://schemas.microsoft.com/office/powerpoint/2010/main" val="2241916729"/>
+      </p:ext>
+    </p:extLst>
+  </p:cSld>
+  <p:clrMapOvr>
+    <a:masterClrMapping/>
+  </p:clrMapOvr>
+</p:notes>
+</file>
+
+<file path=ppt/notesSlides/notesSlide6.xml><?xml version="1.0" encoding="utf-8"?>
+<p:notes xmlns:a="http://schemas.openxmlformats.org/drawingml/2006/main" xmlns:r="http://schemas.openxmlformats.org/officeDocument/2006/relationships" xmlns:p="http://schemas.openxmlformats.org/presentationml/2006/main">
+  <p:cSld>
+    <p:spTree>
+      <p:nvGrpSpPr>
+        <p:cNvPr id="1" name=""/>
+        <p:cNvGrpSpPr/>
+        <p:nvPr/>
+      </p:nvGrpSpPr>
+      <p:grpSpPr>
+        <a:xfrm>
+          <a:off x="0" y="0"/>
+          <a:ext cx="0" cy="0"/>
+          <a:chOff x="0" y="0"/>
+          <a:chExt cx="0" cy="0"/>
+        </a:xfrm>
+      </p:grpSpPr>
+      <p:sp>
+        <p:nvSpPr>
+          <p:cNvPr id="2" name="Slide Image Placeholder 1"/>
+          <p:cNvSpPr>
+            <a:spLocks noGrp="1" noRot="1" noChangeAspect="1"/>
+          </p:cNvSpPr>
+          <p:nvPr>
+            <p:ph type="sldImg"/>
+          </p:nvPr>
+        </p:nvSpPr>
+        <p:spPr/>
+      </p:sp>
+      <p:sp>
+        <p:nvSpPr>
+          <p:cNvPr id="3" name="Notes Placeholder 2"/>
+          <p:cNvSpPr>
+            <a:spLocks noGrp="1"/>
+          </p:cNvSpPr>
+          <p:nvPr>
+            <p:ph type="body" idx="1"/>
+          </p:nvPr>
+        </p:nvSpPr>
+        <p:spPr/>
+        <p:txBody>
+          <a:bodyPr/>
+          <a:lstStyle/>
+          <a:p>
+            <a:r>
+              <a:rPr lang="en-GB" dirty="0"/>
+              <a:t>Please note – any references that say they are from “Knowledge Base” should be checked. </a:t>
+            </a:r>
+          </a:p>
+          <a:p>
+            <a:endParaRPr lang="en-GB" dirty="0"/>
+          </a:p>
+          <a:p>
+            <a:r>
+              <a:rPr lang="en-GB" dirty="0"/>
+              <a:t>This means that GPT has either extrapolated directly from its knowledge base (vs. a source), or made a leap from a source. Basically, if it says “Knowledge Base” it’s a red flag for a potential hallucination and has to be checked manually. </a:t>
+            </a:r>
+          </a:p>
+          <a:p>
+            <a:endParaRPr lang="en-US" dirty="0"/>
+          </a:p>
+        </p:txBody>
+      </p:sp>
+      <p:sp>
+        <p:nvSpPr>
+          <p:cNvPr id="4" name="Slide Number Placeholder 3"/>
+          <p:cNvSpPr>
+            <a:spLocks noGrp="1"/>
+          </p:cNvSpPr>
+          <p:nvPr>
+            <p:ph type="sldNum" sz="quarter" idx="5"/>
+          </p:nvPr>
+        </p:nvSpPr>
+        <p:spPr/>
+        <p:txBody>
+          <a:bodyPr/>
+          <a:lstStyle/>
+          <a:p>
+            <a:fld id="{763931CF-879D-C24C-B4FC-A16B88D776C8}" type="slidenum">
+              <a:rPr lang="en-US" smtClean="0"/>
+              <a:t>6</a:t>
+            </a:fld>
+            <a:endParaRPr lang="en-US"/>
+          </a:p>
+        </p:txBody>
+      </p:sp>
+    </p:spTree>
+    <p:extLst>
+      <p:ext uri="{BB962C8B-B14F-4D97-AF65-F5344CB8AC3E}">
+        <p14:creationId xmlns:p14="http://schemas.microsoft.com/office/powerpoint/2010/main" val="1319705965"/>
+      </p:ext>
+    </p:extLst>
+  </p:cSld>
+  <p:clrMapOvr>
+    <a:masterClrMapping/>
+  </p:clrMapOvr>
+</p:notes>
+</file>
+
+<file path=ppt/notesSlides/notesSlide7.xml><?xml version="1.0" encoding="utf-8"?>
+<p:notes xmlns:a="http://schemas.openxmlformats.org/drawingml/2006/main" xmlns:r="http://schemas.openxmlformats.org/officeDocument/2006/relationships" xmlns:p="http://schemas.openxmlformats.org/presentationml/2006/main">
+  <p:cSld>
+    <p:spTree>
+      <p:nvGrpSpPr>
+        <p:cNvPr id="1" name=""/>
+        <p:cNvGrpSpPr/>
+        <p:nvPr/>
+      </p:nvGrpSpPr>
+      <p:grpSpPr>
+        <a:xfrm>
+          <a:off x="0" y="0"/>
+          <a:ext cx="0" cy="0"/>
+          <a:chOff x="0" y="0"/>
+          <a:chExt cx="0" cy="0"/>
+        </a:xfrm>
+      </p:grpSpPr>
+      <p:sp>
+        <p:nvSpPr>
+          <p:cNvPr id="2" name="Slide Image Placeholder 1"/>
+          <p:cNvSpPr>
+            <a:spLocks noGrp="1" noRot="1" noChangeAspect="1"/>
+          </p:cNvSpPr>
+          <p:nvPr>
+            <p:ph type="sldImg"/>
+          </p:nvPr>
+        </p:nvSpPr>
+        <p:spPr/>
+      </p:sp>
+      <p:sp>
+        <p:nvSpPr>
+          <p:cNvPr id="3" name="Notes Placeholder 2"/>
+          <p:cNvSpPr>
+            <a:spLocks noGrp="1"/>
+          </p:cNvSpPr>
+          <p:nvPr>
+            <p:ph type="body" idx="1"/>
+          </p:nvPr>
+        </p:nvSpPr>
+        <p:spPr/>
+        <p:txBody>
+          <a:bodyPr/>
+          <a:lstStyle/>
+          <a:p>
+            <a:r>
+              <a:rPr lang="en-GB" dirty="0"/>
+              <a:t>Please note – any references that say they are from “Knowledge Base” should be checked. </a:t>
+            </a:r>
+          </a:p>
+          <a:p>
+            <a:endParaRPr lang="en-GB" dirty="0"/>
+          </a:p>
+          <a:p>
+            <a:r>
+              <a:rPr lang="en-GB" dirty="0"/>
+              <a:t>This means that GPT has either extrapolated directly from its knowledge base (vs. a source), or made a leap from a source. Basically, if it says “Knowledge Base” it’s a red flag for a potential hallucination and has to be checked manually. </a:t>
+            </a:r>
+          </a:p>
+          <a:p>
+            <a:endParaRPr lang="en-US" dirty="0"/>
+          </a:p>
+        </p:txBody>
+      </p:sp>
+      <p:sp>
+        <p:nvSpPr>
+          <p:cNvPr id="4" name="Slide Number Placeholder 3"/>
+          <p:cNvSpPr>
+            <a:spLocks noGrp="1"/>
+          </p:cNvSpPr>
+          <p:nvPr>
+            <p:ph type="sldNum" sz="quarter" idx="5"/>
+          </p:nvPr>
+        </p:nvSpPr>
+        <p:spPr/>
+        <p:txBody>
+          <a:bodyPr/>
+          <a:lstStyle/>
+          <a:p>
+            <a:fld id="{763931CF-879D-C24C-B4FC-A16B88D776C8}" type="slidenum">
+              <a:rPr lang="en-US" smtClean="0"/>
+              <a:t>7</a:t>
+            </a:fld>
+            <a:endParaRPr lang="en-US"/>
+          </a:p>
+        </p:txBody>
+      </p:sp>
+    </p:spTree>
+    <p:extLst>
+      <p:ext uri="{BB962C8B-B14F-4D97-AF65-F5344CB8AC3E}">
+        <p14:creationId xmlns:p14="http://schemas.microsoft.com/office/powerpoint/2010/main" val="4129822181"/>
+      </p:ext>
+    </p:extLst>
+  </p:cSld>
+  <p:clrMapOvr>
+    <a:masterClrMapping/>
+  </p:clrMapOvr>
+</p:notes>
+</file>
+
+<file path=ppt/notesSlides/notesSlide8.xml><?xml version="1.0" encoding="utf-8"?>
+<p:notes xmlns:a="http://schemas.openxmlformats.org/drawingml/2006/main" xmlns:r="http://schemas.openxmlformats.org/officeDocument/2006/relationships" xmlns:p="http://schemas.openxmlformats.org/presentationml/2006/main">
+  <p:cSld>
+    <p:spTree>
+      <p:nvGrpSpPr>
+        <p:cNvPr id="1" name=""/>
+        <p:cNvGrpSpPr/>
+        <p:nvPr/>
+      </p:nvGrpSpPr>
+      <p:grpSpPr>
+        <a:xfrm>
+          <a:off x="0" y="0"/>
+          <a:ext cx="0" cy="0"/>
+          <a:chOff x="0" y="0"/>
+          <a:chExt cx="0" cy="0"/>
+        </a:xfrm>
+      </p:grpSpPr>
+      <p:sp>
+        <p:nvSpPr>
+          <p:cNvPr id="2" name="Slide Image Placeholder 1"/>
+          <p:cNvSpPr>
+            <a:spLocks noGrp="1" noRot="1" noChangeAspect="1"/>
+          </p:cNvSpPr>
+          <p:nvPr>
+            <p:ph type="sldImg"/>
+          </p:nvPr>
+        </p:nvSpPr>
+        <p:spPr/>
+      </p:sp>
+      <p:sp>
+        <p:nvSpPr>
+          <p:cNvPr id="3" name="Notes Placeholder 2"/>
+          <p:cNvSpPr>
+            <a:spLocks noGrp="1"/>
+          </p:cNvSpPr>
+          <p:nvPr>
+            <p:ph type="body" idx="1"/>
+          </p:nvPr>
+        </p:nvSpPr>
+        <p:spPr/>
+        <p:txBody>
+          <a:bodyPr/>
+          <a:lstStyle/>
+          <a:p>
+            <a:r>
+              <a:rPr lang="en-GB" dirty="0"/>
+              <a:t>Please note – any references that say they are from “Knowledge Base” should be checked. </a:t>
+            </a:r>
+          </a:p>
+          <a:p>
+            <a:endParaRPr lang="en-GB" dirty="0"/>
+          </a:p>
+          <a:p>
+            <a:r>
+              <a:rPr lang="en-GB" dirty="0"/>
+              <a:t>This means that GPT has either extrapolated directly from its knowledge base (vs. a source), or made a leap from a source. Basically, if it says “Knowledge Base” it’s a red flag for a potential hallucination and has to be checked manually. </a:t>
+            </a:r>
+          </a:p>
+          <a:p>
+            <a:endParaRPr lang="en-US" dirty="0"/>
+          </a:p>
+        </p:txBody>
+      </p:sp>
+      <p:sp>
+        <p:nvSpPr>
+          <p:cNvPr id="4" name="Slide Number Placeholder 3"/>
+          <p:cNvSpPr>
+            <a:spLocks noGrp="1"/>
+          </p:cNvSpPr>
+          <p:nvPr>
+            <p:ph type="sldNum" sz="quarter" idx="5"/>
+          </p:nvPr>
+        </p:nvSpPr>
+        <p:spPr/>
+        <p:txBody>
+          <a:bodyPr/>
+          <a:lstStyle/>
+          <a:p>
+            <a:fld id="{763931CF-879D-C24C-B4FC-A16B88D776C8}" type="slidenum">
+              <a:rPr lang="en-US" smtClean="0"/>
+              <a:t>8</a:t>
+            </a:fld>
+            <a:endParaRPr lang="en-US"/>
+          </a:p>
+        </p:txBody>
+      </p:sp>
+    </p:spTree>
+    <p:extLst>
+      <p:ext uri="{BB962C8B-B14F-4D97-AF65-F5344CB8AC3E}">
+        <p14:creationId xmlns:p14="http://schemas.microsoft.com/office/powerpoint/2010/main" val="1649674665"/>
+      </p:ext>
+    </p:extLst>
+  </p:cSld>
+  <p:clrMapOvr>
+    <a:masterClrMapping/>
+  </p:clrMapOvr>
+</p:notes>
+</file>
+
+<file path=ppt/notesSlides/notesSlide9.xml><?xml version="1.0" encoding="utf-8"?>
+<p:notes xmlns:a="http://schemas.openxmlformats.org/drawingml/2006/main" xmlns:r="http://schemas.openxmlformats.org/officeDocument/2006/relationships" xmlns:p="http://schemas.openxmlformats.org/presentationml/2006/main">
+  <p:cSld>
+    <p:spTree>
+      <p:nvGrpSpPr>
+        <p:cNvPr id="1" name=""/>
+        <p:cNvGrpSpPr/>
+        <p:nvPr/>
+      </p:nvGrpSpPr>
+      <p:grpSpPr>
+        <a:xfrm>
+          <a:off x="0" y="0"/>
+          <a:ext cx="0" cy="0"/>
+          <a:chOff x="0" y="0"/>
+          <a:chExt cx="0" cy="0"/>
+        </a:xfrm>
+      </p:grpSpPr>
+      <p:sp>
+        <p:nvSpPr>
+          <p:cNvPr id="2" name="Slide Image Placeholder 1"/>
+          <p:cNvSpPr>
+            <a:spLocks noGrp="1" noRot="1" noChangeAspect="1"/>
+          </p:cNvSpPr>
+          <p:nvPr>
+            <p:ph type="sldImg"/>
+          </p:nvPr>
+        </p:nvSpPr>
+        <p:spPr/>
+      </p:sp>
+      <p:sp>
+        <p:nvSpPr>
+          <p:cNvPr id="3" name="Notes Placeholder 2"/>
+          <p:cNvSpPr>
+            <a:spLocks noGrp="1"/>
+          </p:cNvSpPr>
+          <p:nvPr>
+            <p:ph type="body" idx="1"/>
+          </p:nvPr>
+        </p:nvSpPr>
+        <p:spPr/>
+        <p:txBody>
+          <a:bodyPr/>
+          <a:lstStyle/>
+          <a:p>
+            <a:r>
+              <a:rPr lang="en-GB" dirty="0"/>
+              <a:t>Please note – any references that say they are from “Knowledge Base” should be checked. </a:t>
+            </a:r>
+          </a:p>
+          <a:p>
+            <a:endParaRPr lang="en-GB" dirty="0"/>
+          </a:p>
+          <a:p>
+            <a:r>
+              <a:rPr lang="en-GB" dirty="0"/>
+              <a:t>This means that GPT has either extrapolated directly from its knowledge base (vs. a source), or made a leap from a source. Basically, if it says “Knowledge Base” it’s a red flag for a potential hallucination and has to be checked manually. </a:t>
+            </a:r>
+          </a:p>
+          <a:p>
+            <a:endParaRPr lang="en-US" dirty="0"/>
+          </a:p>
+        </p:txBody>
+      </p:sp>
+      <p:sp>
+        <p:nvSpPr>
+          <p:cNvPr id="4" name="Slide Number Placeholder 3"/>
+          <p:cNvSpPr>
+            <a:spLocks noGrp="1"/>
+          </p:cNvSpPr>
+          <p:nvPr>
+            <p:ph type="sldNum" sz="quarter" idx="5"/>
+          </p:nvPr>
+        </p:nvSpPr>
+        <p:spPr/>
+        <p:txBody>
+          <a:bodyPr/>
+          <a:lstStyle/>
+          <a:p>
+            <a:fld id="{763931CF-879D-C24C-B4FC-A16B88D776C8}" type="slidenum">
+              <a:rPr lang="en-US" smtClean="0"/>
+              <a:t>9</a:t>
+            </a:fld>
+            <a:endParaRPr lang="en-US"/>
+          </a:p>
+        </p:txBody>
+      </p:sp>
+    </p:spTree>
+    <p:extLst>
+      <p:ext uri="{BB962C8B-B14F-4D97-AF65-F5344CB8AC3E}">
+        <p14:creationId xmlns:p14="http://schemas.microsoft.com/office/powerpoint/2010/main" val="2808830359"/>
       </p:ext>
     </p:extLst>
   </p:cSld>
@@ -2394,6 +3294,2211 @@
       </p:transition>
     </mc:Choice>
     <mc:Fallback xmlns="">
+      <p:transition spd="med">
+        <p:fade/>
+      </p:transition>
+    </mc:Fallback>
+  </mc:AlternateContent>
+</p:sld>
+</file>
+
+<file path=ppt/slides/slide10.xml><?xml version="1.0" encoding="utf-8"?>
+<p:sld xmlns:a="http://schemas.openxmlformats.org/drawingml/2006/main" xmlns:r="http://schemas.openxmlformats.org/officeDocument/2006/relationships" xmlns:p="http://schemas.openxmlformats.org/presentationml/2006/main">
+  <p:cSld>
+    <p:spTree>
+      <p:nvGrpSpPr>
+        <p:cNvPr id="1" name=""/>
+        <p:cNvGrpSpPr/>
+        <p:nvPr/>
+      </p:nvGrpSpPr>
+      <p:grpSpPr>
+        <a:xfrm>
+          <a:off x="0" y="0"/>
+          <a:ext cx="0" cy="0"/>
+          <a:chOff x="0" y="0"/>
+          <a:chExt cx="0" cy="0"/>
+        </a:xfrm>
+      </p:grpSpPr>
+      <p:sp>
+        <p:nvSpPr>
+          <p:cNvPr id="2" name="Text Placeholder 1">
+            <a:extLst>
+              <a:ext uri="{FF2B5EF4-FFF2-40B4-BE49-F238E27FC236}">
+                <a16:creationId xmlns:a16="http://schemas.microsoft.com/office/drawing/2014/main" id="{D38A4D0C-69A8-4C8A-EBA1-12DA6B6E0E05}"/>
+              </a:ext>
+            </a:extLst>
+          </p:cNvPr>
+          <p:cNvSpPr>
+            <a:spLocks noGrp="1"/>
+          </p:cNvSpPr>
+          <p:nvPr>
+            <p:ph type="body" sz="quarter" idx="10"/>
+          </p:nvPr>
+        </p:nvSpPr>
+        <p:spPr/>
+        <p:txBody>
+          <a:bodyPr/>
+          <a:lstStyle/>
+          <a:p>
+            <a:r>
+              <a:rPr lang="en-US" dirty="0" err="1"/>
+              <a:t>Slide_subtitle</a:t>
+            </a:r>
+            <a:endParaRPr lang="en-US" dirty="0"/>
+          </a:p>
+        </p:txBody>
+      </p:sp>
+      <p:sp>
+        <p:nvSpPr>
+          <p:cNvPr id="3" name="Title 2">
+            <a:extLst>
+              <a:ext uri="{FF2B5EF4-FFF2-40B4-BE49-F238E27FC236}">
+                <a16:creationId xmlns:a16="http://schemas.microsoft.com/office/drawing/2014/main" id="{3A84B30E-0060-57A9-C0DA-E8B790120942}"/>
+              </a:ext>
+            </a:extLst>
+          </p:cNvPr>
+          <p:cNvSpPr>
+            <a:spLocks noGrp="1"/>
+          </p:cNvSpPr>
+          <p:nvPr>
+            <p:ph type="title"/>
+          </p:nvPr>
+        </p:nvSpPr>
+        <p:spPr/>
+        <p:txBody>
+          <a:bodyPr/>
+          <a:lstStyle/>
+          <a:p>
+            <a:r>
+              <a:rPr lang="en-US" dirty="0" err="1"/>
+              <a:t>Slide_title</a:t>
+            </a:r>
+            <a:endParaRPr lang="en-US" dirty="0"/>
+          </a:p>
+        </p:txBody>
+      </p:sp>
+      <p:sp>
+        <p:nvSpPr>
+          <p:cNvPr id="4" name="Content Placeholder 3">
+            <a:extLst>
+              <a:ext uri="{FF2B5EF4-FFF2-40B4-BE49-F238E27FC236}">
+                <a16:creationId xmlns:a16="http://schemas.microsoft.com/office/drawing/2014/main" id="{AD191D05-FFC2-F4A5-EEC1-EFCF46D4CC37}"/>
+              </a:ext>
+            </a:extLst>
+          </p:cNvPr>
+          <p:cNvSpPr>
+            <a:spLocks noGrp="1"/>
+          </p:cNvSpPr>
+          <p:nvPr>
+            <p:ph sz="quarter" idx="11"/>
+          </p:nvPr>
+        </p:nvSpPr>
+        <p:spPr/>
+        <p:txBody>
+          <a:bodyPr/>
+          <a:lstStyle/>
+          <a:p>
+            <a:r>
+              <a:rPr lang="en-US" dirty="0" err="1"/>
+              <a:t>Strength_bullets</a:t>
+            </a:r>
+            <a:endParaRPr lang="en-US" dirty="0"/>
+          </a:p>
+        </p:txBody>
+      </p:sp>
+      <p:sp>
+        <p:nvSpPr>
+          <p:cNvPr id="5" name="Content Placeholder 4">
+            <a:extLst>
+              <a:ext uri="{FF2B5EF4-FFF2-40B4-BE49-F238E27FC236}">
+                <a16:creationId xmlns:a16="http://schemas.microsoft.com/office/drawing/2014/main" id="{0A382F7B-1A27-2028-5A4F-D0B4686084A4}"/>
+              </a:ext>
+            </a:extLst>
+          </p:cNvPr>
+          <p:cNvSpPr>
+            <a:spLocks noGrp="1"/>
+          </p:cNvSpPr>
+          <p:nvPr>
+            <p:ph sz="quarter" idx="12"/>
+          </p:nvPr>
+        </p:nvSpPr>
+        <p:spPr/>
+        <p:txBody>
+          <a:bodyPr/>
+          <a:lstStyle/>
+          <a:p>
+            <a:r>
+              <a:rPr lang="en-US" dirty="0" err="1"/>
+              <a:t>Weakness_bullets</a:t>
+            </a:r>
+            <a:endParaRPr lang="en-US" dirty="0"/>
+          </a:p>
+        </p:txBody>
+      </p:sp>
+      <p:sp>
+        <p:nvSpPr>
+          <p:cNvPr id="6" name="Content Placeholder 5">
+            <a:extLst>
+              <a:ext uri="{FF2B5EF4-FFF2-40B4-BE49-F238E27FC236}">
+                <a16:creationId xmlns:a16="http://schemas.microsoft.com/office/drawing/2014/main" id="{91F35C67-1D78-420B-EEF2-457D06276C74}"/>
+              </a:ext>
+            </a:extLst>
+          </p:cNvPr>
+          <p:cNvSpPr>
+            <a:spLocks noGrp="1"/>
+          </p:cNvSpPr>
+          <p:nvPr>
+            <p:ph sz="quarter" idx="13"/>
+          </p:nvPr>
+        </p:nvSpPr>
+        <p:spPr/>
+        <p:txBody>
+          <a:bodyPr/>
+          <a:lstStyle/>
+          <a:p>
+            <a:r>
+              <a:rPr lang="en-US" dirty="0" err="1"/>
+              <a:t>Opportunity_bullets</a:t>
+            </a:r>
+            <a:endParaRPr lang="en-US" dirty="0"/>
+          </a:p>
+        </p:txBody>
+      </p:sp>
+      <p:sp>
+        <p:nvSpPr>
+          <p:cNvPr id="7" name="Content Placeholder 6">
+            <a:extLst>
+              <a:ext uri="{FF2B5EF4-FFF2-40B4-BE49-F238E27FC236}">
+                <a16:creationId xmlns:a16="http://schemas.microsoft.com/office/drawing/2014/main" id="{9CFC9583-252A-2D3B-56B3-355A0A926163}"/>
+              </a:ext>
+            </a:extLst>
+          </p:cNvPr>
+          <p:cNvSpPr>
+            <a:spLocks noGrp="1"/>
+          </p:cNvSpPr>
+          <p:nvPr>
+            <p:ph sz="quarter" idx="14"/>
+          </p:nvPr>
+        </p:nvSpPr>
+        <p:spPr/>
+        <p:txBody>
+          <a:bodyPr/>
+          <a:lstStyle/>
+          <a:p>
+            <a:r>
+              <a:rPr lang="en-US" dirty="0" err="1"/>
+              <a:t>Threat_bullets</a:t>
+            </a:r>
+            <a:endParaRPr lang="en-US" dirty="0"/>
+          </a:p>
+        </p:txBody>
+      </p:sp>
+      <p:sp>
+        <p:nvSpPr>
+          <p:cNvPr id="8" name="Content Placeholder 7">
+            <a:extLst>
+              <a:ext uri="{FF2B5EF4-FFF2-40B4-BE49-F238E27FC236}">
+                <a16:creationId xmlns:a16="http://schemas.microsoft.com/office/drawing/2014/main" id="{747D33A8-1E40-D8C3-79D3-9F70A38F028B}"/>
+              </a:ext>
+            </a:extLst>
+          </p:cNvPr>
+          <p:cNvSpPr>
+            <a:spLocks noGrp="1"/>
+          </p:cNvSpPr>
+          <p:nvPr>
+            <p:ph sz="quarter" idx="15"/>
+          </p:nvPr>
+        </p:nvSpPr>
+        <p:spPr/>
+        <p:txBody>
+          <a:bodyPr/>
+          <a:lstStyle/>
+          <a:p>
+            <a:r>
+              <a:rPr lang="en-US" dirty="0" err="1"/>
+              <a:t>SWOT_narrative</a:t>
+            </a:r>
+            <a:endParaRPr lang="en-US" dirty="0"/>
+          </a:p>
+        </p:txBody>
+      </p:sp>
+    </p:spTree>
+    <p:extLst>
+      <p:ext uri="{BB962C8B-B14F-4D97-AF65-F5344CB8AC3E}">
+        <p14:creationId xmlns:p14="http://schemas.microsoft.com/office/powerpoint/2010/main" val="2695691680"/>
+      </p:ext>
+    </p:extLst>
+  </p:cSld>
+  <p:clrMapOvr>
+    <a:masterClrMapping/>
+  </p:clrMapOvr>
+  <mc:AlternateContent xmlns:mc="http://schemas.openxmlformats.org/markup-compatibility/2006">
+    <mc:Choice xmlns:p14="http://schemas.microsoft.com/office/powerpoint/2010/main" Requires="p14">
+      <p:transition spd="med" p14:dur="700">
+        <p:fade/>
+      </p:transition>
+    </mc:Choice>
+    <mc:Fallback>
+      <p:transition spd="med">
+        <p:fade/>
+      </p:transition>
+    </mc:Fallback>
+  </mc:AlternateContent>
+</p:sld>
+</file>
+
+<file path=ppt/slides/slide2.xml><?xml version="1.0" encoding="utf-8"?>
+<p:sld xmlns:a="http://schemas.openxmlformats.org/drawingml/2006/main" xmlns:r="http://schemas.openxmlformats.org/officeDocument/2006/relationships" xmlns:p="http://schemas.openxmlformats.org/presentationml/2006/main">
+  <p:cSld>
+    <p:spTree>
+      <p:nvGrpSpPr>
+        <p:cNvPr id="1" name=""/>
+        <p:cNvGrpSpPr/>
+        <p:nvPr/>
+      </p:nvGrpSpPr>
+      <p:grpSpPr>
+        <a:xfrm>
+          <a:off x="0" y="0"/>
+          <a:ext cx="0" cy="0"/>
+          <a:chOff x="0" y="0"/>
+          <a:chExt cx="0" cy="0"/>
+        </a:xfrm>
+      </p:grpSpPr>
+      <p:sp>
+        <p:nvSpPr>
+          <p:cNvPr id="2" name="Text Placeholder 1">
+            <a:extLst>
+              <a:ext uri="{FF2B5EF4-FFF2-40B4-BE49-F238E27FC236}">
+                <a16:creationId xmlns:a16="http://schemas.microsoft.com/office/drawing/2014/main" id="{D38A4D0C-69A8-4C8A-EBA1-12DA6B6E0E05}"/>
+              </a:ext>
+            </a:extLst>
+          </p:cNvPr>
+          <p:cNvSpPr>
+            <a:spLocks noGrp="1"/>
+          </p:cNvSpPr>
+          <p:nvPr>
+            <p:ph type="body" sz="quarter" idx="10"/>
+          </p:nvPr>
+        </p:nvSpPr>
+        <p:spPr/>
+        <p:txBody>
+          <a:bodyPr/>
+          <a:lstStyle/>
+          <a:p>
+            <a:r>
+              <a:rPr lang="en-US" dirty="0" err="1"/>
+              <a:t>Slide_subtitle</a:t>
+            </a:r>
+            <a:endParaRPr lang="en-US" dirty="0"/>
+          </a:p>
+        </p:txBody>
+      </p:sp>
+      <p:sp>
+        <p:nvSpPr>
+          <p:cNvPr id="3" name="Title 2">
+            <a:extLst>
+              <a:ext uri="{FF2B5EF4-FFF2-40B4-BE49-F238E27FC236}">
+                <a16:creationId xmlns:a16="http://schemas.microsoft.com/office/drawing/2014/main" id="{3A84B30E-0060-57A9-C0DA-E8B790120942}"/>
+              </a:ext>
+            </a:extLst>
+          </p:cNvPr>
+          <p:cNvSpPr>
+            <a:spLocks noGrp="1"/>
+          </p:cNvSpPr>
+          <p:nvPr>
+            <p:ph type="title"/>
+          </p:nvPr>
+        </p:nvSpPr>
+        <p:spPr/>
+        <p:txBody>
+          <a:bodyPr/>
+          <a:lstStyle/>
+          <a:p>
+            <a:r>
+              <a:rPr lang="en-US" dirty="0" err="1"/>
+              <a:t>Slide_title</a:t>
+            </a:r>
+            <a:endParaRPr lang="en-US" dirty="0"/>
+          </a:p>
+        </p:txBody>
+      </p:sp>
+      <p:sp>
+        <p:nvSpPr>
+          <p:cNvPr id="4" name="Content Placeholder 3">
+            <a:extLst>
+              <a:ext uri="{FF2B5EF4-FFF2-40B4-BE49-F238E27FC236}">
+                <a16:creationId xmlns:a16="http://schemas.microsoft.com/office/drawing/2014/main" id="{AD191D05-FFC2-F4A5-EEC1-EFCF46D4CC37}"/>
+              </a:ext>
+            </a:extLst>
+          </p:cNvPr>
+          <p:cNvSpPr>
+            <a:spLocks noGrp="1"/>
+          </p:cNvSpPr>
+          <p:nvPr>
+            <p:ph sz="quarter" idx="11"/>
+          </p:nvPr>
+        </p:nvSpPr>
+        <p:spPr/>
+        <p:txBody>
+          <a:bodyPr/>
+          <a:lstStyle/>
+          <a:p>
+            <a:r>
+              <a:rPr lang="en-US" dirty="0" err="1"/>
+              <a:t>Strength_bullets</a:t>
+            </a:r>
+            <a:endParaRPr lang="en-US" dirty="0"/>
+          </a:p>
+        </p:txBody>
+      </p:sp>
+      <p:sp>
+        <p:nvSpPr>
+          <p:cNvPr id="5" name="Content Placeholder 4">
+            <a:extLst>
+              <a:ext uri="{FF2B5EF4-FFF2-40B4-BE49-F238E27FC236}">
+                <a16:creationId xmlns:a16="http://schemas.microsoft.com/office/drawing/2014/main" id="{0A382F7B-1A27-2028-5A4F-D0B4686084A4}"/>
+              </a:ext>
+            </a:extLst>
+          </p:cNvPr>
+          <p:cNvSpPr>
+            <a:spLocks noGrp="1"/>
+          </p:cNvSpPr>
+          <p:nvPr>
+            <p:ph sz="quarter" idx="12"/>
+          </p:nvPr>
+        </p:nvSpPr>
+        <p:spPr/>
+        <p:txBody>
+          <a:bodyPr/>
+          <a:lstStyle/>
+          <a:p>
+            <a:r>
+              <a:rPr lang="en-US" dirty="0" err="1"/>
+              <a:t>Weakness_bullets</a:t>
+            </a:r>
+            <a:endParaRPr lang="en-US" dirty="0"/>
+          </a:p>
+        </p:txBody>
+      </p:sp>
+      <p:sp>
+        <p:nvSpPr>
+          <p:cNvPr id="6" name="Content Placeholder 5">
+            <a:extLst>
+              <a:ext uri="{FF2B5EF4-FFF2-40B4-BE49-F238E27FC236}">
+                <a16:creationId xmlns:a16="http://schemas.microsoft.com/office/drawing/2014/main" id="{91F35C67-1D78-420B-EEF2-457D06276C74}"/>
+              </a:ext>
+            </a:extLst>
+          </p:cNvPr>
+          <p:cNvSpPr>
+            <a:spLocks noGrp="1"/>
+          </p:cNvSpPr>
+          <p:nvPr>
+            <p:ph sz="quarter" idx="13"/>
+          </p:nvPr>
+        </p:nvSpPr>
+        <p:spPr/>
+        <p:txBody>
+          <a:bodyPr/>
+          <a:lstStyle/>
+          <a:p>
+            <a:r>
+              <a:rPr lang="en-US" dirty="0" err="1"/>
+              <a:t>Opportunity_bullets</a:t>
+            </a:r>
+            <a:endParaRPr lang="en-US" dirty="0"/>
+          </a:p>
+        </p:txBody>
+      </p:sp>
+      <p:sp>
+        <p:nvSpPr>
+          <p:cNvPr id="7" name="Content Placeholder 6">
+            <a:extLst>
+              <a:ext uri="{FF2B5EF4-FFF2-40B4-BE49-F238E27FC236}">
+                <a16:creationId xmlns:a16="http://schemas.microsoft.com/office/drawing/2014/main" id="{9CFC9583-252A-2D3B-56B3-355A0A926163}"/>
+              </a:ext>
+            </a:extLst>
+          </p:cNvPr>
+          <p:cNvSpPr>
+            <a:spLocks noGrp="1"/>
+          </p:cNvSpPr>
+          <p:nvPr>
+            <p:ph sz="quarter" idx="14"/>
+          </p:nvPr>
+        </p:nvSpPr>
+        <p:spPr/>
+        <p:txBody>
+          <a:bodyPr/>
+          <a:lstStyle/>
+          <a:p>
+            <a:r>
+              <a:rPr lang="en-US" dirty="0" err="1"/>
+              <a:t>Threat_bullets</a:t>
+            </a:r>
+            <a:endParaRPr lang="en-US" dirty="0"/>
+          </a:p>
+        </p:txBody>
+      </p:sp>
+      <p:sp>
+        <p:nvSpPr>
+          <p:cNvPr id="8" name="Content Placeholder 7">
+            <a:extLst>
+              <a:ext uri="{FF2B5EF4-FFF2-40B4-BE49-F238E27FC236}">
+                <a16:creationId xmlns:a16="http://schemas.microsoft.com/office/drawing/2014/main" id="{747D33A8-1E40-D8C3-79D3-9F70A38F028B}"/>
+              </a:ext>
+            </a:extLst>
+          </p:cNvPr>
+          <p:cNvSpPr>
+            <a:spLocks noGrp="1"/>
+          </p:cNvSpPr>
+          <p:nvPr>
+            <p:ph sz="quarter" idx="15"/>
+          </p:nvPr>
+        </p:nvSpPr>
+        <p:spPr/>
+        <p:txBody>
+          <a:bodyPr/>
+          <a:lstStyle/>
+          <a:p>
+            <a:r>
+              <a:rPr lang="en-US" dirty="0" err="1"/>
+              <a:t>SWOT_narrative</a:t>
+            </a:r>
+            <a:endParaRPr lang="en-US" dirty="0"/>
+          </a:p>
+        </p:txBody>
+      </p:sp>
+    </p:spTree>
+    <p:extLst>
+      <p:ext uri="{BB962C8B-B14F-4D97-AF65-F5344CB8AC3E}">
+        <p14:creationId xmlns:p14="http://schemas.microsoft.com/office/powerpoint/2010/main" val="2779426574"/>
+      </p:ext>
+    </p:extLst>
+  </p:cSld>
+  <p:clrMapOvr>
+    <a:masterClrMapping/>
+  </p:clrMapOvr>
+  <mc:AlternateContent xmlns:mc="http://schemas.openxmlformats.org/markup-compatibility/2006">
+    <mc:Choice xmlns:p14="http://schemas.microsoft.com/office/powerpoint/2010/main" Requires="p14">
+      <p:transition spd="med" p14:dur="700">
+        <p:fade/>
+      </p:transition>
+    </mc:Choice>
+    <mc:Fallback>
+      <p:transition spd="med">
+        <p:fade/>
+      </p:transition>
+    </mc:Fallback>
+  </mc:AlternateContent>
+</p:sld>
+</file>
+
+<file path=ppt/slides/slide3.xml><?xml version="1.0" encoding="utf-8"?>
+<p:sld xmlns:a="http://schemas.openxmlformats.org/drawingml/2006/main" xmlns:r="http://schemas.openxmlformats.org/officeDocument/2006/relationships" xmlns:p="http://schemas.openxmlformats.org/presentationml/2006/main">
+  <p:cSld>
+    <p:spTree>
+      <p:nvGrpSpPr>
+        <p:cNvPr id="1" name=""/>
+        <p:cNvGrpSpPr/>
+        <p:nvPr/>
+      </p:nvGrpSpPr>
+      <p:grpSpPr>
+        <a:xfrm>
+          <a:off x="0" y="0"/>
+          <a:ext cx="0" cy="0"/>
+          <a:chOff x="0" y="0"/>
+          <a:chExt cx="0" cy="0"/>
+        </a:xfrm>
+      </p:grpSpPr>
+      <p:sp>
+        <p:nvSpPr>
+          <p:cNvPr id="2" name="Text Placeholder 1">
+            <a:extLst>
+              <a:ext uri="{FF2B5EF4-FFF2-40B4-BE49-F238E27FC236}">
+                <a16:creationId xmlns:a16="http://schemas.microsoft.com/office/drawing/2014/main" id="{D38A4D0C-69A8-4C8A-EBA1-12DA6B6E0E05}"/>
+              </a:ext>
+            </a:extLst>
+          </p:cNvPr>
+          <p:cNvSpPr>
+            <a:spLocks noGrp="1"/>
+          </p:cNvSpPr>
+          <p:nvPr>
+            <p:ph type="body" sz="quarter" idx="10"/>
+          </p:nvPr>
+        </p:nvSpPr>
+        <p:spPr/>
+        <p:txBody>
+          <a:bodyPr/>
+          <a:lstStyle/>
+          <a:p>
+            <a:r>
+              <a:rPr lang="en-US" dirty="0" err="1"/>
+              <a:t>Slide_subtitle</a:t>
+            </a:r>
+            <a:endParaRPr lang="en-US" dirty="0"/>
+          </a:p>
+        </p:txBody>
+      </p:sp>
+      <p:sp>
+        <p:nvSpPr>
+          <p:cNvPr id="3" name="Title 2">
+            <a:extLst>
+              <a:ext uri="{FF2B5EF4-FFF2-40B4-BE49-F238E27FC236}">
+                <a16:creationId xmlns:a16="http://schemas.microsoft.com/office/drawing/2014/main" id="{3A84B30E-0060-57A9-C0DA-E8B790120942}"/>
+              </a:ext>
+            </a:extLst>
+          </p:cNvPr>
+          <p:cNvSpPr>
+            <a:spLocks noGrp="1"/>
+          </p:cNvSpPr>
+          <p:nvPr>
+            <p:ph type="title"/>
+          </p:nvPr>
+        </p:nvSpPr>
+        <p:spPr/>
+        <p:txBody>
+          <a:bodyPr/>
+          <a:lstStyle/>
+          <a:p>
+            <a:r>
+              <a:rPr lang="en-US" dirty="0" err="1"/>
+              <a:t>Slide_title</a:t>
+            </a:r>
+            <a:endParaRPr lang="en-US" dirty="0"/>
+          </a:p>
+        </p:txBody>
+      </p:sp>
+      <p:sp>
+        <p:nvSpPr>
+          <p:cNvPr id="4" name="Content Placeholder 3">
+            <a:extLst>
+              <a:ext uri="{FF2B5EF4-FFF2-40B4-BE49-F238E27FC236}">
+                <a16:creationId xmlns:a16="http://schemas.microsoft.com/office/drawing/2014/main" id="{AD191D05-FFC2-F4A5-EEC1-EFCF46D4CC37}"/>
+              </a:ext>
+            </a:extLst>
+          </p:cNvPr>
+          <p:cNvSpPr>
+            <a:spLocks noGrp="1"/>
+          </p:cNvSpPr>
+          <p:nvPr>
+            <p:ph sz="quarter" idx="11"/>
+          </p:nvPr>
+        </p:nvSpPr>
+        <p:spPr/>
+        <p:txBody>
+          <a:bodyPr/>
+          <a:lstStyle/>
+          <a:p>
+            <a:r>
+              <a:rPr lang="en-US" dirty="0" err="1"/>
+              <a:t>Strength_bullets</a:t>
+            </a:r>
+            <a:endParaRPr lang="en-US" dirty="0"/>
+          </a:p>
+        </p:txBody>
+      </p:sp>
+      <p:sp>
+        <p:nvSpPr>
+          <p:cNvPr id="5" name="Content Placeholder 4">
+            <a:extLst>
+              <a:ext uri="{FF2B5EF4-FFF2-40B4-BE49-F238E27FC236}">
+                <a16:creationId xmlns:a16="http://schemas.microsoft.com/office/drawing/2014/main" id="{0A382F7B-1A27-2028-5A4F-D0B4686084A4}"/>
+              </a:ext>
+            </a:extLst>
+          </p:cNvPr>
+          <p:cNvSpPr>
+            <a:spLocks noGrp="1"/>
+          </p:cNvSpPr>
+          <p:nvPr>
+            <p:ph sz="quarter" idx="12"/>
+          </p:nvPr>
+        </p:nvSpPr>
+        <p:spPr/>
+        <p:txBody>
+          <a:bodyPr/>
+          <a:lstStyle/>
+          <a:p>
+            <a:r>
+              <a:rPr lang="en-US" dirty="0" err="1"/>
+              <a:t>Weakness_bullets</a:t>
+            </a:r>
+            <a:endParaRPr lang="en-US" dirty="0"/>
+          </a:p>
+        </p:txBody>
+      </p:sp>
+      <p:sp>
+        <p:nvSpPr>
+          <p:cNvPr id="6" name="Content Placeholder 5">
+            <a:extLst>
+              <a:ext uri="{FF2B5EF4-FFF2-40B4-BE49-F238E27FC236}">
+                <a16:creationId xmlns:a16="http://schemas.microsoft.com/office/drawing/2014/main" id="{91F35C67-1D78-420B-EEF2-457D06276C74}"/>
+              </a:ext>
+            </a:extLst>
+          </p:cNvPr>
+          <p:cNvSpPr>
+            <a:spLocks noGrp="1"/>
+          </p:cNvSpPr>
+          <p:nvPr>
+            <p:ph sz="quarter" idx="13"/>
+          </p:nvPr>
+        </p:nvSpPr>
+        <p:spPr/>
+        <p:txBody>
+          <a:bodyPr/>
+          <a:lstStyle/>
+          <a:p>
+            <a:r>
+              <a:rPr lang="en-US" dirty="0" err="1"/>
+              <a:t>Opportunity_bullets</a:t>
+            </a:r>
+            <a:endParaRPr lang="en-US" dirty="0"/>
+          </a:p>
+        </p:txBody>
+      </p:sp>
+      <p:sp>
+        <p:nvSpPr>
+          <p:cNvPr id="7" name="Content Placeholder 6">
+            <a:extLst>
+              <a:ext uri="{FF2B5EF4-FFF2-40B4-BE49-F238E27FC236}">
+                <a16:creationId xmlns:a16="http://schemas.microsoft.com/office/drawing/2014/main" id="{9CFC9583-252A-2D3B-56B3-355A0A926163}"/>
+              </a:ext>
+            </a:extLst>
+          </p:cNvPr>
+          <p:cNvSpPr>
+            <a:spLocks noGrp="1"/>
+          </p:cNvSpPr>
+          <p:nvPr>
+            <p:ph sz="quarter" idx="14"/>
+          </p:nvPr>
+        </p:nvSpPr>
+        <p:spPr/>
+        <p:txBody>
+          <a:bodyPr/>
+          <a:lstStyle/>
+          <a:p>
+            <a:r>
+              <a:rPr lang="en-US" dirty="0" err="1"/>
+              <a:t>Threat_bullets</a:t>
+            </a:r>
+            <a:endParaRPr lang="en-US" dirty="0"/>
+          </a:p>
+        </p:txBody>
+      </p:sp>
+      <p:sp>
+        <p:nvSpPr>
+          <p:cNvPr id="8" name="Content Placeholder 7">
+            <a:extLst>
+              <a:ext uri="{FF2B5EF4-FFF2-40B4-BE49-F238E27FC236}">
+                <a16:creationId xmlns:a16="http://schemas.microsoft.com/office/drawing/2014/main" id="{747D33A8-1E40-D8C3-79D3-9F70A38F028B}"/>
+              </a:ext>
+            </a:extLst>
+          </p:cNvPr>
+          <p:cNvSpPr>
+            <a:spLocks noGrp="1"/>
+          </p:cNvSpPr>
+          <p:nvPr>
+            <p:ph sz="quarter" idx="15"/>
+          </p:nvPr>
+        </p:nvSpPr>
+        <p:spPr/>
+        <p:txBody>
+          <a:bodyPr/>
+          <a:lstStyle/>
+          <a:p>
+            <a:r>
+              <a:rPr lang="en-US" dirty="0" err="1"/>
+              <a:t>SWOT_narrative</a:t>
+            </a:r>
+            <a:endParaRPr lang="en-US" dirty="0"/>
+          </a:p>
+        </p:txBody>
+      </p:sp>
+    </p:spTree>
+    <p:extLst>
+      <p:ext uri="{BB962C8B-B14F-4D97-AF65-F5344CB8AC3E}">
+        <p14:creationId xmlns:p14="http://schemas.microsoft.com/office/powerpoint/2010/main" val="131049439"/>
+      </p:ext>
+    </p:extLst>
+  </p:cSld>
+  <p:clrMapOvr>
+    <a:masterClrMapping/>
+  </p:clrMapOvr>
+  <mc:AlternateContent xmlns:mc="http://schemas.openxmlformats.org/markup-compatibility/2006">
+    <mc:Choice xmlns:p14="http://schemas.microsoft.com/office/powerpoint/2010/main" Requires="p14">
+      <p:transition spd="med" p14:dur="700">
+        <p:fade/>
+      </p:transition>
+    </mc:Choice>
+    <mc:Fallback>
+      <p:transition spd="med">
+        <p:fade/>
+      </p:transition>
+    </mc:Fallback>
+  </mc:AlternateContent>
+</p:sld>
+</file>
+
+<file path=ppt/slides/slide4.xml><?xml version="1.0" encoding="utf-8"?>
+<p:sld xmlns:a="http://schemas.openxmlformats.org/drawingml/2006/main" xmlns:r="http://schemas.openxmlformats.org/officeDocument/2006/relationships" xmlns:p="http://schemas.openxmlformats.org/presentationml/2006/main">
+  <p:cSld>
+    <p:spTree>
+      <p:nvGrpSpPr>
+        <p:cNvPr id="1" name=""/>
+        <p:cNvGrpSpPr/>
+        <p:nvPr/>
+      </p:nvGrpSpPr>
+      <p:grpSpPr>
+        <a:xfrm>
+          <a:off x="0" y="0"/>
+          <a:ext cx="0" cy="0"/>
+          <a:chOff x="0" y="0"/>
+          <a:chExt cx="0" cy="0"/>
+        </a:xfrm>
+      </p:grpSpPr>
+      <p:sp>
+        <p:nvSpPr>
+          <p:cNvPr id="2" name="Text Placeholder 1">
+            <a:extLst>
+              <a:ext uri="{FF2B5EF4-FFF2-40B4-BE49-F238E27FC236}">
+                <a16:creationId xmlns:a16="http://schemas.microsoft.com/office/drawing/2014/main" id="{D38A4D0C-69A8-4C8A-EBA1-12DA6B6E0E05}"/>
+              </a:ext>
+            </a:extLst>
+          </p:cNvPr>
+          <p:cNvSpPr>
+            <a:spLocks noGrp="1"/>
+          </p:cNvSpPr>
+          <p:nvPr>
+            <p:ph type="body" sz="quarter" idx="10"/>
+          </p:nvPr>
+        </p:nvSpPr>
+        <p:spPr/>
+        <p:txBody>
+          <a:bodyPr/>
+          <a:lstStyle/>
+          <a:p>
+            <a:r>
+              <a:rPr lang="en-US" dirty="0" err="1"/>
+              <a:t>Slide_subtitle</a:t>
+            </a:r>
+            <a:endParaRPr lang="en-US" dirty="0"/>
+          </a:p>
+        </p:txBody>
+      </p:sp>
+      <p:sp>
+        <p:nvSpPr>
+          <p:cNvPr id="3" name="Title 2">
+            <a:extLst>
+              <a:ext uri="{FF2B5EF4-FFF2-40B4-BE49-F238E27FC236}">
+                <a16:creationId xmlns:a16="http://schemas.microsoft.com/office/drawing/2014/main" id="{3A84B30E-0060-57A9-C0DA-E8B790120942}"/>
+              </a:ext>
+            </a:extLst>
+          </p:cNvPr>
+          <p:cNvSpPr>
+            <a:spLocks noGrp="1"/>
+          </p:cNvSpPr>
+          <p:nvPr>
+            <p:ph type="title"/>
+          </p:nvPr>
+        </p:nvSpPr>
+        <p:spPr/>
+        <p:txBody>
+          <a:bodyPr/>
+          <a:lstStyle/>
+          <a:p>
+            <a:r>
+              <a:rPr lang="en-US" dirty="0" err="1"/>
+              <a:t>Slide_title</a:t>
+            </a:r>
+            <a:endParaRPr lang="en-US" dirty="0"/>
+          </a:p>
+        </p:txBody>
+      </p:sp>
+      <p:sp>
+        <p:nvSpPr>
+          <p:cNvPr id="4" name="Content Placeholder 3">
+            <a:extLst>
+              <a:ext uri="{FF2B5EF4-FFF2-40B4-BE49-F238E27FC236}">
+                <a16:creationId xmlns:a16="http://schemas.microsoft.com/office/drawing/2014/main" id="{AD191D05-FFC2-F4A5-EEC1-EFCF46D4CC37}"/>
+              </a:ext>
+            </a:extLst>
+          </p:cNvPr>
+          <p:cNvSpPr>
+            <a:spLocks noGrp="1"/>
+          </p:cNvSpPr>
+          <p:nvPr>
+            <p:ph sz="quarter" idx="11"/>
+          </p:nvPr>
+        </p:nvSpPr>
+        <p:spPr/>
+        <p:txBody>
+          <a:bodyPr/>
+          <a:lstStyle/>
+          <a:p>
+            <a:r>
+              <a:rPr lang="en-US" dirty="0" err="1"/>
+              <a:t>Strength_bullets</a:t>
+            </a:r>
+            <a:endParaRPr lang="en-US" dirty="0"/>
+          </a:p>
+        </p:txBody>
+      </p:sp>
+      <p:sp>
+        <p:nvSpPr>
+          <p:cNvPr id="5" name="Content Placeholder 4">
+            <a:extLst>
+              <a:ext uri="{FF2B5EF4-FFF2-40B4-BE49-F238E27FC236}">
+                <a16:creationId xmlns:a16="http://schemas.microsoft.com/office/drawing/2014/main" id="{0A382F7B-1A27-2028-5A4F-D0B4686084A4}"/>
+              </a:ext>
+            </a:extLst>
+          </p:cNvPr>
+          <p:cNvSpPr>
+            <a:spLocks noGrp="1"/>
+          </p:cNvSpPr>
+          <p:nvPr>
+            <p:ph sz="quarter" idx="12"/>
+          </p:nvPr>
+        </p:nvSpPr>
+        <p:spPr/>
+        <p:txBody>
+          <a:bodyPr/>
+          <a:lstStyle/>
+          <a:p>
+            <a:r>
+              <a:rPr lang="en-US" dirty="0" err="1"/>
+              <a:t>Weakness_bullets</a:t>
+            </a:r>
+            <a:endParaRPr lang="en-US" dirty="0"/>
+          </a:p>
+        </p:txBody>
+      </p:sp>
+      <p:sp>
+        <p:nvSpPr>
+          <p:cNvPr id="6" name="Content Placeholder 5">
+            <a:extLst>
+              <a:ext uri="{FF2B5EF4-FFF2-40B4-BE49-F238E27FC236}">
+                <a16:creationId xmlns:a16="http://schemas.microsoft.com/office/drawing/2014/main" id="{91F35C67-1D78-420B-EEF2-457D06276C74}"/>
+              </a:ext>
+            </a:extLst>
+          </p:cNvPr>
+          <p:cNvSpPr>
+            <a:spLocks noGrp="1"/>
+          </p:cNvSpPr>
+          <p:nvPr>
+            <p:ph sz="quarter" idx="13"/>
+          </p:nvPr>
+        </p:nvSpPr>
+        <p:spPr/>
+        <p:txBody>
+          <a:bodyPr/>
+          <a:lstStyle/>
+          <a:p>
+            <a:r>
+              <a:rPr lang="en-US" dirty="0" err="1"/>
+              <a:t>Opportunity_bullets</a:t>
+            </a:r>
+            <a:endParaRPr lang="en-US" dirty="0"/>
+          </a:p>
+        </p:txBody>
+      </p:sp>
+      <p:sp>
+        <p:nvSpPr>
+          <p:cNvPr id="7" name="Content Placeholder 6">
+            <a:extLst>
+              <a:ext uri="{FF2B5EF4-FFF2-40B4-BE49-F238E27FC236}">
+                <a16:creationId xmlns:a16="http://schemas.microsoft.com/office/drawing/2014/main" id="{9CFC9583-252A-2D3B-56B3-355A0A926163}"/>
+              </a:ext>
+            </a:extLst>
+          </p:cNvPr>
+          <p:cNvSpPr>
+            <a:spLocks noGrp="1"/>
+          </p:cNvSpPr>
+          <p:nvPr>
+            <p:ph sz="quarter" idx="14"/>
+          </p:nvPr>
+        </p:nvSpPr>
+        <p:spPr/>
+        <p:txBody>
+          <a:bodyPr/>
+          <a:lstStyle/>
+          <a:p>
+            <a:r>
+              <a:rPr lang="en-US" dirty="0" err="1"/>
+              <a:t>Threat_bullets</a:t>
+            </a:r>
+            <a:endParaRPr lang="en-US" dirty="0"/>
+          </a:p>
+        </p:txBody>
+      </p:sp>
+      <p:sp>
+        <p:nvSpPr>
+          <p:cNvPr id="8" name="Content Placeholder 7">
+            <a:extLst>
+              <a:ext uri="{FF2B5EF4-FFF2-40B4-BE49-F238E27FC236}">
+                <a16:creationId xmlns:a16="http://schemas.microsoft.com/office/drawing/2014/main" id="{747D33A8-1E40-D8C3-79D3-9F70A38F028B}"/>
+              </a:ext>
+            </a:extLst>
+          </p:cNvPr>
+          <p:cNvSpPr>
+            <a:spLocks noGrp="1"/>
+          </p:cNvSpPr>
+          <p:nvPr>
+            <p:ph sz="quarter" idx="15"/>
+          </p:nvPr>
+        </p:nvSpPr>
+        <p:spPr/>
+        <p:txBody>
+          <a:bodyPr/>
+          <a:lstStyle/>
+          <a:p>
+            <a:r>
+              <a:rPr lang="en-US" dirty="0" err="1"/>
+              <a:t>SWOT_narrative</a:t>
+            </a:r>
+            <a:endParaRPr lang="en-US" dirty="0"/>
+          </a:p>
+        </p:txBody>
+      </p:sp>
+    </p:spTree>
+    <p:extLst>
+      <p:ext uri="{BB962C8B-B14F-4D97-AF65-F5344CB8AC3E}">
+        <p14:creationId xmlns:p14="http://schemas.microsoft.com/office/powerpoint/2010/main" val="1105880017"/>
+      </p:ext>
+    </p:extLst>
+  </p:cSld>
+  <p:clrMapOvr>
+    <a:masterClrMapping/>
+  </p:clrMapOvr>
+  <mc:AlternateContent xmlns:mc="http://schemas.openxmlformats.org/markup-compatibility/2006">
+    <mc:Choice xmlns:p14="http://schemas.microsoft.com/office/powerpoint/2010/main" Requires="p14">
+      <p:transition spd="med" p14:dur="700">
+        <p:fade/>
+      </p:transition>
+    </mc:Choice>
+    <mc:Fallback>
+      <p:transition spd="med">
+        <p:fade/>
+      </p:transition>
+    </mc:Fallback>
+  </mc:AlternateContent>
+</p:sld>
+</file>
+
+<file path=ppt/slides/slide5.xml><?xml version="1.0" encoding="utf-8"?>
+<p:sld xmlns:a="http://schemas.openxmlformats.org/drawingml/2006/main" xmlns:r="http://schemas.openxmlformats.org/officeDocument/2006/relationships" xmlns:p="http://schemas.openxmlformats.org/presentationml/2006/main">
+  <p:cSld>
+    <p:spTree>
+      <p:nvGrpSpPr>
+        <p:cNvPr id="1" name=""/>
+        <p:cNvGrpSpPr/>
+        <p:nvPr/>
+      </p:nvGrpSpPr>
+      <p:grpSpPr>
+        <a:xfrm>
+          <a:off x="0" y="0"/>
+          <a:ext cx="0" cy="0"/>
+          <a:chOff x="0" y="0"/>
+          <a:chExt cx="0" cy="0"/>
+        </a:xfrm>
+      </p:grpSpPr>
+      <p:sp>
+        <p:nvSpPr>
+          <p:cNvPr id="2" name="Text Placeholder 1">
+            <a:extLst>
+              <a:ext uri="{FF2B5EF4-FFF2-40B4-BE49-F238E27FC236}">
+                <a16:creationId xmlns:a16="http://schemas.microsoft.com/office/drawing/2014/main" id="{D38A4D0C-69A8-4C8A-EBA1-12DA6B6E0E05}"/>
+              </a:ext>
+            </a:extLst>
+          </p:cNvPr>
+          <p:cNvSpPr>
+            <a:spLocks noGrp="1"/>
+          </p:cNvSpPr>
+          <p:nvPr>
+            <p:ph type="body" sz="quarter" idx="10"/>
+          </p:nvPr>
+        </p:nvSpPr>
+        <p:spPr/>
+        <p:txBody>
+          <a:bodyPr/>
+          <a:lstStyle/>
+          <a:p>
+            <a:r>
+              <a:rPr lang="en-US" dirty="0" err="1"/>
+              <a:t>Slide_subtitle</a:t>
+            </a:r>
+            <a:endParaRPr lang="en-US" dirty="0"/>
+          </a:p>
+        </p:txBody>
+      </p:sp>
+      <p:sp>
+        <p:nvSpPr>
+          <p:cNvPr id="3" name="Title 2">
+            <a:extLst>
+              <a:ext uri="{FF2B5EF4-FFF2-40B4-BE49-F238E27FC236}">
+                <a16:creationId xmlns:a16="http://schemas.microsoft.com/office/drawing/2014/main" id="{3A84B30E-0060-57A9-C0DA-E8B790120942}"/>
+              </a:ext>
+            </a:extLst>
+          </p:cNvPr>
+          <p:cNvSpPr>
+            <a:spLocks noGrp="1"/>
+          </p:cNvSpPr>
+          <p:nvPr>
+            <p:ph type="title"/>
+          </p:nvPr>
+        </p:nvSpPr>
+        <p:spPr/>
+        <p:txBody>
+          <a:bodyPr/>
+          <a:lstStyle/>
+          <a:p>
+            <a:r>
+              <a:rPr lang="en-US" dirty="0" err="1"/>
+              <a:t>Slide_title</a:t>
+            </a:r>
+            <a:endParaRPr lang="en-US" dirty="0"/>
+          </a:p>
+        </p:txBody>
+      </p:sp>
+      <p:sp>
+        <p:nvSpPr>
+          <p:cNvPr id="4" name="Content Placeholder 3">
+            <a:extLst>
+              <a:ext uri="{FF2B5EF4-FFF2-40B4-BE49-F238E27FC236}">
+                <a16:creationId xmlns:a16="http://schemas.microsoft.com/office/drawing/2014/main" id="{AD191D05-FFC2-F4A5-EEC1-EFCF46D4CC37}"/>
+              </a:ext>
+            </a:extLst>
+          </p:cNvPr>
+          <p:cNvSpPr>
+            <a:spLocks noGrp="1"/>
+          </p:cNvSpPr>
+          <p:nvPr>
+            <p:ph sz="quarter" idx="11"/>
+          </p:nvPr>
+        </p:nvSpPr>
+        <p:spPr/>
+        <p:txBody>
+          <a:bodyPr/>
+          <a:lstStyle/>
+          <a:p>
+            <a:r>
+              <a:rPr lang="en-US" dirty="0" err="1"/>
+              <a:t>Strength_bullets</a:t>
+            </a:r>
+            <a:endParaRPr lang="en-US" dirty="0"/>
+          </a:p>
+        </p:txBody>
+      </p:sp>
+      <p:sp>
+        <p:nvSpPr>
+          <p:cNvPr id="5" name="Content Placeholder 4">
+            <a:extLst>
+              <a:ext uri="{FF2B5EF4-FFF2-40B4-BE49-F238E27FC236}">
+                <a16:creationId xmlns:a16="http://schemas.microsoft.com/office/drawing/2014/main" id="{0A382F7B-1A27-2028-5A4F-D0B4686084A4}"/>
+              </a:ext>
+            </a:extLst>
+          </p:cNvPr>
+          <p:cNvSpPr>
+            <a:spLocks noGrp="1"/>
+          </p:cNvSpPr>
+          <p:nvPr>
+            <p:ph sz="quarter" idx="12"/>
+          </p:nvPr>
+        </p:nvSpPr>
+        <p:spPr/>
+        <p:txBody>
+          <a:bodyPr/>
+          <a:lstStyle/>
+          <a:p>
+            <a:r>
+              <a:rPr lang="en-US" dirty="0" err="1"/>
+              <a:t>Weakness_bullets</a:t>
+            </a:r>
+            <a:endParaRPr lang="en-US" dirty="0"/>
+          </a:p>
+        </p:txBody>
+      </p:sp>
+      <p:sp>
+        <p:nvSpPr>
+          <p:cNvPr id="6" name="Content Placeholder 5">
+            <a:extLst>
+              <a:ext uri="{FF2B5EF4-FFF2-40B4-BE49-F238E27FC236}">
+                <a16:creationId xmlns:a16="http://schemas.microsoft.com/office/drawing/2014/main" id="{91F35C67-1D78-420B-EEF2-457D06276C74}"/>
+              </a:ext>
+            </a:extLst>
+          </p:cNvPr>
+          <p:cNvSpPr>
+            <a:spLocks noGrp="1"/>
+          </p:cNvSpPr>
+          <p:nvPr>
+            <p:ph sz="quarter" idx="13"/>
+          </p:nvPr>
+        </p:nvSpPr>
+        <p:spPr/>
+        <p:txBody>
+          <a:bodyPr/>
+          <a:lstStyle/>
+          <a:p>
+            <a:r>
+              <a:rPr lang="en-US" dirty="0" err="1"/>
+              <a:t>Opportunity_bullets</a:t>
+            </a:r>
+            <a:endParaRPr lang="en-US" dirty="0"/>
+          </a:p>
+        </p:txBody>
+      </p:sp>
+      <p:sp>
+        <p:nvSpPr>
+          <p:cNvPr id="7" name="Content Placeholder 6">
+            <a:extLst>
+              <a:ext uri="{FF2B5EF4-FFF2-40B4-BE49-F238E27FC236}">
+                <a16:creationId xmlns:a16="http://schemas.microsoft.com/office/drawing/2014/main" id="{9CFC9583-252A-2D3B-56B3-355A0A926163}"/>
+              </a:ext>
+            </a:extLst>
+          </p:cNvPr>
+          <p:cNvSpPr>
+            <a:spLocks noGrp="1"/>
+          </p:cNvSpPr>
+          <p:nvPr>
+            <p:ph sz="quarter" idx="14"/>
+          </p:nvPr>
+        </p:nvSpPr>
+        <p:spPr/>
+        <p:txBody>
+          <a:bodyPr/>
+          <a:lstStyle/>
+          <a:p>
+            <a:r>
+              <a:rPr lang="en-US" dirty="0" err="1"/>
+              <a:t>Threat_bullets</a:t>
+            </a:r>
+            <a:endParaRPr lang="en-US" dirty="0"/>
+          </a:p>
+        </p:txBody>
+      </p:sp>
+      <p:sp>
+        <p:nvSpPr>
+          <p:cNvPr id="8" name="Content Placeholder 7">
+            <a:extLst>
+              <a:ext uri="{FF2B5EF4-FFF2-40B4-BE49-F238E27FC236}">
+                <a16:creationId xmlns:a16="http://schemas.microsoft.com/office/drawing/2014/main" id="{747D33A8-1E40-D8C3-79D3-9F70A38F028B}"/>
+              </a:ext>
+            </a:extLst>
+          </p:cNvPr>
+          <p:cNvSpPr>
+            <a:spLocks noGrp="1"/>
+          </p:cNvSpPr>
+          <p:nvPr>
+            <p:ph sz="quarter" idx="15"/>
+          </p:nvPr>
+        </p:nvSpPr>
+        <p:spPr/>
+        <p:txBody>
+          <a:bodyPr/>
+          <a:lstStyle/>
+          <a:p>
+            <a:r>
+              <a:rPr lang="en-US" dirty="0" err="1"/>
+              <a:t>SWOT_narrative</a:t>
+            </a:r>
+            <a:endParaRPr lang="en-US" dirty="0"/>
+          </a:p>
+        </p:txBody>
+      </p:sp>
+    </p:spTree>
+    <p:extLst>
+      <p:ext uri="{BB962C8B-B14F-4D97-AF65-F5344CB8AC3E}">
+        <p14:creationId xmlns:p14="http://schemas.microsoft.com/office/powerpoint/2010/main" val="618068210"/>
+      </p:ext>
+    </p:extLst>
+  </p:cSld>
+  <p:clrMapOvr>
+    <a:masterClrMapping/>
+  </p:clrMapOvr>
+  <mc:AlternateContent xmlns:mc="http://schemas.openxmlformats.org/markup-compatibility/2006">
+    <mc:Choice xmlns:p14="http://schemas.microsoft.com/office/powerpoint/2010/main" Requires="p14">
+      <p:transition spd="med" p14:dur="700">
+        <p:fade/>
+      </p:transition>
+    </mc:Choice>
+    <mc:Fallback>
+      <p:transition spd="med">
+        <p:fade/>
+      </p:transition>
+    </mc:Fallback>
+  </mc:AlternateContent>
+</p:sld>
+</file>
+
+<file path=ppt/slides/slide6.xml><?xml version="1.0" encoding="utf-8"?>
+<p:sld xmlns:a="http://schemas.openxmlformats.org/drawingml/2006/main" xmlns:r="http://schemas.openxmlformats.org/officeDocument/2006/relationships" xmlns:p="http://schemas.openxmlformats.org/presentationml/2006/main">
+  <p:cSld>
+    <p:spTree>
+      <p:nvGrpSpPr>
+        <p:cNvPr id="1" name=""/>
+        <p:cNvGrpSpPr/>
+        <p:nvPr/>
+      </p:nvGrpSpPr>
+      <p:grpSpPr>
+        <a:xfrm>
+          <a:off x="0" y="0"/>
+          <a:ext cx="0" cy="0"/>
+          <a:chOff x="0" y="0"/>
+          <a:chExt cx="0" cy="0"/>
+        </a:xfrm>
+      </p:grpSpPr>
+      <p:sp>
+        <p:nvSpPr>
+          <p:cNvPr id="2" name="Text Placeholder 1">
+            <a:extLst>
+              <a:ext uri="{FF2B5EF4-FFF2-40B4-BE49-F238E27FC236}">
+                <a16:creationId xmlns:a16="http://schemas.microsoft.com/office/drawing/2014/main" id="{D38A4D0C-69A8-4C8A-EBA1-12DA6B6E0E05}"/>
+              </a:ext>
+            </a:extLst>
+          </p:cNvPr>
+          <p:cNvSpPr>
+            <a:spLocks noGrp="1"/>
+          </p:cNvSpPr>
+          <p:nvPr>
+            <p:ph type="body" sz="quarter" idx="10"/>
+          </p:nvPr>
+        </p:nvSpPr>
+        <p:spPr/>
+        <p:txBody>
+          <a:bodyPr/>
+          <a:lstStyle/>
+          <a:p>
+            <a:r>
+              <a:rPr lang="en-US" dirty="0" err="1"/>
+              <a:t>Slide_subtitle</a:t>
+            </a:r>
+            <a:endParaRPr lang="en-US" dirty="0"/>
+          </a:p>
+        </p:txBody>
+      </p:sp>
+      <p:sp>
+        <p:nvSpPr>
+          <p:cNvPr id="3" name="Title 2">
+            <a:extLst>
+              <a:ext uri="{FF2B5EF4-FFF2-40B4-BE49-F238E27FC236}">
+                <a16:creationId xmlns:a16="http://schemas.microsoft.com/office/drawing/2014/main" id="{3A84B30E-0060-57A9-C0DA-E8B790120942}"/>
+              </a:ext>
+            </a:extLst>
+          </p:cNvPr>
+          <p:cNvSpPr>
+            <a:spLocks noGrp="1"/>
+          </p:cNvSpPr>
+          <p:nvPr>
+            <p:ph type="title"/>
+          </p:nvPr>
+        </p:nvSpPr>
+        <p:spPr/>
+        <p:txBody>
+          <a:bodyPr/>
+          <a:lstStyle/>
+          <a:p>
+            <a:r>
+              <a:rPr lang="en-US" dirty="0" err="1"/>
+              <a:t>Slide_title</a:t>
+            </a:r>
+            <a:endParaRPr lang="en-US" dirty="0"/>
+          </a:p>
+        </p:txBody>
+      </p:sp>
+      <p:sp>
+        <p:nvSpPr>
+          <p:cNvPr id="4" name="Content Placeholder 3">
+            <a:extLst>
+              <a:ext uri="{FF2B5EF4-FFF2-40B4-BE49-F238E27FC236}">
+                <a16:creationId xmlns:a16="http://schemas.microsoft.com/office/drawing/2014/main" id="{AD191D05-FFC2-F4A5-EEC1-EFCF46D4CC37}"/>
+              </a:ext>
+            </a:extLst>
+          </p:cNvPr>
+          <p:cNvSpPr>
+            <a:spLocks noGrp="1"/>
+          </p:cNvSpPr>
+          <p:nvPr>
+            <p:ph sz="quarter" idx="11"/>
+          </p:nvPr>
+        </p:nvSpPr>
+        <p:spPr/>
+        <p:txBody>
+          <a:bodyPr/>
+          <a:lstStyle/>
+          <a:p>
+            <a:r>
+              <a:rPr lang="en-US" dirty="0" err="1"/>
+              <a:t>Strength_bullets</a:t>
+            </a:r>
+            <a:endParaRPr lang="en-US" dirty="0"/>
+          </a:p>
+        </p:txBody>
+      </p:sp>
+      <p:sp>
+        <p:nvSpPr>
+          <p:cNvPr id="5" name="Content Placeholder 4">
+            <a:extLst>
+              <a:ext uri="{FF2B5EF4-FFF2-40B4-BE49-F238E27FC236}">
+                <a16:creationId xmlns:a16="http://schemas.microsoft.com/office/drawing/2014/main" id="{0A382F7B-1A27-2028-5A4F-D0B4686084A4}"/>
+              </a:ext>
+            </a:extLst>
+          </p:cNvPr>
+          <p:cNvSpPr>
+            <a:spLocks noGrp="1"/>
+          </p:cNvSpPr>
+          <p:nvPr>
+            <p:ph sz="quarter" idx="12"/>
+          </p:nvPr>
+        </p:nvSpPr>
+        <p:spPr/>
+        <p:txBody>
+          <a:bodyPr/>
+          <a:lstStyle/>
+          <a:p>
+            <a:r>
+              <a:rPr lang="en-US" dirty="0" err="1"/>
+              <a:t>Weakness_bullets</a:t>
+            </a:r>
+            <a:endParaRPr lang="en-US" dirty="0"/>
+          </a:p>
+        </p:txBody>
+      </p:sp>
+      <p:sp>
+        <p:nvSpPr>
+          <p:cNvPr id="6" name="Content Placeholder 5">
+            <a:extLst>
+              <a:ext uri="{FF2B5EF4-FFF2-40B4-BE49-F238E27FC236}">
+                <a16:creationId xmlns:a16="http://schemas.microsoft.com/office/drawing/2014/main" id="{91F35C67-1D78-420B-EEF2-457D06276C74}"/>
+              </a:ext>
+            </a:extLst>
+          </p:cNvPr>
+          <p:cNvSpPr>
+            <a:spLocks noGrp="1"/>
+          </p:cNvSpPr>
+          <p:nvPr>
+            <p:ph sz="quarter" idx="13"/>
+          </p:nvPr>
+        </p:nvSpPr>
+        <p:spPr/>
+        <p:txBody>
+          <a:bodyPr/>
+          <a:lstStyle/>
+          <a:p>
+            <a:r>
+              <a:rPr lang="en-US" dirty="0" err="1"/>
+              <a:t>Opportunity_bullets</a:t>
+            </a:r>
+            <a:endParaRPr lang="en-US" dirty="0"/>
+          </a:p>
+        </p:txBody>
+      </p:sp>
+      <p:sp>
+        <p:nvSpPr>
+          <p:cNvPr id="7" name="Content Placeholder 6">
+            <a:extLst>
+              <a:ext uri="{FF2B5EF4-FFF2-40B4-BE49-F238E27FC236}">
+                <a16:creationId xmlns:a16="http://schemas.microsoft.com/office/drawing/2014/main" id="{9CFC9583-252A-2D3B-56B3-355A0A926163}"/>
+              </a:ext>
+            </a:extLst>
+          </p:cNvPr>
+          <p:cNvSpPr>
+            <a:spLocks noGrp="1"/>
+          </p:cNvSpPr>
+          <p:nvPr>
+            <p:ph sz="quarter" idx="14"/>
+          </p:nvPr>
+        </p:nvSpPr>
+        <p:spPr/>
+        <p:txBody>
+          <a:bodyPr/>
+          <a:lstStyle/>
+          <a:p>
+            <a:r>
+              <a:rPr lang="en-US" dirty="0" err="1"/>
+              <a:t>Threat_bullets</a:t>
+            </a:r>
+            <a:endParaRPr lang="en-US" dirty="0"/>
+          </a:p>
+        </p:txBody>
+      </p:sp>
+      <p:sp>
+        <p:nvSpPr>
+          <p:cNvPr id="8" name="Content Placeholder 7">
+            <a:extLst>
+              <a:ext uri="{FF2B5EF4-FFF2-40B4-BE49-F238E27FC236}">
+                <a16:creationId xmlns:a16="http://schemas.microsoft.com/office/drawing/2014/main" id="{747D33A8-1E40-D8C3-79D3-9F70A38F028B}"/>
+              </a:ext>
+            </a:extLst>
+          </p:cNvPr>
+          <p:cNvSpPr>
+            <a:spLocks noGrp="1"/>
+          </p:cNvSpPr>
+          <p:nvPr>
+            <p:ph sz="quarter" idx="15"/>
+          </p:nvPr>
+        </p:nvSpPr>
+        <p:spPr/>
+        <p:txBody>
+          <a:bodyPr/>
+          <a:lstStyle/>
+          <a:p>
+            <a:r>
+              <a:rPr lang="en-US" dirty="0" err="1"/>
+              <a:t>SWOT_narrative</a:t>
+            </a:r>
+            <a:endParaRPr lang="en-US" dirty="0"/>
+          </a:p>
+        </p:txBody>
+      </p:sp>
+    </p:spTree>
+    <p:extLst>
+      <p:ext uri="{BB962C8B-B14F-4D97-AF65-F5344CB8AC3E}">
+        <p14:creationId xmlns:p14="http://schemas.microsoft.com/office/powerpoint/2010/main" val="2570928028"/>
+      </p:ext>
+    </p:extLst>
+  </p:cSld>
+  <p:clrMapOvr>
+    <a:masterClrMapping/>
+  </p:clrMapOvr>
+  <mc:AlternateContent xmlns:mc="http://schemas.openxmlformats.org/markup-compatibility/2006">
+    <mc:Choice xmlns:p14="http://schemas.microsoft.com/office/powerpoint/2010/main" Requires="p14">
+      <p:transition spd="med" p14:dur="700">
+        <p:fade/>
+      </p:transition>
+    </mc:Choice>
+    <mc:Fallback>
+      <p:transition spd="med">
+        <p:fade/>
+      </p:transition>
+    </mc:Fallback>
+  </mc:AlternateContent>
+</p:sld>
+</file>
+
+<file path=ppt/slides/slide7.xml><?xml version="1.0" encoding="utf-8"?>
+<p:sld xmlns:a="http://schemas.openxmlformats.org/drawingml/2006/main" xmlns:r="http://schemas.openxmlformats.org/officeDocument/2006/relationships" xmlns:p="http://schemas.openxmlformats.org/presentationml/2006/main">
+  <p:cSld>
+    <p:spTree>
+      <p:nvGrpSpPr>
+        <p:cNvPr id="1" name=""/>
+        <p:cNvGrpSpPr/>
+        <p:nvPr/>
+      </p:nvGrpSpPr>
+      <p:grpSpPr>
+        <a:xfrm>
+          <a:off x="0" y="0"/>
+          <a:ext cx="0" cy="0"/>
+          <a:chOff x="0" y="0"/>
+          <a:chExt cx="0" cy="0"/>
+        </a:xfrm>
+      </p:grpSpPr>
+      <p:sp>
+        <p:nvSpPr>
+          <p:cNvPr id="2" name="Text Placeholder 1">
+            <a:extLst>
+              <a:ext uri="{FF2B5EF4-FFF2-40B4-BE49-F238E27FC236}">
+                <a16:creationId xmlns:a16="http://schemas.microsoft.com/office/drawing/2014/main" id="{D38A4D0C-69A8-4C8A-EBA1-12DA6B6E0E05}"/>
+              </a:ext>
+            </a:extLst>
+          </p:cNvPr>
+          <p:cNvSpPr>
+            <a:spLocks noGrp="1"/>
+          </p:cNvSpPr>
+          <p:nvPr>
+            <p:ph type="body" sz="quarter" idx="10"/>
+          </p:nvPr>
+        </p:nvSpPr>
+        <p:spPr/>
+        <p:txBody>
+          <a:bodyPr/>
+          <a:lstStyle/>
+          <a:p>
+            <a:r>
+              <a:rPr lang="en-US" dirty="0" err="1"/>
+              <a:t>Slide_subtitle</a:t>
+            </a:r>
+            <a:endParaRPr lang="en-US" dirty="0"/>
+          </a:p>
+        </p:txBody>
+      </p:sp>
+      <p:sp>
+        <p:nvSpPr>
+          <p:cNvPr id="3" name="Title 2">
+            <a:extLst>
+              <a:ext uri="{FF2B5EF4-FFF2-40B4-BE49-F238E27FC236}">
+                <a16:creationId xmlns:a16="http://schemas.microsoft.com/office/drawing/2014/main" id="{3A84B30E-0060-57A9-C0DA-E8B790120942}"/>
+              </a:ext>
+            </a:extLst>
+          </p:cNvPr>
+          <p:cNvSpPr>
+            <a:spLocks noGrp="1"/>
+          </p:cNvSpPr>
+          <p:nvPr>
+            <p:ph type="title"/>
+          </p:nvPr>
+        </p:nvSpPr>
+        <p:spPr/>
+        <p:txBody>
+          <a:bodyPr/>
+          <a:lstStyle/>
+          <a:p>
+            <a:r>
+              <a:rPr lang="en-US" dirty="0" err="1"/>
+              <a:t>Slide_title</a:t>
+            </a:r>
+            <a:endParaRPr lang="en-US" dirty="0"/>
+          </a:p>
+        </p:txBody>
+      </p:sp>
+      <p:sp>
+        <p:nvSpPr>
+          <p:cNvPr id="4" name="Content Placeholder 3">
+            <a:extLst>
+              <a:ext uri="{FF2B5EF4-FFF2-40B4-BE49-F238E27FC236}">
+                <a16:creationId xmlns:a16="http://schemas.microsoft.com/office/drawing/2014/main" id="{AD191D05-FFC2-F4A5-EEC1-EFCF46D4CC37}"/>
+              </a:ext>
+            </a:extLst>
+          </p:cNvPr>
+          <p:cNvSpPr>
+            <a:spLocks noGrp="1"/>
+          </p:cNvSpPr>
+          <p:nvPr>
+            <p:ph sz="quarter" idx="11"/>
+          </p:nvPr>
+        </p:nvSpPr>
+        <p:spPr/>
+        <p:txBody>
+          <a:bodyPr/>
+          <a:lstStyle/>
+          <a:p>
+            <a:r>
+              <a:rPr lang="en-US" dirty="0" err="1"/>
+              <a:t>Strength_bullets</a:t>
+            </a:r>
+            <a:endParaRPr lang="en-US" dirty="0"/>
+          </a:p>
+        </p:txBody>
+      </p:sp>
+      <p:sp>
+        <p:nvSpPr>
+          <p:cNvPr id="5" name="Content Placeholder 4">
+            <a:extLst>
+              <a:ext uri="{FF2B5EF4-FFF2-40B4-BE49-F238E27FC236}">
+                <a16:creationId xmlns:a16="http://schemas.microsoft.com/office/drawing/2014/main" id="{0A382F7B-1A27-2028-5A4F-D0B4686084A4}"/>
+              </a:ext>
+            </a:extLst>
+          </p:cNvPr>
+          <p:cNvSpPr>
+            <a:spLocks noGrp="1"/>
+          </p:cNvSpPr>
+          <p:nvPr>
+            <p:ph sz="quarter" idx="12"/>
+          </p:nvPr>
+        </p:nvSpPr>
+        <p:spPr/>
+        <p:txBody>
+          <a:bodyPr/>
+          <a:lstStyle/>
+          <a:p>
+            <a:r>
+              <a:rPr lang="en-US" dirty="0" err="1"/>
+              <a:t>Weakness_bullets</a:t>
+            </a:r>
+            <a:endParaRPr lang="en-US" dirty="0"/>
+          </a:p>
+        </p:txBody>
+      </p:sp>
+      <p:sp>
+        <p:nvSpPr>
+          <p:cNvPr id="6" name="Content Placeholder 5">
+            <a:extLst>
+              <a:ext uri="{FF2B5EF4-FFF2-40B4-BE49-F238E27FC236}">
+                <a16:creationId xmlns:a16="http://schemas.microsoft.com/office/drawing/2014/main" id="{91F35C67-1D78-420B-EEF2-457D06276C74}"/>
+              </a:ext>
+            </a:extLst>
+          </p:cNvPr>
+          <p:cNvSpPr>
+            <a:spLocks noGrp="1"/>
+          </p:cNvSpPr>
+          <p:nvPr>
+            <p:ph sz="quarter" idx="13"/>
+          </p:nvPr>
+        </p:nvSpPr>
+        <p:spPr/>
+        <p:txBody>
+          <a:bodyPr/>
+          <a:lstStyle/>
+          <a:p>
+            <a:r>
+              <a:rPr lang="en-US" dirty="0" err="1"/>
+              <a:t>Opportunity_bullets</a:t>
+            </a:r>
+            <a:endParaRPr lang="en-US" dirty="0"/>
+          </a:p>
+        </p:txBody>
+      </p:sp>
+      <p:sp>
+        <p:nvSpPr>
+          <p:cNvPr id="7" name="Content Placeholder 6">
+            <a:extLst>
+              <a:ext uri="{FF2B5EF4-FFF2-40B4-BE49-F238E27FC236}">
+                <a16:creationId xmlns:a16="http://schemas.microsoft.com/office/drawing/2014/main" id="{9CFC9583-252A-2D3B-56B3-355A0A926163}"/>
+              </a:ext>
+            </a:extLst>
+          </p:cNvPr>
+          <p:cNvSpPr>
+            <a:spLocks noGrp="1"/>
+          </p:cNvSpPr>
+          <p:nvPr>
+            <p:ph sz="quarter" idx="14"/>
+          </p:nvPr>
+        </p:nvSpPr>
+        <p:spPr/>
+        <p:txBody>
+          <a:bodyPr/>
+          <a:lstStyle/>
+          <a:p>
+            <a:r>
+              <a:rPr lang="en-US" dirty="0" err="1"/>
+              <a:t>Threat_bullets</a:t>
+            </a:r>
+            <a:endParaRPr lang="en-US" dirty="0"/>
+          </a:p>
+        </p:txBody>
+      </p:sp>
+      <p:sp>
+        <p:nvSpPr>
+          <p:cNvPr id="8" name="Content Placeholder 7">
+            <a:extLst>
+              <a:ext uri="{FF2B5EF4-FFF2-40B4-BE49-F238E27FC236}">
+                <a16:creationId xmlns:a16="http://schemas.microsoft.com/office/drawing/2014/main" id="{747D33A8-1E40-D8C3-79D3-9F70A38F028B}"/>
+              </a:ext>
+            </a:extLst>
+          </p:cNvPr>
+          <p:cNvSpPr>
+            <a:spLocks noGrp="1"/>
+          </p:cNvSpPr>
+          <p:nvPr>
+            <p:ph sz="quarter" idx="15"/>
+          </p:nvPr>
+        </p:nvSpPr>
+        <p:spPr/>
+        <p:txBody>
+          <a:bodyPr/>
+          <a:lstStyle/>
+          <a:p>
+            <a:r>
+              <a:rPr lang="en-US" dirty="0" err="1"/>
+              <a:t>SWOT_narrative</a:t>
+            </a:r>
+            <a:endParaRPr lang="en-US" dirty="0"/>
+          </a:p>
+        </p:txBody>
+      </p:sp>
+    </p:spTree>
+    <p:extLst>
+      <p:ext uri="{BB962C8B-B14F-4D97-AF65-F5344CB8AC3E}">
+        <p14:creationId xmlns:p14="http://schemas.microsoft.com/office/powerpoint/2010/main" val="2896043348"/>
+      </p:ext>
+    </p:extLst>
+  </p:cSld>
+  <p:clrMapOvr>
+    <a:masterClrMapping/>
+  </p:clrMapOvr>
+  <mc:AlternateContent xmlns:mc="http://schemas.openxmlformats.org/markup-compatibility/2006">
+    <mc:Choice xmlns:p14="http://schemas.microsoft.com/office/powerpoint/2010/main" Requires="p14">
+      <p:transition spd="med" p14:dur="700">
+        <p:fade/>
+      </p:transition>
+    </mc:Choice>
+    <mc:Fallback>
+      <p:transition spd="med">
+        <p:fade/>
+      </p:transition>
+    </mc:Fallback>
+  </mc:AlternateContent>
+</p:sld>
+</file>
+
+<file path=ppt/slides/slide8.xml><?xml version="1.0" encoding="utf-8"?>
+<p:sld xmlns:a="http://schemas.openxmlformats.org/drawingml/2006/main" xmlns:r="http://schemas.openxmlformats.org/officeDocument/2006/relationships" xmlns:p="http://schemas.openxmlformats.org/presentationml/2006/main">
+  <p:cSld>
+    <p:spTree>
+      <p:nvGrpSpPr>
+        <p:cNvPr id="1" name=""/>
+        <p:cNvGrpSpPr/>
+        <p:nvPr/>
+      </p:nvGrpSpPr>
+      <p:grpSpPr>
+        <a:xfrm>
+          <a:off x="0" y="0"/>
+          <a:ext cx="0" cy="0"/>
+          <a:chOff x="0" y="0"/>
+          <a:chExt cx="0" cy="0"/>
+        </a:xfrm>
+      </p:grpSpPr>
+      <p:sp>
+        <p:nvSpPr>
+          <p:cNvPr id="2" name="Text Placeholder 1">
+            <a:extLst>
+              <a:ext uri="{FF2B5EF4-FFF2-40B4-BE49-F238E27FC236}">
+                <a16:creationId xmlns:a16="http://schemas.microsoft.com/office/drawing/2014/main" id="{D38A4D0C-69A8-4C8A-EBA1-12DA6B6E0E05}"/>
+              </a:ext>
+            </a:extLst>
+          </p:cNvPr>
+          <p:cNvSpPr>
+            <a:spLocks noGrp="1"/>
+          </p:cNvSpPr>
+          <p:nvPr>
+            <p:ph type="body" sz="quarter" idx="10"/>
+          </p:nvPr>
+        </p:nvSpPr>
+        <p:spPr/>
+        <p:txBody>
+          <a:bodyPr/>
+          <a:lstStyle/>
+          <a:p>
+            <a:r>
+              <a:rPr lang="en-US" dirty="0" err="1"/>
+              <a:t>Slide_subtitle</a:t>
+            </a:r>
+            <a:endParaRPr lang="en-US" dirty="0"/>
+          </a:p>
+        </p:txBody>
+      </p:sp>
+      <p:sp>
+        <p:nvSpPr>
+          <p:cNvPr id="3" name="Title 2">
+            <a:extLst>
+              <a:ext uri="{FF2B5EF4-FFF2-40B4-BE49-F238E27FC236}">
+                <a16:creationId xmlns:a16="http://schemas.microsoft.com/office/drawing/2014/main" id="{3A84B30E-0060-57A9-C0DA-E8B790120942}"/>
+              </a:ext>
+            </a:extLst>
+          </p:cNvPr>
+          <p:cNvSpPr>
+            <a:spLocks noGrp="1"/>
+          </p:cNvSpPr>
+          <p:nvPr>
+            <p:ph type="title"/>
+          </p:nvPr>
+        </p:nvSpPr>
+        <p:spPr/>
+        <p:txBody>
+          <a:bodyPr/>
+          <a:lstStyle/>
+          <a:p>
+            <a:r>
+              <a:rPr lang="en-US" dirty="0" err="1"/>
+              <a:t>Slide_title</a:t>
+            </a:r>
+            <a:endParaRPr lang="en-US" dirty="0"/>
+          </a:p>
+        </p:txBody>
+      </p:sp>
+      <p:sp>
+        <p:nvSpPr>
+          <p:cNvPr id="4" name="Content Placeholder 3">
+            <a:extLst>
+              <a:ext uri="{FF2B5EF4-FFF2-40B4-BE49-F238E27FC236}">
+                <a16:creationId xmlns:a16="http://schemas.microsoft.com/office/drawing/2014/main" id="{AD191D05-FFC2-F4A5-EEC1-EFCF46D4CC37}"/>
+              </a:ext>
+            </a:extLst>
+          </p:cNvPr>
+          <p:cNvSpPr>
+            <a:spLocks noGrp="1"/>
+          </p:cNvSpPr>
+          <p:nvPr>
+            <p:ph sz="quarter" idx="11"/>
+          </p:nvPr>
+        </p:nvSpPr>
+        <p:spPr/>
+        <p:txBody>
+          <a:bodyPr/>
+          <a:lstStyle/>
+          <a:p>
+            <a:r>
+              <a:rPr lang="en-US" dirty="0" err="1"/>
+              <a:t>Strength_bullets</a:t>
+            </a:r>
+            <a:endParaRPr lang="en-US" dirty="0"/>
+          </a:p>
+        </p:txBody>
+      </p:sp>
+      <p:sp>
+        <p:nvSpPr>
+          <p:cNvPr id="5" name="Content Placeholder 4">
+            <a:extLst>
+              <a:ext uri="{FF2B5EF4-FFF2-40B4-BE49-F238E27FC236}">
+                <a16:creationId xmlns:a16="http://schemas.microsoft.com/office/drawing/2014/main" id="{0A382F7B-1A27-2028-5A4F-D0B4686084A4}"/>
+              </a:ext>
+            </a:extLst>
+          </p:cNvPr>
+          <p:cNvSpPr>
+            <a:spLocks noGrp="1"/>
+          </p:cNvSpPr>
+          <p:nvPr>
+            <p:ph sz="quarter" idx="12"/>
+          </p:nvPr>
+        </p:nvSpPr>
+        <p:spPr/>
+        <p:txBody>
+          <a:bodyPr/>
+          <a:lstStyle/>
+          <a:p>
+            <a:r>
+              <a:rPr lang="en-US" dirty="0" err="1"/>
+              <a:t>Weakness_bullets</a:t>
+            </a:r>
+            <a:endParaRPr lang="en-US" dirty="0"/>
+          </a:p>
+        </p:txBody>
+      </p:sp>
+      <p:sp>
+        <p:nvSpPr>
+          <p:cNvPr id="6" name="Content Placeholder 5">
+            <a:extLst>
+              <a:ext uri="{FF2B5EF4-FFF2-40B4-BE49-F238E27FC236}">
+                <a16:creationId xmlns:a16="http://schemas.microsoft.com/office/drawing/2014/main" id="{91F35C67-1D78-420B-EEF2-457D06276C74}"/>
+              </a:ext>
+            </a:extLst>
+          </p:cNvPr>
+          <p:cNvSpPr>
+            <a:spLocks noGrp="1"/>
+          </p:cNvSpPr>
+          <p:nvPr>
+            <p:ph sz="quarter" idx="13"/>
+          </p:nvPr>
+        </p:nvSpPr>
+        <p:spPr/>
+        <p:txBody>
+          <a:bodyPr/>
+          <a:lstStyle/>
+          <a:p>
+            <a:r>
+              <a:rPr lang="en-US" dirty="0" err="1"/>
+              <a:t>Opportunity_bullets</a:t>
+            </a:r>
+            <a:endParaRPr lang="en-US" dirty="0"/>
+          </a:p>
+        </p:txBody>
+      </p:sp>
+      <p:sp>
+        <p:nvSpPr>
+          <p:cNvPr id="7" name="Content Placeholder 6">
+            <a:extLst>
+              <a:ext uri="{FF2B5EF4-FFF2-40B4-BE49-F238E27FC236}">
+                <a16:creationId xmlns:a16="http://schemas.microsoft.com/office/drawing/2014/main" id="{9CFC9583-252A-2D3B-56B3-355A0A926163}"/>
+              </a:ext>
+            </a:extLst>
+          </p:cNvPr>
+          <p:cNvSpPr>
+            <a:spLocks noGrp="1"/>
+          </p:cNvSpPr>
+          <p:nvPr>
+            <p:ph sz="quarter" idx="14"/>
+          </p:nvPr>
+        </p:nvSpPr>
+        <p:spPr/>
+        <p:txBody>
+          <a:bodyPr/>
+          <a:lstStyle/>
+          <a:p>
+            <a:r>
+              <a:rPr lang="en-US" dirty="0" err="1"/>
+              <a:t>Threat_bullets</a:t>
+            </a:r>
+            <a:endParaRPr lang="en-US" dirty="0"/>
+          </a:p>
+        </p:txBody>
+      </p:sp>
+      <p:sp>
+        <p:nvSpPr>
+          <p:cNvPr id="8" name="Content Placeholder 7">
+            <a:extLst>
+              <a:ext uri="{FF2B5EF4-FFF2-40B4-BE49-F238E27FC236}">
+                <a16:creationId xmlns:a16="http://schemas.microsoft.com/office/drawing/2014/main" id="{747D33A8-1E40-D8C3-79D3-9F70A38F028B}"/>
+              </a:ext>
+            </a:extLst>
+          </p:cNvPr>
+          <p:cNvSpPr>
+            <a:spLocks noGrp="1"/>
+          </p:cNvSpPr>
+          <p:nvPr>
+            <p:ph sz="quarter" idx="15"/>
+          </p:nvPr>
+        </p:nvSpPr>
+        <p:spPr/>
+        <p:txBody>
+          <a:bodyPr/>
+          <a:lstStyle/>
+          <a:p>
+            <a:r>
+              <a:rPr lang="en-US" dirty="0" err="1"/>
+              <a:t>SWOT_narrative</a:t>
+            </a:r>
+            <a:endParaRPr lang="en-US" dirty="0"/>
+          </a:p>
+        </p:txBody>
+      </p:sp>
+    </p:spTree>
+    <p:extLst>
+      <p:ext uri="{BB962C8B-B14F-4D97-AF65-F5344CB8AC3E}">
+        <p14:creationId xmlns:p14="http://schemas.microsoft.com/office/powerpoint/2010/main" val="515503637"/>
+      </p:ext>
+    </p:extLst>
+  </p:cSld>
+  <p:clrMapOvr>
+    <a:masterClrMapping/>
+  </p:clrMapOvr>
+  <mc:AlternateContent xmlns:mc="http://schemas.openxmlformats.org/markup-compatibility/2006">
+    <mc:Choice xmlns:p14="http://schemas.microsoft.com/office/powerpoint/2010/main" Requires="p14">
+      <p:transition spd="med" p14:dur="700">
+        <p:fade/>
+      </p:transition>
+    </mc:Choice>
+    <mc:Fallback>
+      <p:transition spd="med">
+        <p:fade/>
+      </p:transition>
+    </mc:Fallback>
+  </mc:AlternateContent>
+</p:sld>
+</file>
+
+<file path=ppt/slides/slide9.xml><?xml version="1.0" encoding="utf-8"?>
+<p:sld xmlns:a="http://schemas.openxmlformats.org/drawingml/2006/main" xmlns:r="http://schemas.openxmlformats.org/officeDocument/2006/relationships" xmlns:p="http://schemas.openxmlformats.org/presentationml/2006/main">
+  <p:cSld>
+    <p:spTree>
+      <p:nvGrpSpPr>
+        <p:cNvPr id="1" name=""/>
+        <p:cNvGrpSpPr/>
+        <p:nvPr/>
+      </p:nvGrpSpPr>
+      <p:grpSpPr>
+        <a:xfrm>
+          <a:off x="0" y="0"/>
+          <a:ext cx="0" cy="0"/>
+          <a:chOff x="0" y="0"/>
+          <a:chExt cx="0" cy="0"/>
+        </a:xfrm>
+      </p:grpSpPr>
+      <p:sp>
+        <p:nvSpPr>
+          <p:cNvPr id="2" name="Text Placeholder 1">
+            <a:extLst>
+              <a:ext uri="{FF2B5EF4-FFF2-40B4-BE49-F238E27FC236}">
+                <a16:creationId xmlns:a16="http://schemas.microsoft.com/office/drawing/2014/main" id="{D38A4D0C-69A8-4C8A-EBA1-12DA6B6E0E05}"/>
+              </a:ext>
+            </a:extLst>
+          </p:cNvPr>
+          <p:cNvSpPr>
+            <a:spLocks noGrp="1"/>
+          </p:cNvSpPr>
+          <p:nvPr>
+            <p:ph type="body" sz="quarter" idx="10"/>
+          </p:nvPr>
+        </p:nvSpPr>
+        <p:spPr/>
+        <p:txBody>
+          <a:bodyPr/>
+          <a:lstStyle/>
+          <a:p>
+            <a:r>
+              <a:rPr lang="en-US" dirty="0" err="1"/>
+              <a:t>Slide_subtitle</a:t>
+            </a:r>
+            <a:endParaRPr lang="en-US" dirty="0"/>
+          </a:p>
+        </p:txBody>
+      </p:sp>
+      <p:sp>
+        <p:nvSpPr>
+          <p:cNvPr id="3" name="Title 2">
+            <a:extLst>
+              <a:ext uri="{FF2B5EF4-FFF2-40B4-BE49-F238E27FC236}">
+                <a16:creationId xmlns:a16="http://schemas.microsoft.com/office/drawing/2014/main" id="{3A84B30E-0060-57A9-C0DA-E8B790120942}"/>
+              </a:ext>
+            </a:extLst>
+          </p:cNvPr>
+          <p:cNvSpPr>
+            <a:spLocks noGrp="1"/>
+          </p:cNvSpPr>
+          <p:nvPr>
+            <p:ph type="title"/>
+          </p:nvPr>
+        </p:nvSpPr>
+        <p:spPr/>
+        <p:txBody>
+          <a:bodyPr/>
+          <a:lstStyle/>
+          <a:p>
+            <a:r>
+              <a:rPr lang="en-US" dirty="0" err="1"/>
+              <a:t>Slide_title</a:t>
+            </a:r>
+            <a:endParaRPr lang="en-US" dirty="0"/>
+          </a:p>
+        </p:txBody>
+      </p:sp>
+      <p:sp>
+        <p:nvSpPr>
+          <p:cNvPr id="4" name="Content Placeholder 3">
+            <a:extLst>
+              <a:ext uri="{FF2B5EF4-FFF2-40B4-BE49-F238E27FC236}">
+                <a16:creationId xmlns:a16="http://schemas.microsoft.com/office/drawing/2014/main" id="{AD191D05-FFC2-F4A5-EEC1-EFCF46D4CC37}"/>
+              </a:ext>
+            </a:extLst>
+          </p:cNvPr>
+          <p:cNvSpPr>
+            <a:spLocks noGrp="1"/>
+          </p:cNvSpPr>
+          <p:nvPr>
+            <p:ph sz="quarter" idx="11"/>
+          </p:nvPr>
+        </p:nvSpPr>
+        <p:spPr/>
+        <p:txBody>
+          <a:bodyPr/>
+          <a:lstStyle/>
+          <a:p>
+            <a:r>
+              <a:rPr lang="en-US" dirty="0" err="1"/>
+              <a:t>Strength_bullets</a:t>
+            </a:r>
+            <a:endParaRPr lang="en-US" dirty="0"/>
+          </a:p>
+        </p:txBody>
+      </p:sp>
+      <p:sp>
+        <p:nvSpPr>
+          <p:cNvPr id="5" name="Content Placeholder 4">
+            <a:extLst>
+              <a:ext uri="{FF2B5EF4-FFF2-40B4-BE49-F238E27FC236}">
+                <a16:creationId xmlns:a16="http://schemas.microsoft.com/office/drawing/2014/main" id="{0A382F7B-1A27-2028-5A4F-D0B4686084A4}"/>
+              </a:ext>
+            </a:extLst>
+          </p:cNvPr>
+          <p:cNvSpPr>
+            <a:spLocks noGrp="1"/>
+          </p:cNvSpPr>
+          <p:nvPr>
+            <p:ph sz="quarter" idx="12"/>
+          </p:nvPr>
+        </p:nvSpPr>
+        <p:spPr/>
+        <p:txBody>
+          <a:bodyPr/>
+          <a:lstStyle/>
+          <a:p>
+            <a:r>
+              <a:rPr lang="en-US" dirty="0" err="1"/>
+              <a:t>Weakness_bullets</a:t>
+            </a:r>
+            <a:endParaRPr lang="en-US" dirty="0"/>
+          </a:p>
+        </p:txBody>
+      </p:sp>
+      <p:sp>
+        <p:nvSpPr>
+          <p:cNvPr id="6" name="Content Placeholder 5">
+            <a:extLst>
+              <a:ext uri="{FF2B5EF4-FFF2-40B4-BE49-F238E27FC236}">
+                <a16:creationId xmlns:a16="http://schemas.microsoft.com/office/drawing/2014/main" id="{91F35C67-1D78-420B-EEF2-457D06276C74}"/>
+              </a:ext>
+            </a:extLst>
+          </p:cNvPr>
+          <p:cNvSpPr>
+            <a:spLocks noGrp="1"/>
+          </p:cNvSpPr>
+          <p:nvPr>
+            <p:ph sz="quarter" idx="13"/>
+          </p:nvPr>
+        </p:nvSpPr>
+        <p:spPr/>
+        <p:txBody>
+          <a:bodyPr/>
+          <a:lstStyle/>
+          <a:p>
+            <a:r>
+              <a:rPr lang="en-US" dirty="0" err="1"/>
+              <a:t>Opportunity_bullets</a:t>
+            </a:r>
+            <a:endParaRPr lang="en-US" dirty="0"/>
+          </a:p>
+        </p:txBody>
+      </p:sp>
+      <p:sp>
+        <p:nvSpPr>
+          <p:cNvPr id="7" name="Content Placeholder 6">
+            <a:extLst>
+              <a:ext uri="{FF2B5EF4-FFF2-40B4-BE49-F238E27FC236}">
+                <a16:creationId xmlns:a16="http://schemas.microsoft.com/office/drawing/2014/main" id="{9CFC9583-252A-2D3B-56B3-355A0A926163}"/>
+              </a:ext>
+            </a:extLst>
+          </p:cNvPr>
+          <p:cNvSpPr>
+            <a:spLocks noGrp="1"/>
+          </p:cNvSpPr>
+          <p:nvPr>
+            <p:ph sz="quarter" idx="14"/>
+          </p:nvPr>
+        </p:nvSpPr>
+        <p:spPr/>
+        <p:txBody>
+          <a:bodyPr/>
+          <a:lstStyle/>
+          <a:p>
+            <a:r>
+              <a:rPr lang="en-US" dirty="0" err="1"/>
+              <a:t>Threat_bullets</a:t>
+            </a:r>
+            <a:endParaRPr lang="en-US" dirty="0"/>
+          </a:p>
+        </p:txBody>
+      </p:sp>
+      <p:sp>
+        <p:nvSpPr>
+          <p:cNvPr id="8" name="Content Placeholder 7">
+            <a:extLst>
+              <a:ext uri="{FF2B5EF4-FFF2-40B4-BE49-F238E27FC236}">
+                <a16:creationId xmlns:a16="http://schemas.microsoft.com/office/drawing/2014/main" id="{747D33A8-1E40-D8C3-79D3-9F70A38F028B}"/>
+              </a:ext>
+            </a:extLst>
+          </p:cNvPr>
+          <p:cNvSpPr>
+            <a:spLocks noGrp="1"/>
+          </p:cNvSpPr>
+          <p:nvPr>
+            <p:ph sz="quarter" idx="15"/>
+          </p:nvPr>
+        </p:nvSpPr>
+        <p:spPr/>
+        <p:txBody>
+          <a:bodyPr/>
+          <a:lstStyle/>
+          <a:p>
+            <a:r>
+              <a:rPr lang="en-US" dirty="0" err="1"/>
+              <a:t>SWOT_narrative</a:t>
+            </a:r>
+            <a:endParaRPr lang="en-US" dirty="0"/>
+          </a:p>
+        </p:txBody>
+      </p:sp>
+    </p:spTree>
+    <p:extLst>
+      <p:ext uri="{BB962C8B-B14F-4D97-AF65-F5344CB8AC3E}">
+        <p14:creationId xmlns:p14="http://schemas.microsoft.com/office/powerpoint/2010/main" val="633715753"/>
+      </p:ext>
+    </p:extLst>
+  </p:cSld>
+  <p:clrMapOvr>
+    <a:masterClrMapping/>
+  </p:clrMapOvr>
+  <mc:AlternateContent xmlns:mc="http://schemas.openxmlformats.org/markup-compatibility/2006">
+    <mc:Choice xmlns:p14="http://schemas.microsoft.com/office/powerpoint/2010/main" Requires="p14">
+      <p:transition spd="med" p14:dur="700">
+        <p:fade/>
+      </p:transition>
+    </mc:Choice>
+    <mc:Fallback>
       <p:transition spd="med">
         <p:fade/>
       </p:transition>
@@ -3079,12 +6184,14 @@
 </file>
 
 <file path=customXml/item1.xml><?xml version="1.0" encoding="utf-8"?>
-<?mso-contentType ?>
-<FormTemplates xmlns="http://schemas.microsoft.com/sharepoint/v3/contenttype/forms">
-  <Display>DocumentLibraryForm</Display>
-  <Edit>DocumentLibraryForm</Edit>
-  <New>DocumentLibraryForm</New>
-</FormTemplates>
+<p:properties xmlns:p="http://schemas.microsoft.com/office/2006/metadata/properties" xmlns:xsi="http://www.w3.org/2001/XMLSchema-instance" xmlns:pc="http://schemas.microsoft.com/office/infopath/2007/PartnerControls">
+  <documentManagement>
+    <TaxCatchAll xmlns="9bea065c-4598-471b-a0d8-b208471d6a41" xsi:nil="true"/>
+    <lcf76f155ced4ddcb4097134ff3c332f xmlns="737cdb0d-9f15-48ec-9529-975a91239bb1">
+      <Terms xmlns="http://schemas.microsoft.com/office/infopath/2007/PartnerControls"/>
+    </lcf76f155ced4ddcb4097134ff3c332f>
+  </documentManagement>
+</p:properties>
 </file>
 
 <file path=customXml/item2.xml><?xml version="1.0" encoding="utf-8"?>
@@ -3323,20 +6430,27 @@
 </file>
 
 <file path=customXml/item3.xml><?xml version="1.0" encoding="utf-8"?>
-<p:properties xmlns:p="http://schemas.microsoft.com/office/2006/metadata/properties" xmlns:xsi="http://www.w3.org/2001/XMLSchema-instance" xmlns:pc="http://schemas.microsoft.com/office/infopath/2007/PartnerControls">
-  <documentManagement>
-    <TaxCatchAll xmlns="9bea065c-4598-471b-a0d8-b208471d6a41" xsi:nil="true"/>
-    <lcf76f155ced4ddcb4097134ff3c332f xmlns="737cdb0d-9f15-48ec-9529-975a91239bb1">
-      <Terms xmlns="http://schemas.microsoft.com/office/infopath/2007/PartnerControls"/>
-    </lcf76f155ced4ddcb4097134ff3c332f>
-  </documentManagement>
-</p:properties>
+<?mso-contentType ?>
+<FormTemplates xmlns="http://schemas.microsoft.com/sharepoint/v3/contenttype/forms">
+  <Display>DocumentLibraryForm</Display>
+  <Edit>DocumentLibraryForm</Edit>
+  <New>DocumentLibraryForm</New>
+</FormTemplates>
 </file>
 
 <file path=customXml/itemProps1.xml><?xml version="1.0" encoding="utf-8"?>
-<ds:datastoreItem xmlns:ds="http://schemas.openxmlformats.org/officeDocument/2006/customXml" ds:itemID="{3BB299B6-1159-4940-B296-E198453C8E80}">
+<ds:datastoreItem xmlns:ds="http://schemas.openxmlformats.org/officeDocument/2006/customXml" ds:itemID="{9674E985-4D59-45AB-8970-AD8E2C92CE21}">
   <ds:schemaRefs>
-    <ds:schemaRef ds:uri="http://schemas.microsoft.com/sharepoint/v3/contenttype/forms"/>
+    <ds:schemaRef ds:uri="http://schemas.openxmlformats.org/package/2006/metadata/core-properties"/>
+    <ds:schemaRef ds:uri="http://www.w3.org/XML/1998/namespace"/>
+    <ds:schemaRef ds:uri="http://schemas.microsoft.com/office/2006/documentManagement/types"/>
+    <ds:schemaRef ds:uri="http://purl.org/dc/dcmitype/"/>
+    <ds:schemaRef ds:uri="http://schemas.microsoft.com/office/infopath/2007/PartnerControls"/>
+    <ds:schemaRef ds:uri="http://purl.org/dc/terms/"/>
+    <ds:schemaRef ds:uri="http://purl.org/dc/elements/1.1/"/>
+    <ds:schemaRef ds:uri="9bea065c-4598-471b-a0d8-b208471d6a41"/>
+    <ds:schemaRef ds:uri="737cdb0d-9f15-48ec-9529-975a91239bb1"/>
+    <ds:schemaRef ds:uri="http://schemas.microsoft.com/office/2006/metadata/properties"/>
   </ds:schemaRefs>
 </ds:datastoreItem>
 </file>
@@ -3361,18 +6475,9 @@
 </file>
 
 <file path=customXml/itemProps3.xml><?xml version="1.0" encoding="utf-8"?>
-<ds:datastoreItem xmlns:ds="http://schemas.openxmlformats.org/officeDocument/2006/customXml" ds:itemID="{9674E985-4D59-45AB-8970-AD8E2C92CE21}">
+<ds:datastoreItem xmlns:ds="http://schemas.openxmlformats.org/officeDocument/2006/customXml" ds:itemID="{3BB299B6-1159-4940-B296-E198453C8E80}">
   <ds:schemaRefs>
-    <ds:schemaRef ds:uri="http://schemas.openxmlformats.org/package/2006/metadata/core-properties"/>
-    <ds:schemaRef ds:uri="http://www.w3.org/XML/1998/namespace"/>
-    <ds:schemaRef ds:uri="http://schemas.microsoft.com/office/2006/documentManagement/types"/>
-    <ds:schemaRef ds:uri="http://purl.org/dc/dcmitype/"/>
-    <ds:schemaRef ds:uri="http://schemas.microsoft.com/office/infopath/2007/PartnerControls"/>
-    <ds:schemaRef ds:uri="http://purl.org/dc/terms/"/>
-    <ds:schemaRef ds:uri="http://purl.org/dc/elements/1.1/"/>
-    <ds:schemaRef ds:uri="9bea065c-4598-471b-a0d8-b208471d6a41"/>
-    <ds:schemaRef ds:uri="737cdb0d-9f15-48ec-9529-975a91239bb1"/>
-    <ds:schemaRef ds:uri="http://schemas.microsoft.com/office/2006/metadata/properties"/>
+    <ds:schemaRef ds:uri="http://schemas.microsoft.com/sharepoint/v3/contenttype/forms"/>
   </ds:schemaRefs>
 </ds:datastoreItem>
 </file>
--- a/SWOT_template.pptx
+++ b/SWOT_template.pptx
@@ -662,7 +662,7 @@
     </p:spTree>
     <p:extLst>
       <p:ext uri="{BB962C8B-B14F-4D97-AF65-F5344CB8AC3E}">
-        <p14:creationId xmlns:p14="http://schemas.microsoft.com/office/powerpoint/2010/main" val="1440830517"/>
+        <p14:creationId xmlns:p14="http://schemas.microsoft.com/office/powerpoint/2010/main" val="163743052"/>
       </p:ext>
     </p:extLst>
   </p:cSld>
@@ -761,7 +761,7 @@
     </p:spTree>
     <p:extLst>
       <p:ext uri="{BB962C8B-B14F-4D97-AF65-F5344CB8AC3E}">
-        <p14:creationId xmlns:p14="http://schemas.microsoft.com/office/powerpoint/2010/main" val="1076395790"/>
+        <p14:creationId xmlns:p14="http://schemas.microsoft.com/office/powerpoint/2010/main" val="844163437"/>
       </p:ext>
     </p:extLst>
   </p:cSld>
@@ -860,7 +860,7 @@
     </p:spTree>
     <p:extLst>
       <p:ext uri="{BB962C8B-B14F-4D97-AF65-F5344CB8AC3E}">
-        <p14:creationId xmlns:p14="http://schemas.microsoft.com/office/powerpoint/2010/main" val="1357551793"/>
+        <p14:creationId xmlns:p14="http://schemas.microsoft.com/office/powerpoint/2010/main" val="477994806"/>
       </p:ext>
     </p:extLst>
   </p:cSld>
@@ -959,7 +959,7 @@
     </p:spTree>
     <p:extLst>
       <p:ext uri="{BB962C8B-B14F-4D97-AF65-F5344CB8AC3E}">
-        <p14:creationId xmlns:p14="http://schemas.microsoft.com/office/powerpoint/2010/main" val="1733253991"/>
+        <p14:creationId xmlns:p14="http://schemas.microsoft.com/office/powerpoint/2010/main" val="956269550"/>
       </p:ext>
     </p:extLst>
   </p:cSld>
@@ -1058,7 +1058,7 @@
     </p:spTree>
     <p:extLst>
       <p:ext uri="{BB962C8B-B14F-4D97-AF65-F5344CB8AC3E}">
-        <p14:creationId xmlns:p14="http://schemas.microsoft.com/office/powerpoint/2010/main" val="2241916729"/>
+        <p14:creationId xmlns:p14="http://schemas.microsoft.com/office/powerpoint/2010/main" val="4087582165"/>
       </p:ext>
     </p:extLst>
   </p:cSld>
@@ -1157,7 +1157,7 @@
     </p:spTree>
     <p:extLst>
       <p:ext uri="{BB962C8B-B14F-4D97-AF65-F5344CB8AC3E}">
-        <p14:creationId xmlns:p14="http://schemas.microsoft.com/office/powerpoint/2010/main" val="1319705965"/>
+        <p14:creationId xmlns:p14="http://schemas.microsoft.com/office/powerpoint/2010/main" val="101290816"/>
       </p:ext>
     </p:extLst>
   </p:cSld>
@@ -1256,7 +1256,7 @@
     </p:spTree>
     <p:extLst>
       <p:ext uri="{BB962C8B-B14F-4D97-AF65-F5344CB8AC3E}">
-        <p14:creationId xmlns:p14="http://schemas.microsoft.com/office/powerpoint/2010/main" val="4129822181"/>
+        <p14:creationId xmlns:p14="http://schemas.microsoft.com/office/powerpoint/2010/main" val="1258240782"/>
       </p:ext>
     </p:extLst>
   </p:cSld>
@@ -1355,7 +1355,7 @@
     </p:spTree>
     <p:extLst>
       <p:ext uri="{BB962C8B-B14F-4D97-AF65-F5344CB8AC3E}">
-        <p14:creationId xmlns:p14="http://schemas.microsoft.com/office/powerpoint/2010/main" val="1649674665"/>
+        <p14:creationId xmlns:p14="http://schemas.microsoft.com/office/powerpoint/2010/main" val="2201888173"/>
       </p:ext>
     </p:extLst>
   </p:cSld>
@@ -1454,7 +1454,7 @@
     </p:spTree>
     <p:extLst>
       <p:ext uri="{BB962C8B-B14F-4D97-AF65-F5344CB8AC3E}">
-        <p14:creationId xmlns:p14="http://schemas.microsoft.com/office/powerpoint/2010/main" val="2808830359"/>
+        <p14:creationId xmlns:p14="http://schemas.microsoft.com/office/powerpoint/2010/main" val="3340844722"/>
       </p:ext>
     </p:extLst>
   </p:cSld>
@@ -2146,7 +2146,7 @@
         </p:nvSpPr>
         <p:spPr>
           <a:xfrm>
-            <a:off x="705677" y="1373188"/>
+            <a:off x="705677" y="1174408"/>
             <a:ext cx="2544419" cy="2433499"/>
           </a:xfrm>
         </p:spPr>
@@ -2184,7 +2184,7 @@
         </p:nvSpPr>
         <p:spPr>
           <a:xfrm>
-            <a:off x="3405675" y="1373188"/>
+            <a:off x="3405675" y="1174408"/>
             <a:ext cx="2544419" cy="2433499"/>
           </a:xfrm>
         </p:spPr>
@@ -2222,7 +2222,7 @@
         </p:nvSpPr>
         <p:spPr>
           <a:xfrm>
-            <a:off x="705677" y="4091188"/>
+            <a:off x="705677" y="3892408"/>
             <a:ext cx="2544419" cy="2433499"/>
           </a:xfrm>
         </p:spPr>
@@ -2260,7 +2260,7 @@
         </p:nvSpPr>
         <p:spPr>
           <a:xfrm>
-            <a:off x="3405675" y="4091188"/>
+            <a:off x="3405675" y="3892408"/>
             <a:ext cx="2544419" cy="2433499"/>
           </a:xfrm>
         </p:spPr>
@@ -3525,7 +3525,7 @@
     </p:spTree>
     <p:extLst>
       <p:ext uri="{BB962C8B-B14F-4D97-AF65-F5344CB8AC3E}">
-        <p14:creationId xmlns:p14="http://schemas.microsoft.com/office/powerpoint/2010/main" val="2695691680"/>
+        <p14:creationId xmlns:p14="http://schemas.microsoft.com/office/powerpoint/2010/main" val="2546053104"/>
       </p:ext>
     </p:extLst>
   </p:cSld>
@@ -3770,7 +3770,7 @@
     </p:spTree>
     <p:extLst>
       <p:ext uri="{BB962C8B-B14F-4D97-AF65-F5344CB8AC3E}">
-        <p14:creationId xmlns:p14="http://schemas.microsoft.com/office/powerpoint/2010/main" val="2779426574"/>
+        <p14:creationId xmlns:p14="http://schemas.microsoft.com/office/powerpoint/2010/main" val="2360520875"/>
       </p:ext>
     </p:extLst>
   </p:cSld>
@@ -4015,7 +4015,7 @@
     </p:spTree>
     <p:extLst>
       <p:ext uri="{BB962C8B-B14F-4D97-AF65-F5344CB8AC3E}">
-        <p14:creationId xmlns:p14="http://schemas.microsoft.com/office/powerpoint/2010/main" val="131049439"/>
+        <p14:creationId xmlns:p14="http://schemas.microsoft.com/office/powerpoint/2010/main" val="1696932425"/>
       </p:ext>
     </p:extLst>
   </p:cSld>
@@ -4260,7 +4260,7 @@
     </p:spTree>
     <p:extLst>
       <p:ext uri="{BB962C8B-B14F-4D97-AF65-F5344CB8AC3E}">
-        <p14:creationId xmlns:p14="http://schemas.microsoft.com/office/powerpoint/2010/main" val="1105880017"/>
+        <p14:creationId xmlns:p14="http://schemas.microsoft.com/office/powerpoint/2010/main" val="1495659281"/>
       </p:ext>
     </p:extLst>
   </p:cSld>
@@ -4505,7 +4505,7 @@
     </p:spTree>
     <p:extLst>
       <p:ext uri="{BB962C8B-B14F-4D97-AF65-F5344CB8AC3E}">
-        <p14:creationId xmlns:p14="http://schemas.microsoft.com/office/powerpoint/2010/main" val="618068210"/>
+        <p14:creationId xmlns:p14="http://schemas.microsoft.com/office/powerpoint/2010/main" val="563040602"/>
       </p:ext>
     </p:extLst>
   </p:cSld>
@@ -4750,7 +4750,7 @@
     </p:spTree>
     <p:extLst>
       <p:ext uri="{BB962C8B-B14F-4D97-AF65-F5344CB8AC3E}">
-        <p14:creationId xmlns:p14="http://schemas.microsoft.com/office/powerpoint/2010/main" val="2570928028"/>
+        <p14:creationId xmlns:p14="http://schemas.microsoft.com/office/powerpoint/2010/main" val="492107228"/>
       </p:ext>
     </p:extLst>
   </p:cSld>
@@ -4995,7 +4995,7 @@
     </p:spTree>
     <p:extLst>
       <p:ext uri="{BB962C8B-B14F-4D97-AF65-F5344CB8AC3E}">
-        <p14:creationId xmlns:p14="http://schemas.microsoft.com/office/powerpoint/2010/main" val="2896043348"/>
+        <p14:creationId xmlns:p14="http://schemas.microsoft.com/office/powerpoint/2010/main" val="3596780476"/>
       </p:ext>
     </p:extLst>
   </p:cSld>
@@ -5240,7 +5240,7 @@
     </p:spTree>
     <p:extLst>
       <p:ext uri="{BB962C8B-B14F-4D97-AF65-F5344CB8AC3E}">
-        <p14:creationId xmlns:p14="http://schemas.microsoft.com/office/powerpoint/2010/main" val="515503637"/>
+        <p14:creationId xmlns:p14="http://schemas.microsoft.com/office/powerpoint/2010/main" val="1746531864"/>
       </p:ext>
     </p:extLst>
   </p:cSld>
@@ -5485,7 +5485,7 @@
     </p:spTree>
     <p:extLst>
       <p:ext uri="{BB962C8B-B14F-4D97-AF65-F5344CB8AC3E}">
-        <p14:creationId xmlns:p14="http://schemas.microsoft.com/office/powerpoint/2010/main" val="633715753"/>
+        <p14:creationId xmlns:p14="http://schemas.microsoft.com/office/powerpoint/2010/main" val="1832174183"/>
       </p:ext>
     </p:extLst>
   </p:cSld>
@@ -6184,17 +6184,6 @@
 </file>
 
 <file path=customXml/item1.xml><?xml version="1.0" encoding="utf-8"?>
-<p:properties xmlns:p="http://schemas.microsoft.com/office/2006/metadata/properties" xmlns:xsi="http://www.w3.org/2001/XMLSchema-instance" xmlns:pc="http://schemas.microsoft.com/office/infopath/2007/PartnerControls">
-  <documentManagement>
-    <TaxCatchAll xmlns="9bea065c-4598-471b-a0d8-b208471d6a41" xsi:nil="true"/>
-    <lcf76f155ced4ddcb4097134ff3c332f xmlns="737cdb0d-9f15-48ec-9529-975a91239bb1">
-      <Terms xmlns="http://schemas.microsoft.com/office/infopath/2007/PartnerControls"/>
-    </lcf76f155ced4ddcb4097134ff3c332f>
-  </documentManagement>
-</p:properties>
-</file>
-
-<file path=customXml/item2.xml><?xml version="1.0" encoding="utf-8"?>
 <ct:contentTypeSchema xmlns:ct="http://schemas.microsoft.com/office/2006/metadata/contentType" xmlns:ma="http://schemas.microsoft.com/office/2006/metadata/properties/metaAttributes" ct:_="" ma:_="" ma:contentTypeName="Document" ma:contentTypeID="0x010100A2CD2B7DD7D5E348A4B5B847AD49C1E4" ma:contentTypeVersion="15" ma:contentTypeDescription="Create a new document." ma:contentTypeScope="" ma:versionID="8e0e392dcf65750e3ad704a59f705fb3">
   <xsd:schema xmlns:xsd="http://www.w3.org/2001/XMLSchema" xmlns:xs="http://www.w3.org/2001/XMLSchema" xmlns:p="http://schemas.microsoft.com/office/2006/metadata/properties" xmlns:ns2="737cdb0d-9f15-48ec-9529-975a91239bb1" xmlns:ns3="9bea065c-4598-471b-a0d8-b208471d6a41" targetNamespace="http://schemas.microsoft.com/office/2006/metadata/properties" ma:root="true" ma:fieldsID="16d7d9ff6e2e2d483fddd166083c89fa" ns2:_="" ns3:_="">
     <xsd:import namespace="737cdb0d-9f15-48ec-9529-975a91239bb1"/>
@@ -6429,6 +6418,17 @@
 </ct:contentTypeSchema>
 </file>
 
+<file path=customXml/item2.xml><?xml version="1.0" encoding="utf-8"?>
+<p:properties xmlns:p="http://schemas.microsoft.com/office/2006/metadata/properties" xmlns:xsi="http://www.w3.org/2001/XMLSchema-instance" xmlns:pc="http://schemas.microsoft.com/office/infopath/2007/PartnerControls">
+  <documentManagement>
+    <TaxCatchAll xmlns="9bea065c-4598-471b-a0d8-b208471d6a41" xsi:nil="true"/>
+    <lcf76f155ced4ddcb4097134ff3c332f xmlns="737cdb0d-9f15-48ec-9529-975a91239bb1">
+      <Terms xmlns="http://schemas.microsoft.com/office/infopath/2007/PartnerControls"/>
+    </lcf76f155ced4ddcb4097134ff3c332f>
+  </documentManagement>
+</p:properties>
+</file>
+
 <file path=customXml/item3.xml><?xml version="1.0" encoding="utf-8"?>
 <?mso-contentType ?>
 <FormTemplates xmlns="http://schemas.microsoft.com/sharepoint/v3/contenttype/forms">
@@ -6439,23 +6439,6 @@
 </file>
 
 <file path=customXml/itemProps1.xml><?xml version="1.0" encoding="utf-8"?>
-<ds:datastoreItem xmlns:ds="http://schemas.openxmlformats.org/officeDocument/2006/customXml" ds:itemID="{9674E985-4D59-45AB-8970-AD8E2C92CE21}">
-  <ds:schemaRefs>
-    <ds:schemaRef ds:uri="http://schemas.openxmlformats.org/package/2006/metadata/core-properties"/>
-    <ds:schemaRef ds:uri="http://www.w3.org/XML/1998/namespace"/>
-    <ds:schemaRef ds:uri="http://schemas.microsoft.com/office/2006/documentManagement/types"/>
-    <ds:schemaRef ds:uri="http://purl.org/dc/dcmitype/"/>
-    <ds:schemaRef ds:uri="http://schemas.microsoft.com/office/infopath/2007/PartnerControls"/>
-    <ds:schemaRef ds:uri="http://purl.org/dc/terms/"/>
-    <ds:schemaRef ds:uri="http://purl.org/dc/elements/1.1/"/>
-    <ds:schemaRef ds:uri="9bea065c-4598-471b-a0d8-b208471d6a41"/>
-    <ds:schemaRef ds:uri="737cdb0d-9f15-48ec-9529-975a91239bb1"/>
-    <ds:schemaRef ds:uri="http://schemas.microsoft.com/office/2006/metadata/properties"/>
-  </ds:schemaRefs>
-</ds:datastoreItem>
-</file>
-
-<file path=customXml/itemProps2.xml><?xml version="1.0" encoding="utf-8"?>
 <ds:datastoreItem xmlns:ds="http://schemas.openxmlformats.org/officeDocument/2006/customXml" ds:itemID="{C4D443D4-D2BB-47D9-93BA-F264F5B47780}">
   <ds:schemaRefs>
     <ds:schemaRef ds:uri="737cdb0d-9f15-48ec-9529-975a91239bb1"/>
@@ -6474,6 +6457,23 @@
 </ds:datastoreItem>
 </file>
 
+<file path=customXml/itemProps2.xml><?xml version="1.0" encoding="utf-8"?>
+<ds:datastoreItem xmlns:ds="http://schemas.openxmlformats.org/officeDocument/2006/customXml" ds:itemID="{9674E985-4D59-45AB-8970-AD8E2C92CE21}">
+  <ds:schemaRefs>
+    <ds:schemaRef ds:uri="http://schemas.openxmlformats.org/package/2006/metadata/core-properties"/>
+    <ds:schemaRef ds:uri="http://www.w3.org/XML/1998/namespace"/>
+    <ds:schemaRef ds:uri="http://schemas.microsoft.com/office/2006/documentManagement/types"/>
+    <ds:schemaRef ds:uri="http://purl.org/dc/dcmitype/"/>
+    <ds:schemaRef ds:uri="http://schemas.microsoft.com/office/infopath/2007/PartnerControls"/>
+    <ds:schemaRef ds:uri="http://purl.org/dc/terms/"/>
+    <ds:schemaRef ds:uri="http://purl.org/dc/elements/1.1/"/>
+    <ds:schemaRef ds:uri="9bea065c-4598-471b-a0d8-b208471d6a41"/>
+    <ds:schemaRef ds:uri="737cdb0d-9f15-48ec-9529-975a91239bb1"/>
+    <ds:schemaRef ds:uri="http://schemas.microsoft.com/office/2006/metadata/properties"/>
+  </ds:schemaRefs>
+</ds:datastoreItem>
+</file>
+
 <file path=customXml/itemProps3.xml><?xml version="1.0" encoding="utf-8"?>
 <ds:datastoreItem xmlns:ds="http://schemas.openxmlformats.org/officeDocument/2006/customXml" ds:itemID="{3BB299B6-1159-4940-B296-E198453C8E80}">
   <ds:schemaRefs>

--- a/SWOT_template.pptx
+++ b/SWOT_template.pptx
@@ -662,7 +662,7 @@
     </p:spTree>
     <p:extLst>
       <p:ext uri="{BB962C8B-B14F-4D97-AF65-F5344CB8AC3E}">
-        <p14:creationId xmlns:p14="http://schemas.microsoft.com/office/powerpoint/2010/main" val="163743052"/>
+        <p14:creationId xmlns:p14="http://schemas.microsoft.com/office/powerpoint/2010/main" val="1600006714"/>
       </p:ext>
     </p:extLst>
   </p:cSld>
@@ -761,7 +761,7 @@
     </p:spTree>
     <p:extLst>
       <p:ext uri="{BB962C8B-B14F-4D97-AF65-F5344CB8AC3E}">
-        <p14:creationId xmlns:p14="http://schemas.microsoft.com/office/powerpoint/2010/main" val="844163437"/>
+        <p14:creationId xmlns:p14="http://schemas.microsoft.com/office/powerpoint/2010/main" val="4007306168"/>
       </p:ext>
     </p:extLst>
   </p:cSld>
@@ -860,7 +860,7 @@
     </p:spTree>
     <p:extLst>
       <p:ext uri="{BB962C8B-B14F-4D97-AF65-F5344CB8AC3E}">
-        <p14:creationId xmlns:p14="http://schemas.microsoft.com/office/powerpoint/2010/main" val="477994806"/>
+        <p14:creationId xmlns:p14="http://schemas.microsoft.com/office/powerpoint/2010/main" val="3362333672"/>
       </p:ext>
     </p:extLst>
   </p:cSld>
@@ -959,7 +959,7 @@
     </p:spTree>
     <p:extLst>
       <p:ext uri="{BB962C8B-B14F-4D97-AF65-F5344CB8AC3E}">
-        <p14:creationId xmlns:p14="http://schemas.microsoft.com/office/powerpoint/2010/main" val="956269550"/>
+        <p14:creationId xmlns:p14="http://schemas.microsoft.com/office/powerpoint/2010/main" val="4107579207"/>
       </p:ext>
     </p:extLst>
   </p:cSld>
@@ -1058,7 +1058,7 @@
     </p:spTree>
     <p:extLst>
       <p:ext uri="{BB962C8B-B14F-4D97-AF65-F5344CB8AC3E}">
-        <p14:creationId xmlns:p14="http://schemas.microsoft.com/office/powerpoint/2010/main" val="4087582165"/>
+        <p14:creationId xmlns:p14="http://schemas.microsoft.com/office/powerpoint/2010/main" val="799267653"/>
       </p:ext>
     </p:extLst>
   </p:cSld>
@@ -1157,7 +1157,7 @@
     </p:spTree>
     <p:extLst>
       <p:ext uri="{BB962C8B-B14F-4D97-AF65-F5344CB8AC3E}">
-        <p14:creationId xmlns:p14="http://schemas.microsoft.com/office/powerpoint/2010/main" val="101290816"/>
+        <p14:creationId xmlns:p14="http://schemas.microsoft.com/office/powerpoint/2010/main" val="476363815"/>
       </p:ext>
     </p:extLst>
   </p:cSld>
@@ -1256,7 +1256,7 @@
     </p:spTree>
     <p:extLst>
       <p:ext uri="{BB962C8B-B14F-4D97-AF65-F5344CB8AC3E}">
-        <p14:creationId xmlns:p14="http://schemas.microsoft.com/office/powerpoint/2010/main" val="1258240782"/>
+        <p14:creationId xmlns:p14="http://schemas.microsoft.com/office/powerpoint/2010/main" val="2465299431"/>
       </p:ext>
     </p:extLst>
   </p:cSld>
@@ -1355,7 +1355,7 @@
     </p:spTree>
     <p:extLst>
       <p:ext uri="{BB962C8B-B14F-4D97-AF65-F5344CB8AC3E}">
-        <p14:creationId xmlns:p14="http://schemas.microsoft.com/office/powerpoint/2010/main" val="2201888173"/>
+        <p14:creationId xmlns:p14="http://schemas.microsoft.com/office/powerpoint/2010/main" val="2075081286"/>
       </p:ext>
     </p:extLst>
   </p:cSld>
@@ -1454,7 +1454,7 @@
     </p:spTree>
     <p:extLst>
       <p:ext uri="{BB962C8B-B14F-4D97-AF65-F5344CB8AC3E}">
-        <p14:creationId xmlns:p14="http://schemas.microsoft.com/office/powerpoint/2010/main" val="3340844722"/>
+        <p14:creationId xmlns:p14="http://schemas.microsoft.com/office/powerpoint/2010/main" val="638253724"/>
       </p:ext>
     </p:extLst>
   </p:cSld>
@@ -2146,7 +2146,7 @@
         </p:nvSpPr>
         <p:spPr>
           <a:xfrm>
-            <a:off x="705677" y="1174408"/>
+            <a:off x="705677" y="1065079"/>
             <a:ext cx="2544419" cy="2433499"/>
           </a:xfrm>
         </p:spPr>
@@ -2184,7 +2184,7 @@
         </p:nvSpPr>
         <p:spPr>
           <a:xfrm>
-            <a:off x="3405675" y="1174408"/>
+            <a:off x="3405675" y="1065079"/>
             <a:ext cx="2544419" cy="2433499"/>
           </a:xfrm>
         </p:spPr>
@@ -2222,7 +2222,7 @@
         </p:nvSpPr>
         <p:spPr>
           <a:xfrm>
-            <a:off x="705677" y="3892408"/>
+            <a:off x="705677" y="3783079"/>
             <a:ext cx="2544419" cy="2433499"/>
           </a:xfrm>
         </p:spPr>
@@ -2260,7 +2260,7 @@
         </p:nvSpPr>
         <p:spPr>
           <a:xfrm>
-            <a:off x="3405675" y="3892408"/>
+            <a:off x="3405675" y="3783079"/>
             <a:ext cx="2544419" cy="2433499"/>
           </a:xfrm>
         </p:spPr>
@@ -3525,7 +3525,7 @@
     </p:spTree>
     <p:extLst>
       <p:ext uri="{BB962C8B-B14F-4D97-AF65-F5344CB8AC3E}">
-        <p14:creationId xmlns:p14="http://schemas.microsoft.com/office/powerpoint/2010/main" val="2546053104"/>
+        <p14:creationId xmlns:p14="http://schemas.microsoft.com/office/powerpoint/2010/main" val="3968685629"/>
       </p:ext>
     </p:extLst>
   </p:cSld>
@@ -3770,7 +3770,7 @@
     </p:spTree>
     <p:extLst>
       <p:ext uri="{BB962C8B-B14F-4D97-AF65-F5344CB8AC3E}">
-        <p14:creationId xmlns:p14="http://schemas.microsoft.com/office/powerpoint/2010/main" val="2360520875"/>
+        <p14:creationId xmlns:p14="http://schemas.microsoft.com/office/powerpoint/2010/main" val="1201793022"/>
       </p:ext>
     </p:extLst>
   </p:cSld>
@@ -4015,7 +4015,7 @@
     </p:spTree>
     <p:extLst>
       <p:ext uri="{BB962C8B-B14F-4D97-AF65-F5344CB8AC3E}">
-        <p14:creationId xmlns:p14="http://schemas.microsoft.com/office/powerpoint/2010/main" val="1696932425"/>
+        <p14:creationId xmlns:p14="http://schemas.microsoft.com/office/powerpoint/2010/main" val="2447884560"/>
       </p:ext>
     </p:extLst>
   </p:cSld>
@@ -4260,7 +4260,7 @@
     </p:spTree>
     <p:extLst>
       <p:ext uri="{BB962C8B-B14F-4D97-AF65-F5344CB8AC3E}">
-        <p14:creationId xmlns:p14="http://schemas.microsoft.com/office/powerpoint/2010/main" val="1495659281"/>
+        <p14:creationId xmlns:p14="http://schemas.microsoft.com/office/powerpoint/2010/main" val="1109316769"/>
       </p:ext>
     </p:extLst>
   </p:cSld>
@@ -4505,7 +4505,7 @@
     </p:spTree>
     <p:extLst>
       <p:ext uri="{BB962C8B-B14F-4D97-AF65-F5344CB8AC3E}">
-        <p14:creationId xmlns:p14="http://schemas.microsoft.com/office/powerpoint/2010/main" val="563040602"/>
+        <p14:creationId xmlns:p14="http://schemas.microsoft.com/office/powerpoint/2010/main" val="116315035"/>
       </p:ext>
     </p:extLst>
   </p:cSld>
@@ -4750,7 +4750,7 @@
     </p:spTree>
     <p:extLst>
       <p:ext uri="{BB962C8B-B14F-4D97-AF65-F5344CB8AC3E}">
-        <p14:creationId xmlns:p14="http://schemas.microsoft.com/office/powerpoint/2010/main" val="492107228"/>
+        <p14:creationId xmlns:p14="http://schemas.microsoft.com/office/powerpoint/2010/main" val="3656892457"/>
       </p:ext>
     </p:extLst>
   </p:cSld>
@@ -4995,7 +4995,7 @@
     </p:spTree>
     <p:extLst>
       <p:ext uri="{BB962C8B-B14F-4D97-AF65-F5344CB8AC3E}">
-        <p14:creationId xmlns:p14="http://schemas.microsoft.com/office/powerpoint/2010/main" val="3596780476"/>
+        <p14:creationId xmlns:p14="http://schemas.microsoft.com/office/powerpoint/2010/main" val="2338613307"/>
       </p:ext>
     </p:extLst>
   </p:cSld>
@@ -5240,7 +5240,7 @@
     </p:spTree>
     <p:extLst>
       <p:ext uri="{BB962C8B-B14F-4D97-AF65-F5344CB8AC3E}">
-        <p14:creationId xmlns:p14="http://schemas.microsoft.com/office/powerpoint/2010/main" val="1746531864"/>
+        <p14:creationId xmlns:p14="http://schemas.microsoft.com/office/powerpoint/2010/main" val="665066103"/>
       </p:ext>
     </p:extLst>
   </p:cSld>
@@ -5485,7 +5485,7 @@
     </p:spTree>
     <p:extLst>
       <p:ext uri="{BB962C8B-B14F-4D97-AF65-F5344CB8AC3E}">
-        <p14:creationId xmlns:p14="http://schemas.microsoft.com/office/powerpoint/2010/main" val="1832174183"/>
+        <p14:creationId xmlns:p14="http://schemas.microsoft.com/office/powerpoint/2010/main" val="1503706329"/>
       </p:ext>
     </p:extLst>
   </p:cSld>
@@ -6184,6 +6184,17 @@
 </file>
 
 <file path=customXml/item1.xml><?xml version="1.0" encoding="utf-8"?>
+<p:properties xmlns:p="http://schemas.microsoft.com/office/2006/metadata/properties" xmlns:xsi="http://www.w3.org/2001/XMLSchema-instance" xmlns:pc="http://schemas.microsoft.com/office/infopath/2007/PartnerControls">
+  <documentManagement>
+    <TaxCatchAll xmlns="9bea065c-4598-471b-a0d8-b208471d6a41" xsi:nil="true"/>
+    <lcf76f155ced4ddcb4097134ff3c332f xmlns="737cdb0d-9f15-48ec-9529-975a91239bb1">
+      <Terms xmlns="http://schemas.microsoft.com/office/infopath/2007/PartnerControls"/>
+    </lcf76f155ced4ddcb4097134ff3c332f>
+  </documentManagement>
+</p:properties>
+</file>
+
+<file path=customXml/item2.xml><?xml version="1.0" encoding="utf-8"?>
 <ct:contentTypeSchema xmlns:ct="http://schemas.microsoft.com/office/2006/metadata/contentType" xmlns:ma="http://schemas.microsoft.com/office/2006/metadata/properties/metaAttributes" ct:_="" ma:_="" ma:contentTypeName="Document" ma:contentTypeID="0x010100A2CD2B7DD7D5E348A4B5B847AD49C1E4" ma:contentTypeVersion="15" ma:contentTypeDescription="Create a new document." ma:contentTypeScope="" ma:versionID="8e0e392dcf65750e3ad704a59f705fb3">
   <xsd:schema xmlns:xsd="http://www.w3.org/2001/XMLSchema" xmlns:xs="http://www.w3.org/2001/XMLSchema" xmlns:p="http://schemas.microsoft.com/office/2006/metadata/properties" xmlns:ns2="737cdb0d-9f15-48ec-9529-975a91239bb1" xmlns:ns3="9bea065c-4598-471b-a0d8-b208471d6a41" targetNamespace="http://schemas.microsoft.com/office/2006/metadata/properties" ma:root="true" ma:fieldsID="16d7d9ff6e2e2d483fddd166083c89fa" ns2:_="" ns3:_="">
     <xsd:import namespace="737cdb0d-9f15-48ec-9529-975a91239bb1"/>
@@ -6418,17 +6429,6 @@
 </ct:contentTypeSchema>
 </file>
 
-<file path=customXml/item2.xml><?xml version="1.0" encoding="utf-8"?>
-<p:properties xmlns:p="http://schemas.microsoft.com/office/2006/metadata/properties" xmlns:xsi="http://www.w3.org/2001/XMLSchema-instance" xmlns:pc="http://schemas.microsoft.com/office/infopath/2007/PartnerControls">
-  <documentManagement>
-    <TaxCatchAll xmlns="9bea065c-4598-471b-a0d8-b208471d6a41" xsi:nil="true"/>
-    <lcf76f155ced4ddcb4097134ff3c332f xmlns="737cdb0d-9f15-48ec-9529-975a91239bb1">
-      <Terms xmlns="http://schemas.microsoft.com/office/infopath/2007/PartnerControls"/>
-    </lcf76f155ced4ddcb4097134ff3c332f>
-  </documentManagement>
-</p:properties>
-</file>
-
 <file path=customXml/item3.xml><?xml version="1.0" encoding="utf-8"?>
 <?mso-contentType ?>
 <FormTemplates xmlns="http://schemas.microsoft.com/sharepoint/v3/contenttype/forms">
@@ -6439,6 +6439,23 @@
 </file>
 
 <file path=customXml/itemProps1.xml><?xml version="1.0" encoding="utf-8"?>
+<ds:datastoreItem xmlns:ds="http://schemas.openxmlformats.org/officeDocument/2006/customXml" ds:itemID="{9674E985-4D59-45AB-8970-AD8E2C92CE21}">
+  <ds:schemaRefs>
+    <ds:schemaRef ds:uri="http://schemas.openxmlformats.org/package/2006/metadata/core-properties"/>
+    <ds:schemaRef ds:uri="http://www.w3.org/XML/1998/namespace"/>
+    <ds:schemaRef ds:uri="http://schemas.microsoft.com/office/2006/documentManagement/types"/>
+    <ds:schemaRef ds:uri="http://purl.org/dc/dcmitype/"/>
+    <ds:schemaRef ds:uri="http://schemas.microsoft.com/office/infopath/2007/PartnerControls"/>
+    <ds:schemaRef ds:uri="http://purl.org/dc/terms/"/>
+    <ds:schemaRef ds:uri="http://purl.org/dc/elements/1.1/"/>
+    <ds:schemaRef ds:uri="9bea065c-4598-471b-a0d8-b208471d6a41"/>
+    <ds:schemaRef ds:uri="737cdb0d-9f15-48ec-9529-975a91239bb1"/>
+    <ds:schemaRef ds:uri="http://schemas.microsoft.com/office/2006/metadata/properties"/>
+  </ds:schemaRefs>
+</ds:datastoreItem>
+</file>
+
+<file path=customXml/itemProps2.xml><?xml version="1.0" encoding="utf-8"?>
 <ds:datastoreItem xmlns:ds="http://schemas.openxmlformats.org/officeDocument/2006/customXml" ds:itemID="{C4D443D4-D2BB-47D9-93BA-F264F5B47780}">
   <ds:schemaRefs>
     <ds:schemaRef ds:uri="737cdb0d-9f15-48ec-9529-975a91239bb1"/>
@@ -6457,23 +6474,6 @@
 </ds:datastoreItem>
 </file>
 
-<file path=customXml/itemProps2.xml><?xml version="1.0" encoding="utf-8"?>
-<ds:datastoreItem xmlns:ds="http://schemas.openxmlformats.org/officeDocument/2006/customXml" ds:itemID="{9674E985-4D59-45AB-8970-AD8E2C92CE21}">
-  <ds:schemaRefs>
-    <ds:schemaRef ds:uri="http://schemas.openxmlformats.org/package/2006/metadata/core-properties"/>
-    <ds:schemaRef ds:uri="http://www.w3.org/XML/1998/namespace"/>
-    <ds:schemaRef ds:uri="http://schemas.microsoft.com/office/2006/documentManagement/types"/>
-    <ds:schemaRef ds:uri="http://purl.org/dc/dcmitype/"/>
-    <ds:schemaRef ds:uri="http://schemas.microsoft.com/office/infopath/2007/PartnerControls"/>
-    <ds:schemaRef ds:uri="http://purl.org/dc/terms/"/>
-    <ds:schemaRef ds:uri="http://purl.org/dc/elements/1.1/"/>
-    <ds:schemaRef ds:uri="9bea065c-4598-471b-a0d8-b208471d6a41"/>
-    <ds:schemaRef ds:uri="737cdb0d-9f15-48ec-9529-975a91239bb1"/>
-    <ds:schemaRef ds:uri="http://schemas.microsoft.com/office/2006/metadata/properties"/>
-  </ds:schemaRefs>
-</ds:datastoreItem>
-</file>
-
 <file path=customXml/itemProps3.xml><?xml version="1.0" encoding="utf-8"?>
 <ds:datastoreItem xmlns:ds="http://schemas.openxmlformats.org/officeDocument/2006/customXml" ds:itemID="{3BB299B6-1159-4940-B296-E198453C8E80}">
   <ds:schemaRefs>

--- a/SWOT_template.pptx
+++ b/SWOT_template.pptx
@@ -518,21 +518,6 @@
           <a:bodyPr/>
           <a:lstStyle/>
           <a:p>
-            <a:r>
-              <a:rPr lang="en-GB" dirty="0"/>
-              <a:t>Please note – any references that say they are from “Knowledge Base” should be checked. </a:t>
-            </a:r>
-          </a:p>
-          <a:p>
-            <a:endParaRPr lang="en-GB" dirty="0"/>
-          </a:p>
-          <a:p>
-            <a:r>
-              <a:rPr lang="en-GB" dirty="0"/>
-              <a:t>This means that GPT has either extrapolated directly from its knowledge base (vs. a source), or made a leap from a source. Basically, if it says “Knowledge Base” it’s a red flag for a potential hallucination and has to be checked manually. </a:t>
-            </a:r>
-          </a:p>
-          <a:p>
             <a:endParaRPr lang="en-US" dirty="0"/>
           </a:p>
         </p:txBody>
@@ -617,21 +602,6 @@
           <a:bodyPr/>
           <a:lstStyle/>
           <a:p>
-            <a:r>
-              <a:rPr lang="en-GB" dirty="0"/>
-              <a:t>Please note – any references that say they are from “Knowledge Base” should be checked. </a:t>
-            </a:r>
-          </a:p>
-          <a:p>
-            <a:endParaRPr lang="en-GB" dirty="0"/>
-          </a:p>
-          <a:p>
-            <a:r>
-              <a:rPr lang="en-GB" dirty="0"/>
-              <a:t>This means that GPT has either extrapolated directly from its knowledge base (vs. a source), or made a leap from a source. Basically, if it says “Knowledge Base” it’s a red flag for a potential hallucination and has to be checked manually. </a:t>
-            </a:r>
-          </a:p>
-          <a:p>
             <a:endParaRPr lang="en-US" dirty="0"/>
           </a:p>
         </p:txBody>
@@ -716,21 +686,6 @@
           <a:bodyPr/>
           <a:lstStyle/>
           <a:p>
-            <a:r>
-              <a:rPr lang="en-GB" dirty="0"/>
-              <a:t>Please note – any references that say they are from “Knowledge Base” should be checked. </a:t>
-            </a:r>
-          </a:p>
-          <a:p>
-            <a:endParaRPr lang="en-GB" dirty="0"/>
-          </a:p>
-          <a:p>
-            <a:r>
-              <a:rPr lang="en-GB" dirty="0"/>
-              <a:t>This means that GPT has either extrapolated directly from its knowledge base (vs. a source), or made a leap from a source. Basically, if it says “Knowledge Base” it’s a red flag for a potential hallucination and has to be checked manually. </a:t>
-            </a:r>
-          </a:p>
-          <a:p>
             <a:endParaRPr lang="en-US" dirty="0"/>
           </a:p>
         </p:txBody>
@@ -815,21 +770,6 @@
           <a:bodyPr/>
           <a:lstStyle/>
           <a:p>
-            <a:r>
-              <a:rPr lang="en-GB" dirty="0"/>
-              <a:t>Please note – any references that say they are from “Knowledge Base” should be checked. </a:t>
-            </a:r>
-          </a:p>
-          <a:p>
-            <a:endParaRPr lang="en-GB" dirty="0"/>
-          </a:p>
-          <a:p>
-            <a:r>
-              <a:rPr lang="en-GB" dirty="0"/>
-              <a:t>This means that GPT has either extrapolated directly from its knowledge base (vs. a source), or made a leap from a source. Basically, if it says “Knowledge Base” it’s a red flag for a potential hallucination and has to be checked manually. </a:t>
-            </a:r>
-          </a:p>
-          <a:p>
             <a:endParaRPr lang="en-US" dirty="0"/>
           </a:p>
         </p:txBody>
@@ -914,21 +854,6 @@
           <a:bodyPr/>
           <a:lstStyle/>
           <a:p>
-            <a:r>
-              <a:rPr lang="en-GB" dirty="0"/>
-              <a:t>Please note – any references that say they are from “Knowledge Base” should be checked. </a:t>
-            </a:r>
-          </a:p>
-          <a:p>
-            <a:endParaRPr lang="en-GB" dirty="0"/>
-          </a:p>
-          <a:p>
-            <a:r>
-              <a:rPr lang="en-GB" dirty="0"/>
-              <a:t>This means that GPT has either extrapolated directly from its knowledge base (vs. a source), or made a leap from a source. Basically, if it says “Knowledge Base” it’s a red flag for a potential hallucination and has to be checked manually. </a:t>
-            </a:r>
-          </a:p>
-          <a:p>
             <a:endParaRPr lang="en-US" dirty="0"/>
           </a:p>
         </p:txBody>
@@ -1013,21 +938,6 @@
           <a:bodyPr/>
           <a:lstStyle/>
           <a:p>
-            <a:r>
-              <a:rPr lang="en-GB" dirty="0"/>
-              <a:t>Please note – any references that say they are from “Knowledge Base” should be checked. </a:t>
-            </a:r>
-          </a:p>
-          <a:p>
-            <a:endParaRPr lang="en-GB" dirty="0"/>
-          </a:p>
-          <a:p>
-            <a:r>
-              <a:rPr lang="en-GB" dirty="0"/>
-              <a:t>This means that GPT has either extrapolated directly from its knowledge base (vs. a source), or made a leap from a source. Basically, if it says “Knowledge Base” it’s a red flag for a potential hallucination and has to be checked manually. </a:t>
-            </a:r>
-          </a:p>
-          <a:p>
             <a:endParaRPr lang="en-US" dirty="0"/>
           </a:p>
         </p:txBody>
@@ -1112,21 +1022,6 @@
           <a:bodyPr/>
           <a:lstStyle/>
           <a:p>
-            <a:r>
-              <a:rPr lang="en-GB" dirty="0"/>
-              <a:t>Please note – any references that say they are from “Knowledge Base” should be checked. </a:t>
-            </a:r>
-          </a:p>
-          <a:p>
-            <a:endParaRPr lang="en-GB" dirty="0"/>
-          </a:p>
-          <a:p>
-            <a:r>
-              <a:rPr lang="en-GB" dirty="0"/>
-              <a:t>This means that GPT has either extrapolated directly from its knowledge base (vs. a source), or made a leap from a source. Basically, if it says “Knowledge Base” it’s a red flag for a potential hallucination and has to be checked manually. </a:t>
-            </a:r>
-          </a:p>
-          <a:p>
             <a:endParaRPr lang="en-US" dirty="0"/>
           </a:p>
         </p:txBody>
@@ -1211,21 +1106,6 @@
           <a:bodyPr/>
           <a:lstStyle/>
           <a:p>
-            <a:r>
-              <a:rPr lang="en-GB" dirty="0"/>
-              <a:t>Please note – any references that say they are from “Knowledge Base” should be checked. </a:t>
-            </a:r>
-          </a:p>
-          <a:p>
-            <a:endParaRPr lang="en-GB" dirty="0"/>
-          </a:p>
-          <a:p>
-            <a:r>
-              <a:rPr lang="en-GB" dirty="0"/>
-              <a:t>This means that GPT has either extrapolated directly from its knowledge base (vs. a source), or made a leap from a source. Basically, if it says “Knowledge Base” it’s a red flag for a potential hallucination and has to be checked manually. </a:t>
-            </a:r>
-          </a:p>
-          <a:p>
             <a:endParaRPr lang="en-US" dirty="0"/>
           </a:p>
         </p:txBody>
@@ -1310,21 +1190,6 @@
           <a:bodyPr/>
           <a:lstStyle/>
           <a:p>
-            <a:r>
-              <a:rPr lang="en-GB" dirty="0"/>
-              <a:t>Please note – any references that say they are from “Knowledge Base” should be checked. </a:t>
-            </a:r>
-          </a:p>
-          <a:p>
-            <a:endParaRPr lang="en-GB" dirty="0"/>
-          </a:p>
-          <a:p>
-            <a:r>
-              <a:rPr lang="en-GB" dirty="0"/>
-              <a:t>This means that GPT has either extrapolated directly from its knowledge base (vs. a source), or made a leap from a source. Basically, if it says “Knowledge Base” it’s a red flag for a potential hallucination and has to be checked manually. </a:t>
-            </a:r>
-          </a:p>
-          <a:p>
             <a:endParaRPr lang="en-US" dirty="0"/>
           </a:p>
         </p:txBody>
@@ -1408,21 +1273,6 @@
         <p:txBody>
           <a:bodyPr/>
           <a:lstStyle/>
-          <a:p>
-            <a:r>
-              <a:rPr lang="en-GB" dirty="0"/>
-              <a:t>Please note – any references that say they are from “Knowledge Base” should be checked. </a:t>
-            </a:r>
-          </a:p>
-          <a:p>
-            <a:endParaRPr lang="en-GB" dirty="0"/>
-          </a:p>
-          <a:p>
-            <a:r>
-              <a:rPr lang="en-GB" dirty="0"/>
-              <a:t>This means that GPT has either extrapolated directly from its knowledge base (vs. a source), or made a leap from a source. Basically, if it says “Knowledge Base” it’s a red flag for a potential hallucination and has to be checked manually. </a:t>
-            </a:r>
-          </a:p>
           <a:p>
             <a:endParaRPr lang="en-US" dirty="0"/>
           </a:p>
@@ -3532,13 +3382,13 @@
   <p:clrMapOvr>
     <a:masterClrMapping/>
   </p:clrMapOvr>
-  <mc:AlternateContent xmlns:mc="http://schemas.openxmlformats.org/markup-compatibility/2006">
-    <mc:Choice xmlns:p14="http://schemas.microsoft.com/office/powerpoint/2010/main" Requires="p14">
+  <mc:AlternateContent xmlns:mc="http://schemas.openxmlformats.org/markup-compatibility/2006" xmlns:p14="http://schemas.microsoft.com/office/powerpoint/2010/main">
+    <mc:Choice Requires="p14">
       <p:transition spd="med" p14:dur="700">
         <p:fade/>
       </p:transition>
     </mc:Choice>
-    <mc:Fallback>
+    <mc:Fallback xmlns="">
       <p:transition spd="med">
         <p:fade/>
       </p:transition>
@@ -3777,13 +3627,13 @@
   <p:clrMapOvr>
     <a:masterClrMapping/>
   </p:clrMapOvr>
-  <mc:AlternateContent xmlns:mc="http://schemas.openxmlformats.org/markup-compatibility/2006">
-    <mc:Choice xmlns:p14="http://schemas.microsoft.com/office/powerpoint/2010/main" Requires="p14">
+  <mc:AlternateContent xmlns:mc="http://schemas.openxmlformats.org/markup-compatibility/2006" xmlns:p14="http://schemas.microsoft.com/office/powerpoint/2010/main">
+    <mc:Choice Requires="p14">
       <p:transition spd="med" p14:dur="700">
         <p:fade/>
       </p:transition>
     </mc:Choice>
-    <mc:Fallback>
+    <mc:Fallback xmlns="">
       <p:transition spd="med">
         <p:fade/>
       </p:transition>
@@ -4022,13 +3872,13 @@
   <p:clrMapOvr>
     <a:masterClrMapping/>
   </p:clrMapOvr>
-  <mc:AlternateContent xmlns:mc="http://schemas.openxmlformats.org/markup-compatibility/2006">
-    <mc:Choice xmlns:p14="http://schemas.microsoft.com/office/powerpoint/2010/main" Requires="p14">
+  <mc:AlternateContent xmlns:mc="http://schemas.openxmlformats.org/markup-compatibility/2006" xmlns:p14="http://schemas.microsoft.com/office/powerpoint/2010/main">
+    <mc:Choice Requires="p14">
       <p:transition spd="med" p14:dur="700">
         <p:fade/>
       </p:transition>
     </mc:Choice>
-    <mc:Fallback>
+    <mc:Fallback xmlns="">
       <p:transition spd="med">
         <p:fade/>
       </p:transition>
@@ -4267,13 +4117,13 @@
   <p:clrMapOvr>
     <a:masterClrMapping/>
   </p:clrMapOvr>
-  <mc:AlternateContent xmlns:mc="http://schemas.openxmlformats.org/markup-compatibility/2006">
-    <mc:Choice xmlns:p14="http://schemas.microsoft.com/office/powerpoint/2010/main" Requires="p14">
+  <mc:AlternateContent xmlns:mc="http://schemas.openxmlformats.org/markup-compatibility/2006" xmlns:p14="http://schemas.microsoft.com/office/powerpoint/2010/main">
+    <mc:Choice Requires="p14">
       <p:transition spd="med" p14:dur="700">
         <p:fade/>
       </p:transition>
     </mc:Choice>
-    <mc:Fallback>
+    <mc:Fallback xmlns="">
       <p:transition spd="med">
         <p:fade/>
       </p:transition>
@@ -4512,13 +4362,13 @@
   <p:clrMapOvr>
     <a:masterClrMapping/>
   </p:clrMapOvr>
-  <mc:AlternateContent xmlns:mc="http://schemas.openxmlformats.org/markup-compatibility/2006">
-    <mc:Choice xmlns:p14="http://schemas.microsoft.com/office/powerpoint/2010/main" Requires="p14">
+  <mc:AlternateContent xmlns:mc="http://schemas.openxmlformats.org/markup-compatibility/2006" xmlns:p14="http://schemas.microsoft.com/office/powerpoint/2010/main">
+    <mc:Choice Requires="p14">
       <p:transition spd="med" p14:dur="700">
         <p:fade/>
       </p:transition>
     </mc:Choice>
-    <mc:Fallback>
+    <mc:Fallback xmlns="">
       <p:transition spd="med">
         <p:fade/>
       </p:transition>
@@ -4757,13 +4607,13 @@
   <p:clrMapOvr>
     <a:masterClrMapping/>
   </p:clrMapOvr>
-  <mc:AlternateContent xmlns:mc="http://schemas.openxmlformats.org/markup-compatibility/2006">
-    <mc:Choice xmlns:p14="http://schemas.microsoft.com/office/powerpoint/2010/main" Requires="p14">
+  <mc:AlternateContent xmlns:mc="http://schemas.openxmlformats.org/markup-compatibility/2006" xmlns:p14="http://schemas.microsoft.com/office/powerpoint/2010/main">
+    <mc:Choice Requires="p14">
       <p:transition spd="med" p14:dur="700">
         <p:fade/>
       </p:transition>
     </mc:Choice>
-    <mc:Fallback>
+    <mc:Fallback xmlns="">
       <p:transition spd="med">
         <p:fade/>
       </p:transition>
@@ -5002,13 +4852,13 @@
   <p:clrMapOvr>
     <a:masterClrMapping/>
   </p:clrMapOvr>
-  <mc:AlternateContent xmlns:mc="http://schemas.openxmlformats.org/markup-compatibility/2006">
-    <mc:Choice xmlns:p14="http://schemas.microsoft.com/office/powerpoint/2010/main" Requires="p14">
+  <mc:AlternateContent xmlns:mc="http://schemas.openxmlformats.org/markup-compatibility/2006" xmlns:p14="http://schemas.microsoft.com/office/powerpoint/2010/main">
+    <mc:Choice Requires="p14">
       <p:transition spd="med" p14:dur="700">
         <p:fade/>
       </p:transition>
     </mc:Choice>
-    <mc:Fallback>
+    <mc:Fallback xmlns="">
       <p:transition spd="med">
         <p:fade/>
       </p:transition>
@@ -5247,13 +5097,13 @@
   <p:clrMapOvr>
     <a:masterClrMapping/>
   </p:clrMapOvr>
-  <mc:AlternateContent xmlns:mc="http://schemas.openxmlformats.org/markup-compatibility/2006">
-    <mc:Choice xmlns:p14="http://schemas.microsoft.com/office/powerpoint/2010/main" Requires="p14">
+  <mc:AlternateContent xmlns:mc="http://schemas.openxmlformats.org/markup-compatibility/2006" xmlns:p14="http://schemas.microsoft.com/office/powerpoint/2010/main">
+    <mc:Choice Requires="p14">
       <p:transition spd="med" p14:dur="700">
         <p:fade/>
       </p:transition>
     </mc:Choice>
-    <mc:Fallback>
+    <mc:Fallback xmlns="">
       <p:transition spd="med">
         <p:fade/>
       </p:transition>
@@ -5492,13 +5342,13 @@
   <p:clrMapOvr>
     <a:masterClrMapping/>
   </p:clrMapOvr>
-  <mc:AlternateContent xmlns:mc="http://schemas.openxmlformats.org/markup-compatibility/2006">
-    <mc:Choice xmlns:p14="http://schemas.microsoft.com/office/powerpoint/2010/main" Requires="p14">
+  <mc:AlternateContent xmlns:mc="http://schemas.openxmlformats.org/markup-compatibility/2006" xmlns:p14="http://schemas.microsoft.com/office/powerpoint/2010/main">
+    <mc:Choice Requires="p14">
       <p:transition spd="med" p14:dur="700">
         <p:fade/>
       </p:transition>
     </mc:Choice>
-    <mc:Fallback>
+    <mc:Fallback xmlns="">
       <p:transition spd="med">
         <p:fade/>
       </p:transition>
@@ -6184,17 +6034,6 @@
 </file>
 
 <file path=customXml/item1.xml><?xml version="1.0" encoding="utf-8"?>
-<p:properties xmlns:p="http://schemas.microsoft.com/office/2006/metadata/properties" xmlns:xsi="http://www.w3.org/2001/XMLSchema-instance" xmlns:pc="http://schemas.microsoft.com/office/infopath/2007/PartnerControls">
-  <documentManagement>
-    <TaxCatchAll xmlns="9bea065c-4598-471b-a0d8-b208471d6a41" xsi:nil="true"/>
-    <lcf76f155ced4ddcb4097134ff3c332f xmlns="737cdb0d-9f15-48ec-9529-975a91239bb1">
-      <Terms xmlns="http://schemas.microsoft.com/office/infopath/2007/PartnerControls"/>
-    </lcf76f155ced4ddcb4097134ff3c332f>
-  </documentManagement>
-</p:properties>
-</file>
-
-<file path=customXml/item2.xml><?xml version="1.0" encoding="utf-8"?>
 <ct:contentTypeSchema xmlns:ct="http://schemas.microsoft.com/office/2006/metadata/contentType" xmlns:ma="http://schemas.microsoft.com/office/2006/metadata/properties/metaAttributes" ct:_="" ma:_="" ma:contentTypeName="Document" ma:contentTypeID="0x010100A2CD2B7DD7D5E348A4B5B847AD49C1E4" ma:contentTypeVersion="15" ma:contentTypeDescription="Create a new document." ma:contentTypeScope="" ma:versionID="8e0e392dcf65750e3ad704a59f705fb3">
   <xsd:schema xmlns:xsd="http://www.w3.org/2001/XMLSchema" xmlns:xs="http://www.w3.org/2001/XMLSchema" xmlns:p="http://schemas.microsoft.com/office/2006/metadata/properties" xmlns:ns2="737cdb0d-9f15-48ec-9529-975a91239bb1" xmlns:ns3="9bea065c-4598-471b-a0d8-b208471d6a41" targetNamespace="http://schemas.microsoft.com/office/2006/metadata/properties" ma:root="true" ma:fieldsID="16d7d9ff6e2e2d483fddd166083c89fa" ns2:_="" ns3:_="">
     <xsd:import namespace="737cdb0d-9f15-48ec-9529-975a91239bb1"/>
@@ -6429,6 +6268,17 @@
 </ct:contentTypeSchema>
 </file>
 
+<file path=customXml/item2.xml><?xml version="1.0" encoding="utf-8"?>
+<p:properties xmlns:p="http://schemas.microsoft.com/office/2006/metadata/properties" xmlns:xsi="http://www.w3.org/2001/XMLSchema-instance" xmlns:pc="http://schemas.microsoft.com/office/infopath/2007/PartnerControls">
+  <documentManagement>
+    <TaxCatchAll xmlns="9bea065c-4598-471b-a0d8-b208471d6a41" xsi:nil="true"/>
+    <lcf76f155ced4ddcb4097134ff3c332f xmlns="737cdb0d-9f15-48ec-9529-975a91239bb1">
+      <Terms xmlns="http://schemas.microsoft.com/office/infopath/2007/PartnerControls"/>
+    </lcf76f155ced4ddcb4097134ff3c332f>
+  </documentManagement>
+</p:properties>
+</file>
+
 <file path=customXml/item3.xml><?xml version="1.0" encoding="utf-8"?>
 <?mso-contentType ?>
 <FormTemplates xmlns="http://schemas.microsoft.com/sharepoint/v3/contenttype/forms">
@@ -6439,23 +6289,6 @@
 </file>
 
 <file path=customXml/itemProps1.xml><?xml version="1.0" encoding="utf-8"?>
-<ds:datastoreItem xmlns:ds="http://schemas.openxmlformats.org/officeDocument/2006/customXml" ds:itemID="{9674E985-4D59-45AB-8970-AD8E2C92CE21}">
-  <ds:schemaRefs>
-    <ds:schemaRef ds:uri="http://schemas.openxmlformats.org/package/2006/metadata/core-properties"/>
-    <ds:schemaRef ds:uri="http://www.w3.org/XML/1998/namespace"/>
-    <ds:schemaRef ds:uri="http://schemas.microsoft.com/office/2006/documentManagement/types"/>
-    <ds:schemaRef ds:uri="http://purl.org/dc/dcmitype/"/>
-    <ds:schemaRef ds:uri="http://schemas.microsoft.com/office/infopath/2007/PartnerControls"/>
-    <ds:schemaRef ds:uri="http://purl.org/dc/terms/"/>
-    <ds:schemaRef ds:uri="http://purl.org/dc/elements/1.1/"/>
-    <ds:schemaRef ds:uri="9bea065c-4598-471b-a0d8-b208471d6a41"/>
-    <ds:schemaRef ds:uri="737cdb0d-9f15-48ec-9529-975a91239bb1"/>
-    <ds:schemaRef ds:uri="http://schemas.microsoft.com/office/2006/metadata/properties"/>
-  </ds:schemaRefs>
-</ds:datastoreItem>
-</file>
-
-<file path=customXml/itemProps2.xml><?xml version="1.0" encoding="utf-8"?>
 <ds:datastoreItem xmlns:ds="http://schemas.openxmlformats.org/officeDocument/2006/customXml" ds:itemID="{C4D443D4-D2BB-47D9-93BA-F264F5B47780}">
   <ds:schemaRefs>
     <ds:schemaRef ds:uri="737cdb0d-9f15-48ec-9529-975a91239bb1"/>
@@ -6474,6 +6307,23 @@
 </ds:datastoreItem>
 </file>
 
+<file path=customXml/itemProps2.xml><?xml version="1.0" encoding="utf-8"?>
+<ds:datastoreItem xmlns:ds="http://schemas.openxmlformats.org/officeDocument/2006/customXml" ds:itemID="{9674E985-4D59-45AB-8970-AD8E2C92CE21}">
+  <ds:schemaRefs>
+    <ds:schemaRef ds:uri="http://schemas.openxmlformats.org/package/2006/metadata/core-properties"/>
+    <ds:schemaRef ds:uri="http://www.w3.org/XML/1998/namespace"/>
+    <ds:schemaRef ds:uri="http://schemas.microsoft.com/office/2006/documentManagement/types"/>
+    <ds:schemaRef ds:uri="http://purl.org/dc/dcmitype/"/>
+    <ds:schemaRef ds:uri="http://schemas.microsoft.com/office/infopath/2007/PartnerControls"/>
+    <ds:schemaRef ds:uri="http://purl.org/dc/terms/"/>
+    <ds:schemaRef ds:uri="http://purl.org/dc/elements/1.1/"/>
+    <ds:schemaRef ds:uri="9bea065c-4598-471b-a0d8-b208471d6a41"/>
+    <ds:schemaRef ds:uri="737cdb0d-9f15-48ec-9529-975a91239bb1"/>
+    <ds:schemaRef ds:uri="http://schemas.microsoft.com/office/2006/metadata/properties"/>
+  </ds:schemaRefs>
+</ds:datastoreItem>
+</file>
+
 <file path=customXml/itemProps3.xml><?xml version="1.0" encoding="utf-8"?>
 <ds:datastoreItem xmlns:ds="http://schemas.openxmlformats.org/officeDocument/2006/customXml" ds:itemID="{3BB299B6-1159-4940-B296-E198453C8E80}">
   <ds:schemaRefs>
